--- a/Dokumente/Implementierung/Präsentation/Präsentation.pptx
+++ b/Dokumente/Implementierung/Präsentation/Präsentation.pptx
@@ -8,17 +8,9 @@
     <p:sldId id="256" r:id="rId2"/>
     <p:sldId id="258" r:id="rId3"/>
     <p:sldId id="259" r:id="rId4"/>
-    <p:sldId id="260" r:id="rId5"/>
-    <p:sldId id="261" r:id="rId6"/>
-    <p:sldId id="262" r:id="rId7"/>
-    <p:sldId id="263" r:id="rId8"/>
-    <p:sldId id="264" r:id="rId9"/>
-    <p:sldId id="265" r:id="rId10"/>
-    <p:sldId id="266" r:id="rId11"/>
-    <p:sldId id="267" r:id="rId12"/>
-    <p:sldId id="268" r:id="rId13"/>
-    <p:sldId id="269" r:id="rId14"/>
-    <p:sldId id="270" r:id="rId15"/>
+    <p:sldId id="268" r:id="rId5"/>
+    <p:sldId id="269" r:id="rId6"/>
+    <p:sldId id="270" r:id="rId7"/>
   </p:sldIdLst>
   <p:sldSz cx="12192000" cy="6858000"/>
   <p:notesSz cx="6858000" cy="9144000"/>
@@ -117,6 +109,11 @@
       </a:defRPr>
     </a:lvl9pPr>
   </p:defaultTextStyle>
+  <p:extLst>
+    <p:ext uri="{EFAFB233-063F-42B5-8137-9DF3F51BA10A}">
+      <p15:sldGuideLst xmlns:p15="http://schemas.microsoft.com/office/powerpoint/2012/main"/>
+    </p:ext>
+  </p:extLst>
 </p:presentation>
 </file>
 
@@ -3396,7 +3393,12 @@
             <p:ph type="subTitle" idx="1"/>
           </p:nvPr>
         </p:nvSpPr>
-        <p:spPr/>
+        <p:spPr>
+          <a:xfrm>
+            <a:off x="1524000" y="4194220"/>
+            <a:ext cx="9144000" cy="1655762"/>
+          </a:xfrm>
+        </p:spPr>
         <p:txBody>
           <a:bodyPr>
             <a:normAutofit fontScale="92500" lnSpcReduction="20000"/>
@@ -3469,7 +3471,7 @@
 </p:sld>
 </file>
 
-<file path=ppt/slides/slide10.xml><?xml version="1.0" encoding="utf-8"?>
+<file path=ppt/slides/slide2.xml><?xml version="1.0" encoding="utf-8"?>
 <p:sld xmlns:a="http://schemas.openxmlformats.org/drawingml/2006/main" xmlns:r="http://schemas.openxmlformats.org/officeDocument/2006/relationships" xmlns:p="http://schemas.openxmlformats.org/presentationml/2006/main">
   <p:cSld>
     <p:spTree>
@@ -3491,7 +3493,7 @@
           <p:cNvPr id="2" name="Titel 1">
             <a:extLst>
               <a:ext uri="{FF2B5EF4-FFF2-40B4-BE49-F238E27FC236}">
-                <a16:creationId xmlns:a16="http://schemas.microsoft.com/office/drawing/2014/main" id="{956EFBF5-28ED-426D-8276-24DC212CC791}"/>
+                <a16:creationId xmlns:a16="http://schemas.microsoft.com/office/drawing/2014/main" id="{0E01564E-2EE1-4DB9-BDAA-E3A23393EB7A}"/>
               </a:ext>
             </a:extLst>
           </p:cNvPr>
@@ -3508,52 +3510,69 @@
           <a:lstStyle/>
           <a:p>
             <a:r>
+              <a:rPr lang="de-DE" dirty="0"/>
+              <a:t>Statistiken</a:t>
+            </a:r>
+            <a:endParaRPr lang="de-CH" dirty="0"/>
+          </a:p>
+        </p:txBody>
+      </p:sp>
+      <p:sp>
+        <p:nvSpPr>
+          <p:cNvPr id="3" name="Inhaltsplatzhalter 2">
+            <a:extLst>
+              <a:ext uri="{FF2B5EF4-FFF2-40B4-BE49-F238E27FC236}">
+                <a16:creationId xmlns:a16="http://schemas.microsoft.com/office/drawing/2014/main" id="{16B59307-11AE-4035-BC41-B45596CEE970}"/>
+              </a:ext>
+            </a:extLst>
+          </p:cNvPr>
+          <p:cNvSpPr>
+            <a:spLocks noGrp="1"/>
+          </p:cNvSpPr>
+          <p:nvPr>
+            <p:ph idx="1"/>
+          </p:nvPr>
+        </p:nvSpPr>
+        <p:spPr/>
+        <p:txBody>
+          <a:bodyPr/>
+          <a:lstStyle/>
+          <a:p>
+            <a:r>
+              <a:rPr lang="de-DE" dirty="0"/>
+              <a:t>X </a:t>
+            </a:r>
+            <a:r>
               <a:rPr lang="de-DE" dirty="0" err="1"/>
-              <a:t>Gson</a:t>
+              <a:t>Commits</a:t>
+            </a:r>
+            <a:endParaRPr lang="de-DE" dirty="0"/>
+          </a:p>
+          <a:p>
+            <a:r>
+              <a:rPr lang="de-DE" dirty="0"/>
+              <a:t>X Klassen und Schnittstellen</a:t>
+            </a:r>
+          </a:p>
+          <a:p>
+            <a:r>
+              <a:rPr lang="de-DE" dirty="0"/>
+              <a:t>X Pakete</a:t>
+            </a:r>
+          </a:p>
+          <a:p>
+            <a:r>
+              <a:rPr lang="de-DE" dirty="0"/>
+              <a:t>X Zeilen Java-Quellcode</a:t>
             </a:r>
             <a:endParaRPr lang="de-CH" dirty="0"/>
           </a:p>
         </p:txBody>
       </p:sp>
-      <p:pic>
-        <p:nvPicPr>
-          <p:cNvPr id="5" name="Inhaltsplatzhalter 4">
-            <a:extLst>
-              <a:ext uri="{FF2B5EF4-FFF2-40B4-BE49-F238E27FC236}">
-                <a16:creationId xmlns:a16="http://schemas.microsoft.com/office/drawing/2014/main" id="{AF89F7C5-BAE9-4D2F-BEB4-A283849301FB}"/>
-              </a:ext>
-            </a:extLst>
-          </p:cNvPr>
-          <p:cNvPicPr>
-            <a:picLocks noGrp="1" noChangeAspect="1"/>
-          </p:cNvPicPr>
-          <p:nvPr>
-            <p:ph idx="1"/>
-          </p:nvPr>
-        </p:nvPicPr>
-        <p:blipFill>
-          <a:blip r:embed="rId2">
-            <a:extLst>
-              <a:ext uri="{28A0092B-C50C-407E-A947-70E740481C1C}">
-                <a14:useLocalDpi xmlns:a14="http://schemas.microsoft.com/office/drawing/2010/main" val="0"/>
-              </a:ext>
-            </a:extLst>
-          </a:blip>
-          <a:stretch>
-            <a:fillRect/>
-          </a:stretch>
-        </p:blipFill>
-        <p:spPr>
-          <a:xfrm>
-            <a:off x="2318360" y="1696550"/>
-            <a:ext cx="7555280" cy="3777640"/>
-          </a:xfrm>
-        </p:spPr>
-      </p:pic>
     </p:spTree>
     <p:extLst>
       <p:ext uri="{BB962C8B-B14F-4D97-AF65-F5344CB8AC3E}">
-        <p14:creationId xmlns:p14="http://schemas.microsoft.com/office/powerpoint/2010/main" val="448724621"/>
+        <p14:creationId xmlns:p14="http://schemas.microsoft.com/office/powerpoint/2010/main" val="2983204798"/>
       </p:ext>
     </p:extLst>
   </p:cSld>
@@ -3563,7 +3582,7 @@
 </p:sld>
 </file>
 
-<file path=ppt/slides/slide11.xml><?xml version="1.0" encoding="utf-8"?>
+<file path=ppt/slides/slide3.xml><?xml version="1.0" encoding="utf-8"?>
 <p:sld xmlns:a="http://schemas.openxmlformats.org/drawingml/2006/main" xmlns:r="http://schemas.openxmlformats.org/officeDocument/2006/relationships" xmlns:p="http://schemas.openxmlformats.org/presentationml/2006/main">
   <p:cSld>
     <p:spTree>
@@ -3585,45 +3604,50 @@
           <p:cNvPr id="2" name="Titel 1">
             <a:extLst>
               <a:ext uri="{FF2B5EF4-FFF2-40B4-BE49-F238E27FC236}">
-                <a16:creationId xmlns:a16="http://schemas.microsoft.com/office/drawing/2014/main" id="{C975344D-516D-4943-BF86-85DE9D0EE6C9}"/>
-              </a:ext>
-            </a:extLst>
-          </p:cNvPr>
-          <p:cNvSpPr>
-            <a:spLocks noGrp="1"/>
-          </p:cNvSpPr>
-          <p:nvPr>
-            <p:ph type="title"/>
-          </p:nvPr>
-        </p:nvSpPr>
-        <p:spPr/>
-        <p:txBody>
-          <a:bodyPr/>
-          <a:lstStyle/>
-          <a:p>
-            <a:r>
-              <a:rPr lang="de-DE" dirty="0"/>
-              <a:t>Apache Commons Math</a:t>
-            </a:r>
-            <a:endParaRPr lang="de-CH" dirty="0"/>
+                <a16:creationId xmlns:a16="http://schemas.microsoft.com/office/drawing/2014/main" id="{DA7E33E4-E44C-4C94-9832-7DA2982238B7}"/>
+              </a:ext>
+            </a:extLst>
+          </p:cNvPr>
+          <p:cNvSpPr>
+            <a:spLocks noGrp="1"/>
+          </p:cNvSpPr>
+          <p:nvPr>
+            <p:ph type="ctrTitle"/>
+          </p:nvPr>
+        </p:nvSpPr>
+        <p:spPr>
+          <a:xfrm>
+            <a:off x="1524000" y="-1167999"/>
+            <a:ext cx="9144000" cy="2387600"/>
+          </a:xfrm>
+        </p:spPr>
+        <p:txBody>
+          <a:bodyPr>
+            <a:normAutofit/>
+          </a:bodyPr>
+          <a:lstStyle/>
+          <a:p>
+            <a:r>
+              <a:rPr lang="de-DE" sz="5400" dirty="0"/>
+              <a:t>Werkzeuge</a:t>
+            </a:r>
+            <a:endParaRPr lang="de-CH" sz="5400" dirty="0"/>
           </a:p>
         </p:txBody>
       </p:sp>
       <p:pic>
         <p:nvPicPr>
-          <p:cNvPr id="5" name="Inhaltsplatzhalter 4">
-            <a:extLst>
-              <a:ext uri="{FF2B5EF4-FFF2-40B4-BE49-F238E27FC236}">
-                <a16:creationId xmlns:a16="http://schemas.microsoft.com/office/drawing/2014/main" id="{3C106922-0672-4996-9DDC-5DCF0AD41030}"/>
+          <p:cNvPr id="5" name="Grafik 4">
+            <a:extLst>
+              <a:ext uri="{FF2B5EF4-FFF2-40B4-BE49-F238E27FC236}">
+                <a16:creationId xmlns:a16="http://schemas.microsoft.com/office/drawing/2014/main" id="{C0E47370-5C3C-412D-B99E-2E05C1991175}"/>
               </a:ext>
             </a:extLst>
           </p:cNvPr>
           <p:cNvPicPr>
-            <a:picLocks noGrp="1" noChangeAspect="1"/>
+            <a:picLocks noChangeAspect="1"/>
           </p:cNvPicPr>
-          <p:nvPr>
-            <p:ph idx="1"/>
-          </p:nvPr>
+          <p:nvPr/>
         </p:nvPicPr>
         <p:blipFill>
           <a:blip r:embed="rId2">
@@ -3639,25 +3663,589 @@
         </p:blipFill>
         <p:spPr>
           <a:xfrm>
-            <a:off x="3396403" y="2217683"/>
-            <a:ext cx="5399193" cy="2853859"/>
+            <a:off x="785222" y="1515291"/>
+            <a:ext cx="3146395" cy="1258558"/>
           </a:xfrm>
+          <a:prstGeom prst="rect">
+            <a:avLst/>
+          </a:prstGeom>
+        </p:spPr>
+      </p:pic>
+      <p:pic>
+        <p:nvPicPr>
+          <p:cNvPr id="7" name="Grafik 6">
+            <a:extLst>
+              <a:ext uri="{FF2B5EF4-FFF2-40B4-BE49-F238E27FC236}">
+                <a16:creationId xmlns:a16="http://schemas.microsoft.com/office/drawing/2014/main" id="{B11009AD-9232-43B3-A007-F18849A2737A}"/>
+              </a:ext>
+            </a:extLst>
+          </p:cNvPr>
+          <p:cNvPicPr>
+            <a:picLocks noChangeAspect="1"/>
+          </p:cNvPicPr>
+          <p:nvPr/>
+        </p:nvPicPr>
+        <p:blipFill>
+          <a:blip r:embed="rId3">
+            <a:extLst>
+              <a:ext uri="{28A0092B-C50C-407E-A947-70E740481C1C}">
+                <a14:useLocalDpi xmlns:a14="http://schemas.microsoft.com/office/drawing/2010/main" val="0"/>
+              </a:ext>
+            </a:extLst>
+          </a:blip>
+          <a:stretch>
+            <a:fillRect/>
+          </a:stretch>
+        </p:blipFill>
+        <p:spPr>
+          <a:xfrm>
+            <a:off x="4587580" y="1604010"/>
+            <a:ext cx="3016840" cy="1258559"/>
+          </a:xfrm>
+          <a:prstGeom prst="rect">
+            <a:avLst/>
+          </a:prstGeom>
+        </p:spPr>
+      </p:pic>
+      <p:pic>
+        <p:nvPicPr>
+          <p:cNvPr id="9" name="Grafik 8">
+            <a:extLst>
+              <a:ext uri="{FF2B5EF4-FFF2-40B4-BE49-F238E27FC236}">
+                <a16:creationId xmlns:a16="http://schemas.microsoft.com/office/drawing/2014/main" id="{0554F531-1973-41A4-93FF-AB1937356F85}"/>
+              </a:ext>
+            </a:extLst>
+          </p:cNvPr>
+          <p:cNvPicPr>
+            <a:picLocks noChangeAspect="1"/>
+          </p:cNvPicPr>
+          <p:nvPr/>
+        </p:nvPicPr>
+        <p:blipFill>
+          <a:blip r:embed="rId4">
+            <a:extLst>
+              <a:ext uri="{28A0092B-C50C-407E-A947-70E740481C1C}">
+                <a14:useLocalDpi xmlns:a14="http://schemas.microsoft.com/office/drawing/2010/main" val="0"/>
+              </a:ext>
+            </a:extLst>
+          </a:blip>
+          <a:stretch>
+            <a:fillRect/>
+          </a:stretch>
+        </p:blipFill>
+        <p:spPr>
+          <a:xfrm>
+            <a:off x="8511177" y="1193075"/>
+            <a:ext cx="2606765" cy="1955074"/>
+          </a:xfrm>
+          <a:prstGeom prst="rect">
+            <a:avLst/>
+          </a:prstGeom>
+        </p:spPr>
+      </p:pic>
+      <p:pic>
+        <p:nvPicPr>
+          <p:cNvPr id="11" name="Grafik 10">
+            <a:extLst>
+              <a:ext uri="{FF2B5EF4-FFF2-40B4-BE49-F238E27FC236}">
+                <a16:creationId xmlns:a16="http://schemas.microsoft.com/office/drawing/2014/main" id="{2AE56D90-E6CA-46B9-B803-8ECBDF6D7031}"/>
+              </a:ext>
+            </a:extLst>
+          </p:cNvPr>
+          <p:cNvPicPr>
+            <a:picLocks noChangeAspect="1"/>
+          </p:cNvPicPr>
+          <p:nvPr/>
+        </p:nvPicPr>
+        <p:blipFill>
+          <a:blip r:embed="rId5">
+            <a:extLst>
+              <a:ext uri="{28A0092B-C50C-407E-A947-70E740481C1C}">
+                <a14:useLocalDpi xmlns:a14="http://schemas.microsoft.com/office/drawing/2010/main" val="0"/>
+              </a:ext>
+            </a:extLst>
+          </a:blip>
+          <a:stretch>
+            <a:fillRect/>
+          </a:stretch>
+        </p:blipFill>
+        <p:spPr>
+          <a:xfrm>
+            <a:off x="1256212" y="3542084"/>
+            <a:ext cx="2719136" cy="2001201"/>
+          </a:xfrm>
+          <a:prstGeom prst="rect">
+            <a:avLst/>
+          </a:prstGeom>
+        </p:spPr>
+      </p:pic>
+      <p:pic>
+        <p:nvPicPr>
+          <p:cNvPr id="13" name="Grafik 12">
+            <a:extLst>
+              <a:ext uri="{FF2B5EF4-FFF2-40B4-BE49-F238E27FC236}">
+                <a16:creationId xmlns:a16="http://schemas.microsoft.com/office/drawing/2014/main" id="{A9BCD549-BE33-4BE3-A5D8-3F61A6BC488B}"/>
+              </a:ext>
+            </a:extLst>
+          </p:cNvPr>
+          <p:cNvPicPr>
+            <a:picLocks noChangeAspect="1"/>
+          </p:cNvPicPr>
+          <p:nvPr/>
+        </p:nvPicPr>
+        <p:blipFill>
+          <a:blip r:embed="rId6">
+            <a:extLst>
+              <a:ext uri="{28A0092B-C50C-407E-A947-70E740481C1C}">
+                <a14:useLocalDpi xmlns:a14="http://schemas.microsoft.com/office/drawing/2010/main" val="0"/>
+              </a:ext>
+            </a:extLst>
+          </a:blip>
+          <a:stretch>
+            <a:fillRect/>
+          </a:stretch>
+        </p:blipFill>
+        <p:spPr>
+          <a:xfrm>
+            <a:off x="4753043" y="3429000"/>
+            <a:ext cx="3257278" cy="995095"/>
+          </a:xfrm>
+          <a:prstGeom prst="rect">
+            <a:avLst/>
+          </a:prstGeom>
+        </p:spPr>
+      </p:pic>
+      <p:pic>
+        <p:nvPicPr>
+          <p:cNvPr id="15" name="Grafik 14">
+            <a:extLst>
+              <a:ext uri="{FF2B5EF4-FFF2-40B4-BE49-F238E27FC236}">
+                <a16:creationId xmlns:a16="http://schemas.microsoft.com/office/drawing/2014/main" id="{FB12F64B-6E71-48F0-BAEB-6B53A99A6646}"/>
+              </a:ext>
+            </a:extLst>
+          </p:cNvPr>
+          <p:cNvPicPr>
+            <a:picLocks noChangeAspect="1"/>
+          </p:cNvPicPr>
+          <p:nvPr/>
+        </p:nvPicPr>
+        <p:blipFill>
+          <a:blip r:embed="rId7">
+            <a:extLst>
+              <a:ext uri="{28A0092B-C50C-407E-A947-70E740481C1C}">
+                <a14:useLocalDpi xmlns:a14="http://schemas.microsoft.com/office/drawing/2010/main" val="0"/>
+              </a:ext>
+            </a:extLst>
+          </a:blip>
+          <a:stretch>
+            <a:fillRect/>
+          </a:stretch>
+        </p:blipFill>
+        <p:spPr>
+          <a:xfrm>
+            <a:off x="8587719" y="4099418"/>
+            <a:ext cx="2606765" cy="1443867"/>
+          </a:xfrm>
+          <a:prstGeom prst="rect">
+            <a:avLst/>
+          </a:prstGeom>
+        </p:spPr>
+      </p:pic>
+      <p:pic>
+        <p:nvPicPr>
+          <p:cNvPr id="17" name="Grafik 16">
+            <a:extLst>
+              <a:ext uri="{FF2B5EF4-FFF2-40B4-BE49-F238E27FC236}">
+                <a16:creationId xmlns:a16="http://schemas.microsoft.com/office/drawing/2014/main" id="{7E13077A-EE18-44FF-B903-4801345C0F64}"/>
+              </a:ext>
+            </a:extLst>
+          </p:cNvPr>
+          <p:cNvPicPr>
+            <a:picLocks noChangeAspect="1"/>
+          </p:cNvPicPr>
+          <p:nvPr/>
+        </p:nvPicPr>
+        <p:blipFill>
+          <a:blip r:embed="rId8">
+            <a:extLst>
+              <a:ext uri="{28A0092B-C50C-407E-A947-70E740481C1C}">
+                <a14:useLocalDpi xmlns:a14="http://schemas.microsoft.com/office/drawing/2010/main" val="0"/>
+              </a:ext>
+            </a:extLst>
+          </a:blip>
+          <a:stretch>
+            <a:fillRect/>
+          </a:stretch>
+        </p:blipFill>
+        <p:spPr>
+          <a:xfrm>
+            <a:off x="4480174" y="5270516"/>
+            <a:ext cx="2606765" cy="1303383"/>
+          </a:xfrm>
+          <a:prstGeom prst="rect">
+            <a:avLst/>
+          </a:prstGeom>
         </p:spPr>
       </p:pic>
     </p:spTree>
     <p:extLst>
       <p:ext uri="{BB962C8B-B14F-4D97-AF65-F5344CB8AC3E}">
-        <p14:creationId xmlns:p14="http://schemas.microsoft.com/office/powerpoint/2010/main" val="1691187409"/>
+        <p14:creationId xmlns:p14="http://schemas.microsoft.com/office/powerpoint/2010/main" val="294379831"/>
       </p:ext>
     </p:extLst>
   </p:cSld>
   <p:clrMapOvr>
     <a:masterClrMapping/>
   </p:clrMapOvr>
+  <p:timing>
+    <p:tnLst>
+      <p:par>
+        <p:cTn id="1" dur="indefinite" restart="never" nodeType="tmRoot">
+          <p:childTnLst>
+            <p:seq concurrent="1" nextAc="seek">
+              <p:cTn id="2" dur="indefinite" nodeType="mainSeq">
+                <p:childTnLst>
+                  <p:par>
+                    <p:cTn id="3" fill="hold">
+                      <p:stCondLst>
+                        <p:cond delay="indefinite"/>
+                      </p:stCondLst>
+                      <p:childTnLst>
+                        <p:par>
+                          <p:cTn id="4" fill="hold">
+                            <p:stCondLst>
+                              <p:cond delay="0"/>
+                            </p:stCondLst>
+                            <p:childTnLst>
+                              <p:par>
+                                <p:cTn id="5" presetID="1" presetClass="entr" presetSubtype="0" fill="hold" nodeType="clickEffect">
+                                  <p:stCondLst>
+                                    <p:cond delay="0"/>
+                                  </p:stCondLst>
+                                  <p:childTnLst>
+                                    <p:set>
+                                      <p:cBhvr>
+                                        <p:cTn id="6" dur="1" fill="hold">
+                                          <p:stCondLst>
+                                            <p:cond delay="0"/>
+                                          </p:stCondLst>
+                                        </p:cTn>
+                                        <p:tgtEl>
+                                          <p:spTgt spid="5"/>
+                                        </p:tgtEl>
+                                        <p:attrNameLst>
+                                          <p:attrName>style.visibility</p:attrName>
+                                        </p:attrNameLst>
+                                      </p:cBhvr>
+                                      <p:to>
+                                        <p:strVal val="visible"/>
+                                      </p:to>
+                                    </p:set>
+                                  </p:childTnLst>
+                                </p:cTn>
+                              </p:par>
+                            </p:childTnLst>
+                          </p:cTn>
+                        </p:par>
+                      </p:childTnLst>
+                    </p:cTn>
+                  </p:par>
+                  <p:par>
+                    <p:cTn id="7" fill="hold">
+                      <p:stCondLst>
+                        <p:cond delay="indefinite"/>
+                      </p:stCondLst>
+                      <p:childTnLst>
+                        <p:par>
+                          <p:cTn id="8" fill="hold">
+                            <p:stCondLst>
+                              <p:cond delay="0"/>
+                            </p:stCondLst>
+                            <p:childTnLst>
+                              <p:par>
+                                <p:cTn id="9" presetID="1" presetClass="entr" presetSubtype="0" fill="hold" nodeType="clickEffect">
+                                  <p:stCondLst>
+                                    <p:cond delay="0"/>
+                                  </p:stCondLst>
+                                  <p:childTnLst>
+                                    <p:set>
+                                      <p:cBhvr>
+                                        <p:cTn id="10" dur="1" fill="hold">
+                                          <p:stCondLst>
+                                            <p:cond delay="0"/>
+                                          </p:stCondLst>
+                                        </p:cTn>
+                                        <p:tgtEl>
+                                          <p:spTgt spid="7"/>
+                                        </p:tgtEl>
+                                        <p:attrNameLst>
+                                          <p:attrName>style.visibility</p:attrName>
+                                        </p:attrNameLst>
+                                      </p:cBhvr>
+                                      <p:to>
+                                        <p:strVal val="visible"/>
+                                      </p:to>
+                                    </p:set>
+                                  </p:childTnLst>
+                                </p:cTn>
+                              </p:par>
+                            </p:childTnLst>
+                          </p:cTn>
+                        </p:par>
+                      </p:childTnLst>
+                    </p:cTn>
+                  </p:par>
+                  <p:par>
+                    <p:cTn id="11" fill="hold">
+                      <p:stCondLst>
+                        <p:cond delay="indefinite"/>
+                      </p:stCondLst>
+                      <p:childTnLst>
+                        <p:par>
+                          <p:cTn id="12" fill="hold">
+                            <p:stCondLst>
+                              <p:cond delay="0"/>
+                            </p:stCondLst>
+                            <p:childTnLst>
+                              <p:par>
+                                <p:cTn id="13" presetID="1" presetClass="entr" presetSubtype="0" fill="hold" nodeType="clickEffect">
+                                  <p:stCondLst>
+                                    <p:cond delay="0"/>
+                                  </p:stCondLst>
+                                  <p:childTnLst>
+                                    <p:set>
+                                      <p:cBhvr>
+                                        <p:cTn id="14" dur="1" fill="hold">
+                                          <p:stCondLst>
+                                            <p:cond delay="0"/>
+                                          </p:stCondLst>
+                                        </p:cTn>
+                                        <p:tgtEl>
+                                          <p:spTgt spid="9"/>
+                                        </p:tgtEl>
+                                        <p:attrNameLst>
+                                          <p:attrName>style.visibility</p:attrName>
+                                        </p:attrNameLst>
+                                      </p:cBhvr>
+                                      <p:to>
+                                        <p:strVal val="visible"/>
+                                      </p:to>
+                                    </p:set>
+                                  </p:childTnLst>
+                                </p:cTn>
+                              </p:par>
+                            </p:childTnLst>
+                          </p:cTn>
+                        </p:par>
+                      </p:childTnLst>
+                    </p:cTn>
+                  </p:par>
+                  <p:par>
+                    <p:cTn id="15" fill="hold">
+                      <p:stCondLst>
+                        <p:cond delay="indefinite"/>
+                      </p:stCondLst>
+                      <p:childTnLst>
+                        <p:par>
+                          <p:cTn id="16" fill="hold">
+                            <p:stCondLst>
+                              <p:cond delay="0"/>
+                            </p:stCondLst>
+                            <p:childTnLst>
+                              <p:par>
+                                <p:cTn id="17" presetID="1" presetClass="entr" presetSubtype="0" fill="hold" nodeType="clickEffect">
+                                  <p:stCondLst>
+                                    <p:cond delay="0"/>
+                                  </p:stCondLst>
+                                  <p:childTnLst>
+                                    <p:set>
+                                      <p:cBhvr>
+                                        <p:cTn id="18" dur="1" fill="hold">
+                                          <p:stCondLst>
+                                            <p:cond delay="0"/>
+                                          </p:stCondLst>
+                                        </p:cTn>
+                                        <p:tgtEl>
+                                          <p:spTgt spid="11"/>
+                                        </p:tgtEl>
+                                        <p:attrNameLst>
+                                          <p:attrName>style.visibility</p:attrName>
+                                        </p:attrNameLst>
+                                      </p:cBhvr>
+                                      <p:to>
+                                        <p:strVal val="visible"/>
+                                      </p:to>
+                                    </p:set>
+                                  </p:childTnLst>
+                                </p:cTn>
+                              </p:par>
+                            </p:childTnLst>
+                          </p:cTn>
+                        </p:par>
+                      </p:childTnLst>
+                    </p:cTn>
+                  </p:par>
+                  <p:par>
+                    <p:cTn id="19" fill="hold">
+                      <p:stCondLst>
+                        <p:cond delay="indefinite"/>
+                      </p:stCondLst>
+                      <p:childTnLst>
+                        <p:par>
+                          <p:cTn id="20" fill="hold">
+                            <p:stCondLst>
+                              <p:cond delay="0"/>
+                            </p:stCondLst>
+                            <p:childTnLst>
+                              <p:par>
+                                <p:cTn id="21" presetID="1" presetClass="entr" presetSubtype="0" fill="hold" nodeType="clickEffect">
+                                  <p:stCondLst>
+                                    <p:cond delay="0"/>
+                                  </p:stCondLst>
+                                  <p:childTnLst>
+                                    <p:set>
+                                      <p:cBhvr>
+                                        <p:cTn id="22" dur="1" fill="hold">
+                                          <p:stCondLst>
+                                            <p:cond delay="0"/>
+                                          </p:stCondLst>
+                                        </p:cTn>
+                                        <p:tgtEl>
+                                          <p:spTgt spid="13"/>
+                                        </p:tgtEl>
+                                        <p:attrNameLst>
+                                          <p:attrName>style.visibility</p:attrName>
+                                        </p:attrNameLst>
+                                      </p:cBhvr>
+                                      <p:to>
+                                        <p:strVal val="visible"/>
+                                      </p:to>
+                                    </p:set>
+                                  </p:childTnLst>
+                                </p:cTn>
+                              </p:par>
+                            </p:childTnLst>
+                          </p:cTn>
+                        </p:par>
+                      </p:childTnLst>
+                    </p:cTn>
+                  </p:par>
+                  <p:par>
+                    <p:cTn id="23" fill="hold">
+                      <p:stCondLst>
+                        <p:cond delay="indefinite"/>
+                      </p:stCondLst>
+                      <p:childTnLst>
+                        <p:par>
+                          <p:cTn id="24" fill="hold">
+                            <p:stCondLst>
+                              <p:cond delay="0"/>
+                            </p:stCondLst>
+                            <p:childTnLst>
+                              <p:par>
+                                <p:cTn id="25" presetID="1" presetClass="entr" presetSubtype="0" fill="hold" nodeType="clickEffect">
+                                  <p:stCondLst>
+                                    <p:cond delay="0"/>
+                                  </p:stCondLst>
+                                  <p:childTnLst>
+                                    <p:set>
+                                      <p:cBhvr>
+                                        <p:cTn id="26" dur="1" fill="hold">
+                                          <p:stCondLst>
+                                            <p:cond delay="0"/>
+                                          </p:stCondLst>
+                                        </p:cTn>
+                                        <p:tgtEl>
+                                          <p:spTgt spid="15"/>
+                                        </p:tgtEl>
+                                        <p:attrNameLst>
+                                          <p:attrName>style.visibility</p:attrName>
+                                        </p:attrNameLst>
+                                      </p:cBhvr>
+                                      <p:to>
+                                        <p:strVal val="visible"/>
+                                      </p:to>
+                                    </p:set>
+                                  </p:childTnLst>
+                                </p:cTn>
+                              </p:par>
+                            </p:childTnLst>
+                          </p:cTn>
+                        </p:par>
+                      </p:childTnLst>
+                    </p:cTn>
+                  </p:par>
+                  <p:par>
+                    <p:cTn id="27" fill="hold">
+                      <p:stCondLst>
+                        <p:cond delay="indefinite"/>
+                      </p:stCondLst>
+                      <p:childTnLst>
+                        <p:par>
+                          <p:cTn id="28" fill="hold">
+                            <p:stCondLst>
+                              <p:cond delay="0"/>
+                            </p:stCondLst>
+                            <p:childTnLst>
+                              <p:par>
+                                <p:cTn id="29" presetID="1" presetClass="entr" presetSubtype="0" fill="hold" nodeType="clickEffect">
+                                  <p:stCondLst>
+                                    <p:cond delay="0"/>
+                                  </p:stCondLst>
+                                  <p:childTnLst>
+                                    <p:set>
+                                      <p:cBhvr>
+                                        <p:cTn id="30" dur="1" fill="hold">
+                                          <p:stCondLst>
+                                            <p:cond delay="0"/>
+                                          </p:stCondLst>
+                                        </p:cTn>
+                                        <p:tgtEl>
+                                          <p:spTgt spid="17"/>
+                                        </p:tgtEl>
+                                        <p:attrNameLst>
+                                          <p:attrName>style.visibility</p:attrName>
+                                        </p:attrNameLst>
+                                      </p:cBhvr>
+                                      <p:to>
+                                        <p:strVal val="visible"/>
+                                      </p:to>
+                                    </p:set>
+                                  </p:childTnLst>
+                                </p:cTn>
+                              </p:par>
+                            </p:childTnLst>
+                          </p:cTn>
+                        </p:par>
+                      </p:childTnLst>
+                    </p:cTn>
+                  </p:par>
+                </p:childTnLst>
+              </p:cTn>
+              <p:prevCondLst>
+                <p:cond evt="onPrev" delay="0">
+                  <p:tgtEl>
+                    <p:sldTgt/>
+                  </p:tgtEl>
+                </p:cond>
+              </p:prevCondLst>
+              <p:nextCondLst>
+                <p:cond evt="onNext" delay="0">
+                  <p:tgtEl>
+                    <p:sldTgt/>
+                  </p:tgtEl>
+                </p:cond>
+              </p:nextCondLst>
+            </p:seq>
+          </p:childTnLst>
+        </p:cTn>
+      </p:par>
+    </p:tnLst>
+  </p:timing>
 </p:sld>
 </file>
 
-<file path=ppt/slides/slide12.xml><?xml version="1.0" encoding="utf-8"?>
+<file path=ppt/slides/slide4.xml><?xml version="1.0" encoding="utf-8"?>
 <p:sld xmlns:a="http://schemas.openxmlformats.org/drawingml/2006/main" xmlns:r="http://schemas.openxmlformats.org/officeDocument/2006/relationships" xmlns:p="http://schemas.openxmlformats.org/presentationml/2006/main">
   <p:cSld>
     <p:spTree>
@@ -3799,7 +4387,7 @@
 </p:sld>
 </file>
 
-<file path=ppt/slides/slide13.xml><?xml version="1.0" encoding="utf-8"?>
+<file path=ppt/slides/slide5.xml><?xml version="1.0" encoding="utf-8"?>
 <p:sld xmlns:a="http://schemas.openxmlformats.org/drawingml/2006/main" xmlns:r="http://schemas.openxmlformats.org/officeDocument/2006/relationships" xmlns:p="http://schemas.openxmlformats.org/presentationml/2006/main">
   <p:cSld>
     <p:spTree>
@@ -4711,517 +5299,6 @@
 </p:sld>
 </file>
 
-<file path=ppt/slides/slide14.xml><?xml version="1.0" encoding="utf-8"?>
-<p:sld xmlns:a="http://schemas.openxmlformats.org/drawingml/2006/main" xmlns:r="http://schemas.openxmlformats.org/officeDocument/2006/relationships" xmlns:p="http://schemas.openxmlformats.org/presentationml/2006/main">
-  <p:cSld>
-    <p:spTree>
-      <p:nvGrpSpPr>
-        <p:cNvPr id="1" name=""/>
-        <p:cNvGrpSpPr/>
-        <p:nvPr/>
-      </p:nvGrpSpPr>
-      <p:grpSpPr>
-        <a:xfrm>
-          <a:off x="0" y="0"/>
-          <a:ext cx="0" cy="0"/>
-          <a:chOff x="0" y="0"/>
-          <a:chExt cx="0" cy="0"/>
-        </a:xfrm>
-      </p:grpSpPr>
-      <p:sp>
-        <p:nvSpPr>
-          <p:cNvPr id="2" name="Titel 1">
-            <a:extLst>
-              <a:ext uri="{FF2B5EF4-FFF2-40B4-BE49-F238E27FC236}">
-                <a16:creationId xmlns:a16="http://schemas.microsoft.com/office/drawing/2014/main" id="{E25E6828-B204-444A-9BBA-2250B68D4180}"/>
-              </a:ext>
-            </a:extLst>
-          </p:cNvPr>
-          <p:cNvSpPr>
-            <a:spLocks noGrp="1"/>
-          </p:cNvSpPr>
-          <p:nvPr>
-            <p:ph type="ctrTitle"/>
-          </p:nvPr>
-        </p:nvSpPr>
-        <p:spPr/>
-        <p:txBody>
-          <a:bodyPr/>
-          <a:lstStyle/>
-          <a:p>
-            <a:r>
-              <a:rPr lang="de-DE" dirty="0"/>
-              <a:t>Demonstration</a:t>
-            </a:r>
-            <a:endParaRPr lang="de-CH" dirty="0"/>
-          </a:p>
-        </p:txBody>
-      </p:sp>
-      <p:sp>
-        <p:nvSpPr>
-          <p:cNvPr id="3" name="Untertitel 2">
-            <a:extLst>
-              <a:ext uri="{FF2B5EF4-FFF2-40B4-BE49-F238E27FC236}">
-                <a16:creationId xmlns:a16="http://schemas.microsoft.com/office/drawing/2014/main" id="{3513744B-88E1-4AAA-AD5B-88B9DD6CE677}"/>
-              </a:ext>
-            </a:extLst>
-          </p:cNvPr>
-          <p:cNvSpPr>
-            <a:spLocks noGrp="1"/>
-          </p:cNvSpPr>
-          <p:nvPr>
-            <p:ph type="subTitle" idx="1"/>
-          </p:nvPr>
-        </p:nvSpPr>
-        <p:spPr/>
-        <p:txBody>
-          <a:bodyPr/>
-          <a:lstStyle/>
-          <a:p>
-            <a:endParaRPr lang="de-CH"/>
-          </a:p>
-        </p:txBody>
-      </p:sp>
-    </p:spTree>
-    <p:extLst>
-      <p:ext uri="{BB962C8B-B14F-4D97-AF65-F5344CB8AC3E}">
-        <p14:creationId xmlns:p14="http://schemas.microsoft.com/office/powerpoint/2010/main" val="817289540"/>
-      </p:ext>
-    </p:extLst>
-  </p:cSld>
-  <p:clrMapOvr>
-    <a:masterClrMapping/>
-  </p:clrMapOvr>
-</p:sld>
-</file>
-
-<file path=ppt/slides/slide2.xml><?xml version="1.0" encoding="utf-8"?>
-<p:sld xmlns:a="http://schemas.openxmlformats.org/drawingml/2006/main" xmlns:r="http://schemas.openxmlformats.org/officeDocument/2006/relationships" xmlns:p="http://schemas.openxmlformats.org/presentationml/2006/main">
-  <p:cSld>
-    <p:spTree>
-      <p:nvGrpSpPr>
-        <p:cNvPr id="1" name=""/>
-        <p:cNvGrpSpPr/>
-        <p:nvPr/>
-      </p:nvGrpSpPr>
-      <p:grpSpPr>
-        <a:xfrm>
-          <a:off x="0" y="0"/>
-          <a:ext cx="0" cy="0"/>
-          <a:chOff x="0" y="0"/>
-          <a:chExt cx="0" cy="0"/>
-        </a:xfrm>
-      </p:grpSpPr>
-      <p:sp>
-        <p:nvSpPr>
-          <p:cNvPr id="2" name="Titel 1">
-            <a:extLst>
-              <a:ext uri="{FF2B5EF4-FFF2-40B4-BE49-F238E27FC236}">
-                <a16:creationId xmlns:a16="http://schemas.microsoft.com/office/drawing/2014/main" id="{0E01564E-2EE1-4DB9-BDAA-E3A23393EB7A}"/>
-              </a:ext>
-            </a:extLst>
-          </p:cNvPr>
-          <p:cNvSpPr>
-            <a:spLocks noGrp="1"/>
-          </p:cNvSpPr>
-          <p:nvPr>
-            <p:ph type="title"/>
-          </p:nvPr>
-        </p:nvSpPr>
-        <p:spPr/>
-        <p:txBody>
-          <a:bodyPr/>
-          <a:lstStyle/>
-          <a:p>
-            <a:r>
-              <a:rPr lang="de-DE" dirty="0"/>
-              <a:t>Statistiken</a:t>
-            </a:r>
-            <a:endParaRPr lang="de-CH" dirty="0"/>
-          </a:p>
-        </p:txBody>
-      </p:sp>
-      <p:sp>
-        <p:nvSpPr>
-          <p:cNvPr id="3" name="Inhaltsplatzhalter 2">
-            <a:extLst>
-              <a:ext uri="{FF2B5EF4-FFF2-40B4-BE49-F238E27FC236}">
-                <a16:creationId xmlns:a16="http://schemas.microsoft.com/office/drawing/2014/main" id="{16B59307-11AE-4035-BC41-B45596CEE970}"/>
-              </a:ext>
-            </a:extLst>
-          </p:cNvPr>
-          <p:cNvSpPr>
-            <a:spLocks noGrp="1"/>
-          </p:cNvSpPr>
-          <p:nvPr>
-            <p:ph idx="1"/>
-          </p:nvPr>
-        </p:nvSpPr>
-        <p:spPr/>
-        <p:txBody>
-          <a:bodyPr/>
-          <a:lstStyle/>
-          <a:p>
-            <a:r>
-              <a:rPr lang="de-DE" dirty="0"/>
-              <a:t>X </a:t>
-            </a:r>
-            <a:r>
-              <a:rPr lang="de-DE" dirty="0" err="1"/>
-              <a:t>Commits</a:t>
-            </a:r>
-            <a:endParaRPr lang="de-DE" dirty="0"/>
-          </a:p>
-          <a:p>
-            <a:r>
-              <a:rPr lang="de-DE" dirty="0"/>
-              <a:t>X Klassen und Schnittstellen</a:t>
-            </a:r>
-          </a:p>
-          <a:p>
-            <a:r>
-              <a:rPr lang="de-DE" dirty="0"/>
-              <a:t>X Pakete</a:t>
-            </a:r>
-          </a:p>
-          <a:p>
-            <a:r>
-              <a:rPr lang="de-DE" dirty="0"/>
-              <a:t>X Zeilen Java-Quellcode</a:t>
-            </a:r>
-            <a:endParaRPr lang="de-CH" dirty="0"/>
-          </a:p>
-        </p:txBody>
-      </p:sp>
-    </p:spTree>
-    <p:extLst>
-      <p:ext uri="{BB962C8B-B14F-4D97-AF65-F5344CB8AC3E}">
-        <p14:creationId xmlns:p14="http://schemas.microsoft.com/office/powerpoint/2010/main" val="2983204798"/>
-      </p:ext>
-    </p:extLst>
-  </p:cSld>
-  <p:clrMapOvr>
-    <a:masterClrMapping/>
-  </p:clrMapOvr>
-</p:sld>
-</file>
-
-<file path=ppt/slides/slide3.xml><?xml version="1.0" encoding="utf-8"?>
-<p:sld xmlns:a="http://schemas.openxmlformats.org/drawingml/2006/main" xmlns:r="http://schemas.openxmlformats.org/officeDocument/2006/relationships" xmlns:p="http://schemas.openxmlformats.org/presentationml/2006/main">
-  <p:cSld>
-    <p:spTree>
-      <p:nvGrpSpPr>
-        <p:cNvPr id="1" name=""/>
-        <p:cNvGrpSpPr/>
-        <p:nvPr/>
-      </p:nvGrpSpPr>
-      <p:grpSpPr>
-        <a:xfrm>
-          <a:off x="0" y="0"/>
-          <a:ext cx="0" cy="0"/>
-          <a:chOff x="0" y="0"/>
-          <a:chExt cx="0" cy="0"/>
-        </a:xfrm>
-      </p:grpSpPr>
-      <p:sp>
-        <p:nvSpPr>
-          <p:cNvPr id="2" name="Titel 1">
-            <a:extLst>
-              <a:ext uri="{FF2B5EF4-FFF2-40B4-BE49-F238E27FC236}">
-                <a16:creationId xmlns:a16="http://schemas.microsoft.com/office/drawing/2014/main" id="{DA7E33E4-E44C-4C94-9832-7DA2982238B7}"/>
-              </a:ext>
-            </a:extLst>
-          </p:cNvPr>
-          <p:cNvSpPr>
-            <a:spLocks noGrp="1"/>
-          </p:cNvSpPr>
-          <p:nvPr>
-            <p:ph type="ctrTitle"/>
-          </p:nvPr>
-        </p:nvSpPr>
-        <p:spPr/>
-        <p:txBody>
-          <a:bodyPr/>
-          <a:lstStyle/>
-          <a:p>
-            <a:r>
-              <a:rPr lang="de-DE" dirty="0"/>
-              <a:t>Werkzeuge</a:t>
-            </a:r>
-            <a:endParaRPr lang="de-CH" dirty="0"/>
-          </a:p>
-        </p:txBody>
-      </p:sp>
-      <p:sp>
-        <p:nvSpPr>
-          <p:cNvPr id="3" name="Untertitel 2">
-            <a:extLst>
-              <a:ext uri="{FF2B5EF4-FFF2-40B4-BE49-F238E27FC236}">
-                <a16:creationId xmlns:a16="http://schemas.microsoft.com/office/drawing/2014/main" id="{A9856483-AAEF-4CD6-A68F-1F5E1AC9F93E}"/>
-              </a:ext>
-            </a:extLst>
-          </p:cNvPr>
-          <p:cNvSpPr>
-            <a:spLocks noGrp="1"/>
-          </p:cNvSpPr>
-          <p:nvPr>
-            <p:ph type="subTitle" idx="1"/>
-          </p:nvPr>
-        </p:nvSpPr>
-        <p:spPr/>
-        <p:txBody>
-          <a:bodyPr/>
-          <a:lstStyle/>
-          <a:p>
-            <a:endParaRPr lang="de-CH"/>
-          </a:p>
-        </p:txBody>
-      </p:sp>
-    </p:spTree>
-    <p:extLst>
-      <p:ext uri="{BB962C8B-B14F-4D97-AF65-F5344CB8AC3E}">
-        <p14:creationId xmlns:p14="http://schemas.microsoft.com/office/powerpoint/2010/main" val="294379831"/>
-      </p:ext>
-    </p:extLst>
-  </p:cSld>
-  <p:clrMapOvr>
-    <a:masterClrMapping/>
-  </p:clrMapOvr>
-</p:sld>
-</file>
-
-<file path=ppt/slides/slide4.xml><?xml version="1.0" encoding="utf-8"?>
-<p:sld xmlns:a="http://schemas.openxmlformats.org/drawingml/2006/main" xmlns:r="http://schemas.openxmlformats.org/officeDocument/2006/relationships" xmlns:p="http://schemas.openxmlformats.org/presentationml/2006/main">
-  <p:cSld>
-    <p:spTree>
-      <p:nvGrpSpPr>
-        <p:cNvPr id="1" name=""/>
-        <p:cNvGrpSpPr/>
-        <p:nvPr/>
-      </p:nvGrpSpPr>
-      <p:grpSpPr>
-        <a:xfrm>
-          <a:off x="0" y="0"/>
-          <a:ext cx="0" cy="0"/>
-          <a:chOff x="0" y="0"/>
-          <a:chExt cx="0" cy="0"/>
-        </a:xfrm>
-      </p:grpSpPr>
-      <p:sp>
-        <p:nvSpPr>
-          <p:cNvPr id="2" name="Titel 1">
-            <a:extLst>
-              <a:ext uri="{FF2B5EF4-FFF2-40B4-BE49-F238E27FC236}">
-                <a16:creationId xmlns:a16="http://schemas.microsoft.com/office/drawing/2014/main" id="{FA93C086-4EA8-4359-B150-70B3D1C8D563}"/>
-              </a:ext>
-            </a:extLst>
-          </p:cNvPr>
-          <p:cNvSpPr>
-            <a:spLocks noGrp="1"/>
-          </p:cNvSpPr>
-          <p:nvPr>
-            <p:ph type="title"/>
-          </p:nvPr>
-        </p:nvSpPr>
-        <p:spPr/>
-        <p:txBody>
-          <a:bodyPr/>
-          <a:lstStyle/>
-          <a:p>
-            <a:r>
-              <a:rPr lang="de-DE" dirty="0" err="1"/>
-              <a:t>Gradle</a:t>
-            </a:r>
-            <a:endParaRPr lang="de-CH" dirty="0"/>
-          </a:p>
-        </p:txBody>
-      </p:sp>
-      <p:pic>
-        <p:nvPicPr>
-          <p:cNvPr id="5" name="Inhaltsplatzhalter 4">
-            <a:extLst>
-              <a:ext uri="{FF2B5EF4-FFF2-40B4-BE49-F238E27FC236}">
-                <a16:creationId xmlns:a16="http://schemas.microsoft.com/office/drawing/2014/main" id="{D1E6A430-22B4-4767-B0B0-AA2836F6FF65}"/>
-              </a:ext>
-            </a:extLst>
-          </p:cNvPr>
-          <p:cNvPicPr>
-            <a:picLocks noGrp="1" noChangeAspect="1"/>
-          </p:cNvPicPr>
-          <p:nvPr>
-            <p:ph idx="1"/>
-          </p:nvPr>
-        </p:nvPicPr>
-        <p:blipFill>
-          <a:blip r:embed="rId2">
-            <a:extLst>
-              <a:ext uri="{28A0092B-C50C-407E-A947-70E740481C1C}">
-                <a14:useLocalDpi xmlns:a14="http://schemas.microsoft.com/office/drawing/2010/main" val="0"/>
-              </a:ext>
-            </a:extLst>
-          </a:blip>
-          <a:stretch>
-            <a:fillRect/>
-          </a:stretch>
-        </p:blipFill>
-        <p:spPr>
-          <a:xfrm>
-            <a:off x="1333500" y="2096294"/>
-            <a:ext cx="9525000" cy="3810000"/>
-          </a:xfrm>
-        </p:spPr>
-      </p:pic>
-    </p:spTree>
-    <p:extLst>
-      <p:ext uri="{BB962C8B-B14F-4D97-AF65-F5344CB8AC3E}">
-        <p14:creationId xmlns:p14="http://schemas.microsoft.com/office/powerpoint/2010/main" val="4240650869"/>
-      </p:ext>
-    </p:extLst>
-  </p:cSld>
-  <p:clrMapOvr>
-    <a:masterClrMapping/>
-  </p:clrMapOvr>
-</p:sld>
-</file>
-
-<file path=ppt/slides/slide5.xml><?xml version="1.0" encoding="utf-8"?>
-<p:sld xmlns:a="http://schemas.openxmlformats.org/drawingml/2006/main" xmlns:r="http://schemas.openxmlformats.org/officeDocument/2006/relationships" xmlns:p="http://schemas.openxmlformats.org/presentationml/2006/main">
-  <p:cSld>
-    <p:spTree>
-      <p:nvGrpSpPr>
-        <p:cNvPr id="1" name=""/>
-        <p:cNvGrpSpPr/>
-        <p:nvPr/>
-      </p:nvGrpSpPr>
-      <p:grpSpPr>
-        <a:xfrm>
-          <a:off x="0" y="0"/>
-          <a:ext cx="0" cy="0"/>
-          <a:chOff x="0" y="0"/>
-          <a:chExt cx="0" cy="0"/>
-        </a:xfrm>
-      </p:grpSpPr>
-      <p:sp>
-        <p:nvSpPr>
-          <p:cNvPr id="2" name="Titel 1">
-            <a:extLst>
-              <a:ext uri="{FF2B5EF4-FFF2-40B4-BE49-F238E27FC236}">
-                <a16:creationId xmlns:a16="http://schemas.microsoft.com/office/drawing/2014/main" id="{2A2FBB0E-4138-4A88-92E4-82EB1F5F39FE}"/>
-              </a:ext>
-            </a:extLst>
-          </p:cNvPr>
-          <p:cNvSpPr>
-            <a:spLocks noGrp="1"/>
-          </p:cNvSpPr>
-          <p:nvPr>
-            <p:ph type="title"/>
-          </p:nvPr>
-        </p:nvSpPr>
-        <p:spPr/>
-        <p:txBody>
-          <a:bodyPr/>
-          <a:lstStyle/>
-          <a:p>
-            <a:r>
-              <a:rPr lang="de-DE" dirty="0" err="1"/>
-              <a:t>Eclipse</a:t>
-            </a:r>
-            <a:r>
-              <a:rPr lang="de-DE" dirty="0"/>
-              <a:t> und </a:t>
-            </a:r>
-            <a:r>
-              <a:rPr lang="de-DE" dirty="0" err="1"/>
-              <a:t>IntelliJ</a:t>
-            </a:r>
-            <a:endParaRPr lang="de-CH" dirty="0"/>
-          </a:p>
-        </p:txBody>
-      </p:sp>
-      <p:pic>
-        <p:nvPicPr>
-          <p:cNvPr id="5" name="Inhaltsplatzhalter 4">
-            <a:extLst>
-              <a:ext uri="{FF2B5EF4-FFF2-40B4-BE49-F238E27FC236}">
-                <a16:creationId xmlns:a16="http://schemas.microsoft.com/office/drawing/2014/main" id="{5DB563F6-3D31-4B99-A86D-B1F33EE2B813}"/>
-              </a:ext>
-            </a:extLst>
-          </p:cNvPr>
-          <p:cNvPicPr>
-            <a:picLocks noGrp="1" noChangeAspect="1"/>
-          </p:cNvPicPr>
-          <p:nvPr>
-            <p:ph idx="1"/>
-          </p:nvPr>
-        </p:nvPicPr>
-        <p:blipFill>
-          <a:blip r:embed="rId2">
-            <a:extLst>
-              <a:ext uri="{28A0092B-C50C-407E-A947-70E740481C1C}">
-                <a14:useLocalDpi xmlns:a14="http://schemas.microsoft.com/office/drawing/2010/main" val="0"/>
-              </a:ext>
-            </a:extLst>
-          </a:blip>
-          <a:stretch>
-            <a:fillRect/>
-          </a:stretch>
-        </p:blipFill>
-        <p:spPr>
-          <a:xfrm>
-            <a:off x="5801710" y="1818290"/>
-            <a:ext cx="5160483" cy="3797958"/>
-          </a:xfrm>
-        </p:spPr>
-      </p:pic>
-      <p:pic>
-        <p:nvPicPr>
-          <p:cNvPr id="7" name="Grafik 6">
-            <a:extLst>
-              <a:ext uri="{FF2B5EF4-FFF2-40B4-BE49-F238E27FC236}">
-                <a16:creationId xmlns:a16="http://schemas.microsoft.com/office/drawing/2014/main" id="{DE877D6A-C178-46AF-A3FA-0E525E0D7537}"/>
-              </a:ext>
-            </a:extLst>
-          </p:cNvPr>
-          <p:cNvPicPr>
-            <a:picLocks noChangeAspect="1"/>
-          </p:cNvPicPr>
-          <p:nvPr/>
-        </p:nvPicPr>
-        <p:blipFill>
-          <a:blip r:embed="rId3">
-            <a:extLst>
-              <a:ext uri="{28A0092B-C50C-407E-A947-70E740481C1C}">
-                <a14:useLocalDpi xmlns:a14="http://schemas.microsoft.com/office/drawing/2010/main" val="0"/>
-              </a:ext>
-            </a:extLst>
-          </a:blip>
-          <a:stretch>
-            <a:fillRect/>
-          </a:stretch>
-        </p:blipFill>
-        <p:spPr>
-          <a:xfrm>
-            <a:off x="514933" y="1818290"/>
-            <a:ext cx="4942709" cy="3707032"/>
-          </a:xfrm>
-          <a:prstGeom prst="rect">
-            <a:avLst/>
-          </a:prstGeom>
-        </p:spPr>
-      </p:pic>
-    </p:spTree>
-    <p:extLst>
-      <p:ext uri="{BB962C8B-B14F-4D97-AF65-F5344CB8AC3E}">
-        <p14:creationId xmlns:p14="http://schemas.microsoft.com/office/powerpoint/2010/main" val="1752752378"/>
-      </p:ext>
-    </p:extLst>
-  </p:cSld>
-  <p:clrMapOvr>
-    <a:masterClrMapping/>
-  </p:clrMapOvr>
-</p:sld>
-</file>
-
 <file path=ppt/slides/slide6.xml><?xml version="1.0" encoding="utf-8"?>
 <p:sld xmlns:a="http://schemas.openxmlformats.org/drawingml/2006/main" xmlns:r="http://schemas.openxmlformats.org/officeDocument/2006/relationships" xmlns:p="http://schemas.openxmlformats.org/presentationml/2006/main">
   <p:cSld>
@@ -5244,15 +5321,15 @@
           <p:cNvPr id="2" name="Titel 1">
             <a:extLst>
               <a:ext uri="{FF2B5EF4-FFF2-40B4-BE49-F238E27FC236}">
-                <a16:creationId xmlns:a16="http://schemas.microsoft.com/office/drawing/2014/main" id="{3021CC0F-483A-493E-BB2B-97C459AC1FD5}"/>
-              </a:ext>
-            </a:extLst>
-          </p:cNvPr>
-          <p:cNvSpPr>
-            <a:spLocks noGrp="1"/>
-          </p:cNvSpPr>
-          <p:nvPr>
-            <p:ph type="title"/>
+                <a16:creationId xmlns:a16="http://schemas.microsoft.com/office/drawing/2014/main" id="{E25E6828-B204-444A-9BBA-2250B68D4180}"/>
+              </a:ext>
+            </a:extLst>
+          </p:cNvPr>
+          <p:cNvSpPr>
+            <a:spLocks noGrp="1"/>
+          </p:cNvSpPr>
+          <p:nvPr>
+            <p:ph type="ctrTitle"/>
           </p:nvPr>
         </p:nvSpPr>
         <p:spPr/>
@@ -5261,324 +5338,42 @@
           <a:lstStyle/>
           <a:p>
             <a:r>
-              <a:rPr lang="de-DE" dirty="0" err="1"/>
-              <a:t>JUnit</a:t>
+              <a:rPr lang="de-DE" dirty="0"/>
+              <a:t>Demonstration</a:t>
             </a:r>
             <a:endParaRPr lang="de-CH" dirty="0"/>
           </a:p>
         </p:txBody>
       </p:sp>
-      <p:pic>
-        <p:nvPicPr>
-          <p:cNvPr id="5" name="Inhaltsplatzhalter 4">
-            <a:extLst>
-              <a:ext uri="{FF2B5EF4-FFF2-40B4-BE49-F238E27FC236}">
-                <a16:creationId xmlns:a16="http://schemas.microsoft.com/office/drawing/2014/main" id="{C96973E5-D612-45ED-A72E-E06EAEFADABE}"/>
-              </a:ext>
-            </a:extLst>
-          </p:cNvPr>
-          <p:cNvPicPr>
-            <a:picLocks noGrp="1" noChangeAspect="1"/>
-          </p:cNvPicPr>
-          <p:nvPr>
-            <p:ph idx="1"/>
-          </p:nvPr>
-        </p:nvPicPr>
-        <p:blipFill>
-          <a:blip r:embed="rId2">
-            <a:extLst>
-              <a:ext uri="{28A0092B-C50C-407E-A947-70E740481C1C}">
-                <a14:useLocalDpi xmlns:a14="http://schemas.microsoft.com/office/drawing/2010/main" val="0"/>
-              </a:ext>
-            </a:extLst>
-          </a:blip>
-          <a:stretch>
-            <a:fillRect/>
-          </a:stretch>
-        </p:blipFill>
-        <p:spPr>
-          <a:xfrm>
-            <a:off x="1419225" y="2572544"/>
-            <a:ext cx="9353550" cy="2857500"/>
-          </a:xfrm>
-        </p:spPr>
-      </p:pic>
+      <p:sp>
+        <p:nvSpPr>
+          <p:cNvPr id="3" name="Untertitel 2">
+            <a:extLst>
+              <a:ext uri="{FF2B5EF4-FFF2-40B4-BE49-F238E27FC236}">
+                <a16:creationId xmlns:a16="http://schemas.microsoft.com/office/drawing/2014/main" id="{3513744B-88E1-4AAA-AD5B-88B9DD6CE677}"/>
+              </a:ext>
+            </a:extLst>
+          </p:cNvPr>
+          <p:cNvSpPr>
+            <a:spLocks noGrp="1"/>
+          </p:cNvSpPr>
+          <p:nvPr>
+            <p:ph type="subTitle" idx="1"/>
+          </p:nvPr>
+        </p:nvSpPr>
+        <p:spPr/>
+        <p:txBody>
+          <a:bodyPr/>
+          <a:lstStyle/>
+          <a:p>
+            <a:endParaRPr lang="de-CH"/>
+          </a:p>
+        </p:txBody>
+      </p:sp>
     </p:spTree>
     <p:extLst>
       <p:ext uri="{BB962C8B-B14F-4D97-AF65-F5344CB8AC3E}">
-        <p14:creationId xmlns:p14="http://schemas.microsoft.com/office/powerpoint/2010/main" val="942524665"/>
-      </p:ext>
-    </p:extLst>
-  </p:cSld>
-  <p:clrMapOvr>
-    <a:masterClrMapping/>
-  </p:clrMapOvr>
-</p:sld>
-</file>
-
-<file path=ppt/slides/slide7.xml><?xml version="1.0" encoding="utf-8"?>
-<p:sld xmlns:a="http://schemas.openxmlformats.org/drawingml/2006/main" xmlns:r="http://schemas.openxmlformats.org/officeDocument/2006/relationships" xmlns:p="http://schemas.openxmlformats.org/presentationml/2006/main">
-  <p:cSld>
-    <p:spTree>
-      <p:nvGrpSpPr>
-        <p:cNvPr id="1" name=""/>
-        <p:cNvGrpSpPr/>
-        <p:nvPr/>
-      </p:nvGrpSpPr>
-      <p:grpSpPr>
-        <a:xfrm>
-          <a:off x="0" y="0"/>
-          <a:ext cx="0" cy="0"/>
-          <a:chOff x="0" y="0"/>
-          <a:chExt cx="0" cy="0"/>
-        </a:xfrm>
-      </p:grpSpPr>
-      <p:sp>
-        <p:nvSpPr>
-          <p:cNvPr id="2" name="Titel 1">
-            <a:extLst>
-              <a:ext uri="{FF2B5EF4-FFF2-40B4-BE49-F238E27FC236}">
-                <a16:creationId xmlns:a16="http://schemas.microsoft.com/office/drawing/2014/main" id="{934D98FA-36E6-4CDC-A69E-C21FCB5DEF22}"/>
-              </a:ext>
-            </a:extLst>
-          </p:cNvPr>
-          <p:cNvSpPr>
-            <a:spLocks noGrp="1"/>
-          </p:cNvSpPr>
-          <p:nvPr>
-            <p:ph type="title"/>
-          </p:nvPr>
-        </p:nvSpPr>
-        <p:spPr/>
-        <p:txBody>
-          <a:bodyPr/>
-          <a:lstStyle/>
-          <a:p>
-            <a:r>
-              <a:rPr lang="de-DE" dirty="0" err="1"/>
-              <a:t>JavaFx</a:t>
-            </a:r>
-            <a:endParaRPr lang="de-CH" dirty="0"/>
-          </a:p>
-        </p:txBody>
-      </p:sp>
-      <p:pic>
-        <p:nvPicPr>
-          <p:cNvPr id="5" name="Inhaltsplatzhalter 4">
-            <a:extLst>
-              <a:ext uri="{FF2B5EF4-FFF2-40B4-BE49-F238E27FC236}">
-                <a16:creationId xmlns:a16="http://schemas.microsoft.com/office/drawing/2014/main" id="{1F4DA389-8F7A-4F37-B362-8AC9C99E403F}"/>
-              </a:ext>
-            </a:extLst>
-          </p:cNvPr>
-          <p:cNvPicPr>
-            <a:picLocks noGrp="1" noChangeAspect="1"/>
-          </p:cNvPicPr>
-          <p:nvPr>
-            <p:ph idx="1"/>
-          </p:nvPr>
-        </p:nvPicPr>
-        <p:blipFill>
-          <a:blip r:embed="rId2">
-            <a:extLst>
-              <a:ext uri="{28A0092B-C50C-407E-A947-70E740481C1C}">
-                <a14:useLocalDpi xmlns:a14="http://schemas.microsoft.com/office/drawing/2010/main" val="0"/>
-              </a:ext>
-            </a:extLst>
-          </a:blip>
-          <a:stretch>
-            <a:fillRect/>
-          </a:stretch>
-        </p:blipFill>
-        <p:spPr>
-          <a:xfrm>
-            <a:off x="3767137" y="3029744"/>
-            <a:ext cx="4657725" cy="1943100"/>
-          </a:xfrm>
-        </p:spPr>
-      </p:pic>
-    </p:spTree>
-    <p:extLst>
-      <p:ext uri="{BB962C8B-B14F-4D97-AF65-F5344CB8AC3E}">
-        <p14:creationId xmlns:p14="http://schemas.microsoft.com/office/powerpoint/2010/main" val="752627046"/>
-      </p:ext>
-    </p:extLst>
-  </p:cSld>
-  <p:clrMapOvr>
-    <a:masterClrMapping/>
-  </p:clrMapOvr>
-</p:sld>
-</file>
-
-<file path=ppt/slides/slide8.xml><?xml version="1.0" encoding="utf-8"?>
-<p:sld xmlns:a="http://schemas.openxmlformats.org/drawingml/2006/main" xmlns:r="http://schemas.openxmlformats.org/officeDocument/2006/relationships" xmlns:p="http://schemas.openxmlformats.org/presentationml/2006/main">
-  <p:cSld>
-    <p:spTree>
-      <p:nvGrpSpPr>
-        <p:cNvPr id="1" name=""/>
-        <p:cNvGrpSpPr/>
-        <p:nvPr/>
-      </p:nvGrpSpPr>
-      <p:grpSpPr>
-        <a:xfrm>
-          <a:off x="0" y="0"/>
-          <a:ext cx="0" cy="0"/>
-          <a:chOff x="0" y="0"/>
-          <a:chExt cx="0" cy="0"/>
-        </a:xfrm>
-      </p:grpSpPr>
-      <p:sp>
-        <p:nvSpPr>
-          <p:cNvPr id="2" name="Titel 1">
-            <a:extLst>
-              <a:ext uri="{FF2B5EF4-FFF2-40B4-BE49-F238E27FC236}">
-                <a16:creationId xmlns:a16="http://schemas.microsoft.com/office/drawing/2014/main" id="{9058BF24-B984-4C6A-89B1-84BB1AF4CC09}"/>
-              </a:ext>
-            </a:extLst>
-          </p:cNvPr>
-          <p:cNvSpPr>
-            <a:spLocks noGrp="1"/>
-          </p:cNvSpPr>
-          <p:nvPr>
-            <p:ph type="title"/>
-          </p:nvPr>
-        </p:nvSpPr>
-        <p:spPr/>
-        <p:txBody>
-          <a:bodyPr/>
-          <a:lstStyle/>
-          <a:p>
-            <a:r>
-              <a:rPr lang="de-DE" dirty="0" err="1"/>
-              <a:t>ControlsFx</a:t>
-            </a:r>
-            <a:endParaRPr lang="de-CH" dirty="0"/>
-          </a:p>
-        </p:txBody>
-      </p:sp>
-      <p:sp>
-        <p:nvSpPr>
-          <p:cNvPr id="3" name="Inhaltsplatzhalter 2">
-            <a:extLst>
-              <a:ext uri="{FF2B5EF4-FFF2-40B4-BE49-F238E27FC236}">
-                <a16:creationId xmlns:a16="http://schemas.microsoft.com/office/drawing/2014/main" id="{6945794C-16C9-43CC-9C98-FA89AF9DC0E8}"/>
-              </a:ext>
-            </a:extLst>
-          </p:cNvPr>
-          <p:cNvSpPr>
-            <a:spLocks noGrp="1"/>
-          </p:cNvSpPr>
-          <p:nvPr>
-            <p:ph idx="1"/>
-          </p:nvPr>
-        </p:nvSpPr>
-        <p:spPr/>
-        <p:txBody>
-          <a:bodyPr/>
-          <a:lstStyle/>
-          <a:p>
-            <a:endParaRPr lang="de-CH"/>
-          </a:p>
-        </p:txBody>
-      </p:sp>
-    </p:spTree>
-    <p:extLst>
-      <p:ext uri="{BB962C8B-B14F-4D97-AF65-F5344CB8AC3E}">
-        <p14:creationId xmlns:p14="http://schemas.microsoft.com/office/powerpoint/2010/main" val="2631689767"/>
-      </p:ext>
-    </p:extLst>
-  </p:cSld>
-  <p:clrMapOvr>
-    <a:masterClrMapping/>
-  </p:clrMapOvr>
-</p:sld>
-</file>
-
-<file path=ppt/slides/slide9.xml><?xml version="1.0" encoding="utf-8"?>
-<p:sld xmlns:a="http://schemas.openxmlformats.org/drawingml/2006/main" xmlns:r="http://schemas.openxmlformats.org/officeDocument/2006/relationships" xmlns:p="http://schemas.openxmlformats.org/presentationml/2006/main">
-  <p:cSld>
-    <p:spTree>
-      <p:nvGrpSpPr>
-        <p:cNvPr id="1" name=""/>
-        <p:cNvGrpSpPr/>
-        <p:nvPr/>
-      </p:nvGrpSpPr>
-      <p:grpSpPr>
-        <a:xfrm>
-          <a:off x="0" y="0"/>
-          <a:ext cx="0" cy="0"/>
-          <a:chOff x="0" y="0"/>
-          <a:chExt cx="0" cy="0"/>
-        </a:xfrm>
-      </p:grpSpPr>
-      <p:sp>
-        <p:nvSpPr>
-          <p:cNvPr id="2" name="Titel 1">
-            <a:extLst>
-              <a:ext uri="{FF2B5EF4-FFF2-40B4-BE49-F238E27FC236}">
-                <a16:creationId xmlns:a16="http://schemas.microsoft.com/office/drawing/2014/main" id="{909E42C7-32B2-4FE7-8C61-26447CC519AC}"/>
-              </a:ext>
-            </a:extLst>
-          </p:cNvPr>
-          <p:cNvSpPr>
-            <a:spLocks noGrp="1"/>
-          </p:cNvSpPr>
-          <p:nvPr>
-            <p:ph type="title"/>
-          </p:nvPr>
-        </p:nvSpPr>
-        <p:spPr/>
-        <p:txBody>
-          <a:bodyPr/>
-          <a:lstStyle/>
-          <a:p>
-            <a:r>
-              <a:rPr lang="de-DE" dirty="0" err="1"/>
-              <a:t>JGraphT</a:t>
-            </a:r>
-            <a:endParaRPr lang="de-CH" dirty="0"/>
-          </a:p>
-        </p:txBody>
-      </p:sp>
-      <p:pic>
-        <p:nvPicPr>
-          <p:cNvPr id="5" name="Inhaltsplatzhalter 4">
-            <a:extLst>
-              <a:ext uri="{FF2B5EF4-FFF2-40B4-BE49-F238E27FC236}">
-                <a16:creationId xmlns:a16="http://schemas.microsoft.com/office/drawing/2014/main" id="{1F4D77A9-54FC-4959-9111-5D00CC029E04}"/>
-              </a:ext>
-            </a:extLst>
-          </p:cNvPr>
-          <p:cNvPicPr>
-            <a:picLocks noGrp="1" noChangeAspect="1"/>
-          </p:cNvPicPr>
-          <p:nvPr>
-            <p:ph idx="1"/>
-          </p:nvPr>
-        </p:nvPicPr>
-        <p:blipFill>
-          <a:blip r:embed="rId2">
-            <a:extLst>
-              <a:ext uri="{28A0092B-C50C-407E-A947-70E740481C1C}">
-                <a14:useLocalDpi xmlns:a14="http://schemas.microsoft.com/office/drawing/2010/main" val="0"/>
-              </a:ext>
-            </a:extLst>
-          </a:blip>
-          <a:stretch>
-            <a:fillRect/>
-          </a:stretch>
-        </p:blipFill>
-        <p:spPr>
-          <a:xfrm>
-            <a:off x="2992176" y="1806303"/>
-            <a:ext cx="6207647" cy="3438368"/>
-          </a:xfrm>
-        </p:spPr>
-      </p:pic>
-    </p:spTree>
-    <p:extLst>
-      <p:ext uri="{BB962C8B-B14F-4D97-AF65-F5344CB8AC3E}">
-        <p14:creationId xmlns:p14="http://schemas.microsoft.com/office/powerpoint/2010/main" val="3021922156"/>
+        <p14:creationId xmlns:p14="http://schemas.microsoft.com/office/powerpoint/2010/main" val="817289540"/>
       </p:ext>
     </p:extLst>
   </p:cSld>

--- a/Dokumente/Implementierung/Präsentation/Präsentation.pptx
+++ b/Dokumente/Implementierung/Präsentation/Präsentation.pptx
@@ -7,10 +7,9 @@
   <p:sldIdLst>
     <p:sldId id="256" r:id="rId2"/>
     <p:sldId id="258" r:id="rId3"/>
-    <p:sldId id="259" r:id="rId4"/>
-    <p:sldId id="268" r:id="rId5"/>
-    <p:sldId id="269" r:id="rId6"/>
-    <p:sldId id="270" r:id="rId7"/>
+    <p:sldId id="271" r:id="rId4"/>
+    <p:sldId id="259" r:id="rId5"/>
+    <p:sldId id="270" r:id="rId6"/>
   </p:sldIdLst>
   <p:sldSz cx="12192000" cy="6858000"/>
   <p:notesSz cx="6858000" cy="9144000"/>
@@ -266,7 +265,7 @@
           <a:p>
             <a:fld id="{B94FB1BE-082E-4373-BD0C-0A54DA9A4AF0}" type="datetimeFigureOut">
               <a:rPr lang="de-CH" smtClean="0"/>
-              <a:t>29.01.2019</a:t>
+              <a:t>30.01.2019</a:t>
             </a:fld>
             <a:endParaRPr lang="de-CH"/>
           </a:p>
@@ -466,7 +465,7 @@
           <a:p>
             <a:fld id="{B94FB1BE-082E-4373-BD0C-0A54DA9A4AF0}" type="datetimeFigureOut">
               <a:rPr lang="de-CH" smtClean="0"/>
-              <a:t>29.01.2019</a:t>
+              <a:t>30.01.2019</a:t>
             </a:fld>
             <a:endParaRPr lang="de-CH"/>
           </a:p>
@@ -676,7 +675,7 @@
           <a:p>
             <a:fld id="{B94FB1BE-082E-4373-BD0C-0A54DA9A4AF0}" type="datetimeFigureOut">
               <a:rPr lang="de-CH" smtClean="0"/>
-              <a:t>29.01.2019</a:t>
+              <a:t>30.01.2019</a:t>
             </a:fld>
             <a:endParaRPr lang="de-CH"/>
           </a:p>
@@ -876,7 +875,7 @@
           <a:p>
             <a:fld id="{B94FB1BE-082E-4373-BD0C-0A54DA9A4AF0}" type="datetimeFigureOut">
               <a:rPr lang="de-CH" smtClean="0"/>
-              <a:t>29.01.2019</a:t>
+              <a:t>30.01.2019</a:t>
             </a:fld>
             <a:endParaRPr lang="de-CH"/>
           </a:p>
@@ -1152,7 +1151,7 @@
           <a:p>
             <a:fld id="{B94FB1BE-082E-4373-BD0C-0A54DA9A4AF0}" type="datetimeFigureOut">
               <a:rPr lang="de-CH" smtClean="0"/>
-              <a:t>29.01.2019</a:t>
+              <a:t>30.01.2019</a:t>
             </a:fld>
             <a:endParaRPr lang="de-CH"/>
           </a:p>
@@ -1420,7 +1419,7 @@
           <a:p>
             <a:fld id="{B94FB1BE-082E-4373-BD0C-0A54DA9A4AF0}" type="datetimeFigureOut">
               <a:rPr lang="de-CH" smtClean="0"/>
-              <a:t>29.01.2019</a:t>
+              <a:t>30.01.2019</a:t>
             </a:fld>
             <a:endParaRPr lang="de-CH"/>
           </a:p>
@@ -1835,7 +1834,7 @@
           <a:p>
             <a:fld id="{B94FB1BE-082E-4373-BD0C-0A54DA9A4AF0}" type="datetimeFigureOut">
               <a:rPr lang="de-CH" smtClean="0"/>
-              <a:t>29.01.2019</a:t>
+              <a:t>30.01.2019</a:t>
             </a:fld>
             <a:endParaRPr lang="de-CH"/>
           </a:p>
@@ -1977,7 +1976,7 @@
           <a:p>
             <a:fld id="{B94FB1BE-082E-4373-BD0C-0A54DA9A4AF0}" type="datetimeFigureOut">
               <a:rPr lang="de-CH" smtClean="0"/>
-              <a:t>29.01.2019</a:t>
+              <a:t>30.01.2019</a:t>
             </a:fld>
             <a:endParaRPr lang="de-CH"/>
           </a:p>
@@ -2090,7 +2089,7 @@
           <a:p>
             <a:fld id="{B94FB1BE-082E-4373-BD0C-0A54DA9A4AF0}" type="datetimeFigureOut">
               <a:rPr lang="de-CH" smtClean="0"/>
-              <a:t>29.01.2019</a:t>
+              <a:t>30.01.2019</a:t>
             </a:fld>
             <a:endParaRPr lang="de-CH"/>
           </a:p>
@@ -2403,7 +2402,7 @@
           <a:p>
             <a:fld id="{B94FB1BE-082E-4373-BD0C-0A54DA9A4AF0}" type="datetimeFigureOut">
               <a:rPr lang="de-CH" smtClean="0"/>
-              <a:t>29.01.2019</a:t>
+              <a:t>30.01.2019</a:t>
             </a:fld>
             <a:endParaRPr lang="de-CH"/>
           </a:p>
@@ -2692,7 +2691,7 @@
           <a:p>
             <a:fld id="{B94FB1BE-082E-4373-BD0C-0A54DA9A4AF0}" type="datetimeFigureOut">
               <a:rPr lang="de-CH" smtClean="0"/>
-              <a:t>29.01.2019</a:t>
+              <a:t>30.01.2019</a:t>
             </a:fld>
             <a:endParaRPr lang="de-CH"/>
           </a:p>
@@ -2935,7 +2934,7 @@
           <a:p>
             <a:fld id="{B94FB1BE-082E-4373-BD0C-0A54DA9A4AF0}" type="datetimeFigureOut">
               <a:rPr lang="de-CH" smtClean="0"/>
-              <a:t>29.01.2019</a:t>
+              <a:t>30.01.2019</a:t>
             </a:fld>
             <a:endParaRPr lang="de-CH"/>
           </a:p>
@@ -3488,84 +3487,445 @@
           <a:chExt cx="0" cy="0"/>
         </a:xfrm>
       </p:grpSpPr>
-      <p:sp>
-        <p:nvSpPr>
-          <p:cNvPr id="2" name="Titel 1">
-            <a:extLst>
-              <a:ext uri="{FF2B5EF4-FFF2-40B4-BE49-F238E27FC236}">
-                <a16:creationId xmlns:a16="http://schemas.microsoft.com/office/drawing/2014/main" id="{0E01564E-2EE1-4DB9-BDAA-E3A23393EB7A}"/>
-              </a:ext>
-            </a:extLst>
-          </p:cNvPr>
-          <p:cNvSpPr>
-            <a:spLocks noGrp="1"/>
-          </p:cNvSpPr>
-          <p:nvPr>
-            <p:ph type="title"/>
-          </p:nvPr>
-        </p:nvSpPr>
-        <p:spPr/>
-        <p:txBody>
-          <a:bodyPr/>
+      <p:grpSp>
+        <p:nvGrpSpPr>
+          <p:cNvPr id="14" name="Gruppieren 13">
+            <a:extLst>
+              <a:ext uri="{FF2B5EF4-FFF2-40B4-BE49-F238E27FC236}">
+                <a16:creationId xmlns:a16="http://schemas.microsoft.com/office/drawing/2014/main" id="{4DB9583A-5ACE-4895-BB0C-C2F81168FFC6}"/>
+              </a:ext>
+            </a:extLst>
+          </p:cNvPr>
+          <p:cNvGrpSpPr>
+            <a:grpSpLocks noChangeAspect="1"/>
+          </p:cNvGrpSpPr>
+          <p:nvPr/>
+        </p:nvGrpSpPr>
+        <p:grpSpPr>
+          <a:xfrm>
+            <a:off x="509492" y="1411704"/>
+            <a:ext cx="1800000" cy="791363"/>
+            <a:chOff x="2300652" y="627017"/>
+            <a:chExt cx="2626948" cy="1080000"/>
+          </a:xfrm>
+        </p:grpSpPr>
+        <p:sp>
+          <p:nvSpPr>
+            <p:cNvPr id="11" name="Kreis: nicht ausgefüllt 10">
+              <a:extLst>
+                <a:ext uri="{FF2B5EF4-FFF2-40B4-BE49-F238E27FC236}">
+                  <a16:creationId xmlns:a16="http://schemas.microsoft.com/office/drawing/2014/main" id="{B207F3DE-337C-4A11-8251-996C40F52CC6}"/>
+                </a:ext>
+              </a:extLst>
+            </p:cNvPr>
+            <p:cNvSpPr/>
+            <p:nvPr/>
+          </p:nvSpPr>
+          <p:spPr>
+            <a:xfrm>
+              <a:off x="3074126" y="627017"/>
+              <a:ext cx="1080000" cy="1080000"/>
+            </a:xfrm>
+            <a:prstGeom prst="donut">
+              <a:avLst>
+                <a:gd name="adj" fmla="val 19013"/>
+              </a:avLst>
+            </a:prstGeom>
+            <a:solidFill>
+              <a:schemeClr val="tx1"/>
+            </a:solidFill>
+            <a:ln>
+              <a:noFill/>
+            </a:ln>
+          </p:spPr>
+          <p:style>
+            <a:lnRef idx="2">
+              <a:schemeClr val="accent1">
+                <a:shade val="50000"/>
+              </a:schemeClr>
+            </a:lnRef>
+            <a:fillRef idx="1">
+              <a:schemeClr val="accent1"/>
+            </a:fillRef>
+            <a:effectRef idx="0">
+              <a:schemeClr val="accent1"/>
+            </a:effectRef>
+            <a:fontRef idx="minor">
+              <a:schemeClr val="lt1"/>
+            </a:fontRef>
+          </p:style>
+          <p:txBody>
+            <a:bodyPr rtlCol="0" anchor="ctr"/>
+            <a:lstStyle/>
+            <a:p>
+              <a:pPr algn="ctr"/>
+              <a:endParaRPr lang="de-DE" dirty="0">
+                <a:solidFill>
+                  <a:schemeClr val="tx1"/>
+                </a:solidFill>
+              </a:endParaRPr>
+            </a:p>
+          </p:txBody>
+        </p:sp>
+        <p:sp>
+          <p:nvSpPr>
+            <p:cNvPr id="12" name="Rechteck: abgerundete Ecken 11">
+              <a:extLst>
+                <a:ext uri="{FF2B5EF4-FFF2-40B4-BE49-F238E27FC236}">
+                  <a16:creationId xmlns:a16="http://schemas.microsoft.com/office/drawing/2014/main" id="{DAA074FE-DFD4-407F-83A4-2C48B6E241D2}"/>
+                </a:ext>
+              </a:extLst>
+            </p:cNvPr>
+            <p:cNvSpPr/>
+            <p:nvPr/>
+          </p:nvSpPr>
+          <p:spPr>
+            <a:xfrm>
+              <a:off x="3960062" y="1074653"/>
+              <a:ext cx="967538" cy="184727"/>
+            </a:xfrm>
+            <a:prstGeom prst="roundRect">
+              <a:avLst>
+                <a:gd name="adj" fmla="val 50000"/>
+              </a:avLst>
+            </a:prstGeom>
+            <a:solidFill>
+              <a:schemeClr val="tx1"/>
+            </a:solidFill>
+            <a:ln>
+              <a:noFill/>
+            </a:ln>
+          </p:spPr>
+          <p:style>
+            <a:lnRef idx="2">
+              <a:schemeClr val="accent1">
+                <a:shade val="50000"/>
+              </a:schemeClr>
+            </a:lnRef>
+            <a:fillRef idx="1">
+              <a:schemeClr val="accent1"/>
+            </a:fillRef>
+            <a:effectRef idx="0">
+              <a:schemeClr val="accent1"/>
+            </a:effectRef>
+            <a:fontRef idx="minor">
+              <a:schemeClr val="lt1"/>
+            </a:fontRef>
+          </p:style>
+          <p:txBody>
+            <a:bodyPr rtlCol="0" anchor="ctr"/>
+            <a:lstStyle/>
+            <a:p>
+              <a:pPr algn="ctr"/>
+              <a:endParaRPr lang="de-DE"/>
+            </a:p>
+          </p:txBody>
+        </p:sp>
+        <p:sp>
+          <p:nvSpPr>
+            <p:cNvPr id="13" name="Rechteck: abgerundete Ecken 12">
+              <a:extLst>
+                <a:ext uri="{FF2B5EF4-FFF2-40B4-BE49-F238E27FC236}">
+                  <a16:creationId xmlns:a16="http://schemas.microsoft.com/office/drawing/2014/main" id="{2B06BA58-0910-4F39-8B1C-7940AA2C12E3}"/>
+                </a:ext>
+              </a:extLst>
+            </p:cNvPr>
+            <p:cNvSpPr/>
+            <p:nvPr/>
+          </p:nvSpPr>
+          <p:spPr>
+            <a:xfrm>
+              <a:off x="2300652" y="1074652"/>
+              <a:ext cx="967538" cy="184727"/>
+            </a:xfrm>
+            <a:prstGeom prst="roundRect">
+              <a:avLst>
+                <a:gd name="adj" fmla="val 50000"/>
+              </a:avLst>
+            </a:prstGeom>
+            <a:solidFill>
+              <a:schemeClr val="tx1"/>
+            </a:solidFill>
+            <a:ln>
+              <a:noFill/>
+            </a:ln>
+          </p:spPr>
+          <p:style>
+            <a:lnRef idx="2">
+              <a:schemeClr val="accent1">
+                <a:shade val="50000"/>
+              </a:schemeClr>
+            </a:lnRef>
+            <a:fillRef idx="1">
+              <a:schemeClr val="accent1"/>
+            </a:fillRef>
+            <a:effectRef idx="0">
+              <a:schemeClr val="accent1"/>
+            </a:effectRef>
+            <a:fontRef idx="minor">
+              <a:schemeClr val="lt1"/>
+            </a:fontRef>
+          </p:style>
+          <p:txBody>
+            <a:bodyPr rtlCol="0" anchor="ctr"/>
+            <a:lstStyle/>
+            <a:p>
+              <a:pPr algn="ctr"/>
+              <a:endParaRPr lang="de-DE"/>
+            </a:p>
+          </p:txBody>
+        </p:sp>
+      </p:grpSp>
+      <p:pic>
+        <p:nvPicPr>
+          <p:cNvPr id="16" name="Grafik 15">
+            <a:extLst>
+              <a:ext uri="{FF2B5EF4-FFF2-40B4-BE49-F238E27FC236}">
+                <a16:creationId xmlns:a16="http://schemas.microsoft.com/office/drawing/2014/main" id="{6E18F217-6742-4AB3-B106-948D513F17C1}"/>
+              </a:ext>
+            </a:extLst>
+          </p:cNvPr>
+          <p:cNvPicPr>
+            <a:picLocks noChangeAspect="1"/>
+          </p:cNvPicPr>
+          <p:nvPr/>
+        </p:nvPicPr>
+        <p:blipFill>
+          <a:blip r:embed="rId2">
+            <a:extLst>
+              <a:ext uri="{28A0092B-C50C-407E-A947-70E740481C1C}">
+                <a14:useLocalDpi xmlns:a14="http://schemas.microsoft.com/office/drawing/2010/main" val="0"/>
+              </a:ext>
+            </a:extLst>
+          </a:blip>
+          <a:stretch>
+            <a:fillRect/>
+          </a:stretch>
+        </p:blipFill>
+        <p:spPr>
+          <a:xfrm>
+            <a:off x="329492" y="3726980"/>
+            <a:ext cx="2160000" cy="2160000"/>
+          </a:xfrm>
+          <a:prstGeom prst="rect">
+            <a:avLst/>
+          </a:prstGeom>
+        </p:spPr>
+      </p:pic>
+      <p:pic>
+        <p:nvPicPr>
+          <p:cNvPr id="18" name="Grafik 17">
+            <a:extLst>
+              <a:ext uri="{FF2B5EF4-FFF2-40B4-BE49-F238E27FC236}">
+                <a16:creationId xmlns:a16="http://schemas.microsoft.com/office/drawing/2014/main" id="{4E005AAA-E214-43F5-876B-36BB3EC2A121}"/>
+              </a:ext>
+            </a:extLst>
+          </p:cNvPr>
+          <p:cNvPicPr>
+            <a:picLocks noChangeAspect="1"/>
+          </p:cNvPicPr>
+          <p:nvPr/>
+        </p:nvPicPr>
+        <p:blipFill>
+          <a:blip r:embed="rId3">
+            <a:extLst>
+              <a:ext uri="{28A0092B-C50C-407E-A947-70E740481C1C}">
+                <a14:useLocalDpi xmlns:a14="http://schemas.microsoft.com/office/drawing/2010/main" val="0"/>
+              </a:ext>
+            </a:extLst>
+          </a:blip>
+          <a:stretch>
+            <a:fillRect/>
+          </a:stretch>
+        </p:blipFill>
+        <p:spPr>
+          <a:xfrm>
+            <a:off x="6867405" y="3906980"/>
+            <a:ext cx="1800000" cy="1800000"/>
+          </a:xfrm>
+          <a:prstGeom prst="rect">
+            <a:avLst/>
+          </a:prstGeom>
+        </p:spPr>
+      </p:pic>
+      <p:pic>
+        <p:nvPicPr>
+          <p:cNvPr id="20" name="Grafik 19">
+            <a:extLst>
+              <a:ext uri="{FF2B5EF4-FFF2-40B4-BE49-F238E27FC236}">
+                <a16:creationId xmlns:a16="http://schemas.microsoft.com/office/drawing/2014/main" id="{E2857178-2BDD-4D29-9E76-2B3A21CFDA07}"/>
+              </a:ext>
+            </a:extLst>
+          </p:cNvPr>
+          <p:cNvPicPr>
+            <a:picLocks noChangeAspect="1"/>
+          </p:cNvPicPr>
+          <p:nvPr/>
+        </p:nvPicPr>
+        <p:blipFill>
+          <a:blip r:embed="rId4">
+            <a:extLst>
+              <a:ext uri="{28A0092B-C50C-407E-A947-70E740481C1C}">
+                <a14:useLocalDpi xmlns:a14="http://schemas.microsoft.com/office/drawing/2010/main" val="0"/>
+              </a:ext>
+            </a:extLst>
+          </a:blip>
+          <a:stretch>
+            <a:fillRect/>
+          </a:stretch>
+        </p:blipFill>
+        <p:spPr>
+          <a:xfrm>
+            <a:off x="6867405" y="907385"/>
+            <a:ext cx="1800000" cy="1800000"/>
+          </a:xfrm>
+          <a:prstGeom prst="rect">
+            <a:avLst/>
+          </a:prstGeom>
+        </p:spPr>
+      </p:pic>
+      <p:sp>
+        <p:nvSpPr>
+          <p:cNvPr id="21" name="Textfeld 20">
+            <a:extLst>
+              <a:ext uri="{FF2B5EF4-FFF2-40B4-BE49-F238E27FC236}">
+                <a16:creationId xmlns:a16="http://schemas.microsoft.com/office/drawing/2014/main" id="{87D02C1E-5D84-44B6-9869-9918BEB72475}"/>
+              </a:ext>
+            </a:extLst>
+          </p:cNvPr>
+          <p:cNvSpPr txBox="1"/>
+          <p:nvPr/>
+        </p:nvSpPr>
+        <p:spPr>
+          <a:xfrm>
+            <a:off x="2700707" y="1545775"/>
+            <a:ext cx="1749197" cy="523220"/>
+          </a:xfrm>
+          <a:prstGeom prst="rect">
+            <a:avLst/>
+          </a:prstGeom>
+          <a:noFill/>
+        </p:spPr>
+        <p:txBody>
+          <a:bodyPr wrap="none" rtlCol="0">
+            <a:spAutoFit/>
+          </a:bodyPr>
           <a:lstStyle/>
           <a:p>
             <a:r>
-              <a:rPr lang="de-DE" dirty="0"/>
-              <a:t>Statistiken</a:t>
-            </a:r>
-            <a:endParaRPr lang="de-CH" dirty="0"/>
-          </a:p>
-        </p:txBody>
-      </p:sp>
-      <p:sp>
-        <p:nvSpPr>
-          <p:cNvPr id="3" name="Inhaltsplatzhalter 2">
-            <a:extLst>
-              <a:ext uri="{FF2B5EF4-FFF2-40B4-BE49-F238E27FC236}">
-                <a16:creationId xmlns:a16="http://schemas.microsoft.com/office/drawing/2014/main" id="{16B59307-11AE-4035-BC41-B45596CEE970}"/>
-              </a:ext>
-            </a:extLst>
-          </p:cNvPr>
-          <p:cNvSpPr>
-            <a:spLocks noGrp="1"/>
-          </p:cNvSpPr>
-          <p:nvPr>
-            <p:ph idx="1"/>
-          </p:nvPr>
-        </p:nvSpPr>
-        <p:spPr/>
-        <p:txBody>
-          <a:bodyPr/>
+              <a:rPr lang="de-DE" sz="2800" dirty="0"/>
+              <a:t>X </a:t>
+            </a:r>
+            <a:r>
+              <a:rPr lang="de-DE" sz="2800" dirty="0" err="1"/>
+              <a:t>Commits</a:t>
+            </a:r>
+            <a:endParaRPr lang="de-DE" sz="2800" dirty="0"/>
+          </a:p>
+        </p:txBody>
+      </p:sp>
+      <p:sp>
+        <p:nvSpPr>
+          <p:cNvPr id="22" name="Textfeld 21">
+            <a:extLst>
+              <a:ext uri="{FF2B5EF4-FFF2-40B4-BE49-F238E27FC236}">
+                <a16:creationId xmlns:a16="http://schemas.microsoft.com/office/drawing/2014/main" id="{DB48A0F6-C68F-4D63-8DA8-3A00150418D8}"/>
+              </a:ext>
+            </a:extLst>
+          </p:cNvPr>
+          <p:cNvSpPr txBox="1"/>
+          <p:nvPr/>
+        </p:nvSpPr>
+        <p:spPr>
+          <a:xfrm>
+            <a:off x="2322018" y="4545370"/>
+            <a:ext cx="4246547" cy="523220"/>
+          </a:xfrm>
+          <a:prstGeom prst="rect">
+            <a:avLst/>
+          </a:prstGeom>
+          <a:noFill/>
+        </p:spPr>
+        <p:txBody>
+          <a:bodyPr wrap="none" rtlCol="0">
+            <a:spAutoFit/>
+          </a:bodyPr>
           <a:lstStyle/>
           <a:p>
             <a:r>
-              <a:rPr lang="de-DE" dirty="0"/>
-              <a:t>X </a:t>
-            </a:r>
-            <a:r>
-              <a:rPr lang="de-DE" dirty="0" err="1"/>
-              <a:t>Commits</a:t>
-            </a:r>
-            <a:endParaRPr lang="de-DE" dirty="0"/>
-          </a:p>
-          <a:p>
-            <a:r>
-              <a:rPr lang="de-DE" dirty="0"/>
+              <a:rPr lang="de-DE" sz="2800" dirty="0"/>
               <a:t>X Klassen und Schnittstellen</a:t>
             </a:r>
           </a:p>
-          <a:p>
-            <a:r>
-              <a:rPr lang="de-DE" dirty="0"/>
+        </p:txBody>
+      </p:sp>
+      <p:sp>
+        <p:nvSpPr>
+          <p:cNvPr id="23" name="Textfeld 22">
+            <a:extLst>
+              <a:ext uri="{FF2B5EF4-FFF2-40B4-BE49-F238E27FC236}">
+                <a16:creationId xmlns:a16="http://schemas.microsoft.com/office/drawing/2014/main" id="{B8AACBC5-5D47-4E41-BAA0-2A32E9D34606}"/>
+              </a:ext>
+            </a:extLst>
+          </p:cNvPr>
+          <p:cNvSpPr txBox="1"/>
+          <p:nvPr/>
+        </p:nvSpPr>
+        <p:spPr>
+          <a:xfrm>
+            <a:off x="9268303" y="1545628"/>
+            <a:ext cx="1424429" cy="523220"/>
+          </a:xfrm>
+          <a:prstGeom prst="rect">
+            <a:avLst/>
+          </a:prstGeom>
+          <a:noFill/>
+        </p:spPr>
+        <p:txBody>
+          <a:bodyPr wrap="none" rtlCol="0">
+            <a:spAutoFit/>
+          </a:bodyPr>
+          <a:lstStyle/>
+          <a:p>
+            <a:r>
+              <a:rPr lang="de-DE" sz="2800" dirty="0"/>
               <a:t>X Pakete</a:t>
             </a:r>
           </a:p>
-          <a:p>
-            <a:r>
-              <a:rPr lang="de-DE" dirty="0"/>
-              <a:t>X Zeilen Java-Quellcode</a:t>
-            </a:r>
-            <a:endParaRPr lang="de-CH" dirty="0"/>
+        </p:txBody>
+      </p:sp>
+      <p:sp>
+        <p:nvSpPr>
+          <p:cNvPr id="24" name="Textfeld 23">
+            <a:extLst>
+              <a:ext uri="{FF2B5EF4-FFF2-40B4-BE49-F238E27FC236}">
+                <a16:creationId xmlns:a16="http://schemas.microsoft.com/office/drawing/2014/main" id="{882F3547-26A0-440A-9580-BB06BAAB2FF1}"/>
+              </a:ext>
+            </a:extLst>
+          </p:cNvPr>
+          <p:cNvSpPr txBox="1"/>
+          <p:nvPr/>
+        </p:nvSpPr>
+        <p:spPr>
+          <a:xfrm>
+            <a:off x="8991216" y="4545370"/>
+            <a:ext cx="2883738" cy="523220"/>
+          </a:xfrm>
+          <a:prstGeom prst="rect">
+            <a:avLst/>
+          </a:prstGeom>
+          <a:noFill/>
+        </p:spPr>
+        <p:txBody>
+          <a:bodyPr wrap="none" rtlCol="0">
+            <a:spAutoFit/>
+          </a:bodyPr>
+          <a:lstStyle/>
+          <a:p>
+            <a:r>
+              <a:rPr lang="de-DE" sz="2800" dirty="0"/>
+              <a:t>X Zeilen Quellcode</a:t>
+            </a:r>
           </a:p>
         </p:txBody>
       </p:sp>
@@ -3579,10 +3939,1134 @@
   <p:clrMapOvr>
     <a:masterClrMapping/>
   </p:clrMapOvr>
+  <p:timing>
+    <p:tnLst>
+      <p:par>
+        <p:cTn id="1" dur="indefinite" restart="never" nodeType="tmRoot">
+          <p:childTnLst>
+            <p:seq concurrent="1" nextAc="seek">
+              <p:cTn id="2" dur="indefinite" nodeType="mainSeq">
+                <p:childTnLst>
+                  <p:par>
+                    <p:cTn id="3" fill="hold">
+                      <p:stCondLst>
+                        <p:cond delay="indefinite"/>
+                      </p:stCondLst>
+                      <p:childTnLst>
+                        <p:par>
+                          <p:cTn id="4" fill="hold">
+                            <p:stCondLst>
+                              <p:cond delay="0"/>
+                            </p:stCondLst>
+                            <p:childTnLst>
+                              <p:par>
+                                <p:cTn id="5" presetID="1" presetClass="entr" presetSubtype="0" fill="hold" nodeType="clickEffect">
+                                  <p:stCondLst>
+                                    <p:cond delay="0"/>
+                                  </p:stCondLst>
+                                  <p:childTnLst>
+                                    <p:set>
+                                      <p:cBhvr>
+                                        <p:cTn id="6" dur="1" fill="hold">
+                                          <p:stCondLst>
+                                            <p:cond delay="0"/>
+                                          </p:stCondLst>
+                                        </p:cTn>
+                                        <p:tgtEl>
+                                          <p:spTgt spid="14"/>
+                                        </p:tgtEl>
+                                        <p:attrNameLst>
+                                          <p:attrName>style.visibility</p:attrName>
+                                        </p:attrNameLst>
+                                      </p:cBhvr>
+                                      <p:to>
+                                        <p:strVal val="visible"/>
+                                      </p:to>
+                                    </p:set>
+                                  </p:childTnLst>
+                                </p:cTn>
+                              </p:par>
+                              <p:par>
+                                <p:cTn id="7" presetID="1" presetClass="entr" presetSubtype="0" fill="hold" grpId="0" nodeType="withEffect">
+                                  <p:stCondLst>
+                                    <p:cond delay="0"/>
+                                  </p:stCondLst>
+                                  <p:childTnLst>
+                                    <p:set>
+                                      <p:cBhvr>
+                                        <p:cTn id="8" dur="1" fill="hold">
+                                          <p:stCondLst>
+                                            <p:cond delay="0"/>
+                                          </p:stCondLst>
+                                        </p:cTn>
+                                        <p:tgtEl>
+                                          <p:spTgt spid="21"/>
+                                        </p:tgtEl>
+                                        <p:attrNameLst>
+                                          <p:attrName>style.visibility</p:attrName>
+                                        </p:attrNameLst>
+                                      </p:cBhvr>
+                                      <p:to>
+                                        <p:strVal val="visible"/>
+                                      </p:to>
+                                    </p:set>
+                                  </p:childTnLst>
+                                </p:cTn>
+                              </p:par>
+                            </p:childTnLst>
+                          </p:cTn>
+                        </p:par>
+                      </p:childTnLst>
+                    </p:cTn>
+                  </p:par>
+                  <p:par>
+                    <p:cTn id="9" fill="hold">
+                      <p:stCondLst>
+                        <p:cond delay="indefinite"/>
+                      </p:stCondLst>
+                      <p:childTnLst>
+                        <p:par>
+                          <p:cTn id="10" fill="hold">
+                            <p:stCondLst>
+                              <p:cond delay="0"/>
+                            </p:stCondLst>
+                            <p:childTnLst>
+                              <p:par>
+                                <p:cTn id="11" presetID="1" presetClass="entr" presetSubtype="0" fill="hold" nodeType="clickEffect">
+                                  <p:stCondLst>
+                                    <p:cond delay="0"/>
+                                  </p:stCondLst>
+                                  <p:childTnLst>
+                                    <p:set>
+                                      <p:cBhvr>
+                                        <p:cTn id="12" dur="1" fill="hold">
+                                          <p:stCondLst>
+                                            <p:cond delay="0"/>
+                                          </p:stCondLst>
+                                        </p:cTn>
+                                        <p:tgtEl>
+                                          <p:spTgt spid="16"/>
+                                        </p:tgtEl>
+                                        <p:attrNameLst>
+                                          <p:attrName>style.visibility</p:attrName>
+                                        </p:attrNameLst>
+                                      </p:cBhvr>
+                                      <p:to>
+                                        <p:strVal val="visible"/>
+                                      </p:to>
+                                    </p:set>
+                                  </p:childTnLst>
+                                </p:cTn>
+                              </p:par>
+                              <p:par>
+                                <p:cTn id="13" presetID="1" presetClass="entr" presetSubtype="0" fill="hold" grpId="0" nodeType="withEffect">
+                                  <p:stCondLst>
+                                    <p:cond delay="0"/>
+                                  </p:stCondLst>
+                                  <p:childTnLst>
+                                    <p:set>
+                                      <p:cBhvr>
+                                        <p:cTn id="14" dur="1" fill="hold">
+                                          <p:stCondLst>
+                                            <p:cond delay="0"/>
+                                          </p:stCondLst>
+                                        </p:cTn>
+                                        <p:tgtEl>
+                                          <p:spTgt spid="22"/>
+                                        </p:tgtEl>
+                                        <p:attrNameLst>
+                                          <p:attrName>style.visibility</p:attrName>
+                                        </p:attrNameLst>
+                                      </p:cBhvr>
+                                      <p:to>
+                                        <p:strVal val="visible"/>
+                                      </p:to>
+                                    </p:set>
+                                  </p:childTnLst>
+                                </p:cTn>
+                              </p:par>
+                            </p:childTnLst>
+                          </p:cTn>
+                        </p:par>
+                      </p:childTnLst>
+                    </p:cTn>
+                  </p:par>
+                  <p:par>
+                    <p:cTn id="15" fill="hold">
+                      <p:stCondLst>
+                        <p:cond delay="indefinite"/>
+                      </p:stCondLst>
+                      <p:childTnLst>
+                        <p:par>
+                          <p:cTn id="16" fill="hold">
+                            <p:stCondLst>
+                              <p:cond delay="0"/>
+                            </p:stCondLst>
+                            <p:childTnLst>
+                              <p:par>
+                                <p:cTn id="17" presetID="1" presetClass="entr" presetSubtype="0" fill="hold" nodeType="clickEffect">
+                                  <p:stCondLst>
+                                    <p:cond delay="0"/>
+                                  </p:stCondLst>
+                                  <p:childTnLst>
+                                    <p:set>
+                                      <p:cBhvr>
+                                        <p:cTn id="18" dur="1" fill="hold">
+                                          <p:stCondLst>
+                                            <p:cond delay="0"/>
+                                          </p:stCondLst>
+                                        </p:cTn>
+                                        <p:tgtEl>
+                                          <p:spTgt spid="20"/>
+                                        </p:tgtEl>
+                                        <p:attrNameLst>
+                                          <p:attrName>style.visibility</p:attrName>
+                                        </p:attrNameLst>
+                                      </p:cBhvr>
+                                      <p:to>
+                                        <p:strVal val="visible"/>
+                                      </p:to>
+                                    </p:set>
+                                  </p:childTnLst>
+                                </p:cTn>
+                              </p:par>
+                              <p:par>
+                                <p:cTn id="19" presetID="1" presetClass="entr" presetSubtype="0" fill="hold" grpId="0" nodeType="withEffect">
+                                  <p:stCondLst>
+                                    <p:cond delay="0"/>
+                                  </p:stCondLst>
+                                  <p:childTnLst>
+                                    <p:set>
+                                      <p:cBhvr>
+                                        <p:cTn id="20" dur="1" fill="hold">
+                                          <p:stCondLst>
+                                            <p:cond delay="0"/>
+                                          </p:stCondLst>
+                                        </p:cTn>
+                                        <p:tgtEl>
+                                          <p:spTgt spid="23"/>
+                                        </p:tgtEl>
+                                        <p:attrNameLst>
+                                          <p:attrName>style.visibility</p:attrName>
+                                        </p:attrNameLst>
+                                      </p:cBhvr>
+                                      <p:to>
+                                        <p:strVal val="visible"/>
+                                      </p:to>
+                                    </p:set>
+                                  </p:childTnLst>
+                                </p:cTn>
+                              </p:par>
+                            </p:childTnLst>
+                          </p:cTn>
+                        </p:par>
+                      </p:childTnLst>
+                    </p:cTn>
+                  </p:par>
+                  <p:par>
+                    <p:cTn id="21" fill="hold">
+                      <p:stCondLst>
+                        <p:cond delay="indefinite"/>
+                      </p:stCondLst>
+                      <p:childTnLst>
+                        <p:par>
+                          <p:cTn id="22" fill="hold">
+                            <p:stCondLst>
+                              <p:cond delay="0"/>
+                            </p:stCondLst>
+                            <p:childTnLst>
+                              <p:par>
+                                <p:cTn id="23" presetID="1" presetClass="entr" presetSubtype="0" fill="hold" nodeType="clickEffect">
+                                  <p:stCondLst>
+                                    <p:cond delay="0"/>
+                                  </p:stCondLst>
+                                  <p:childTnLst>
+                                    <p:set>
+                                      <p:cBhvr>
+                                        <p:cTn id="24" dur="1" fill="hold">
+                                          <p:stCondLst>
+                                            <p:cond delay="0"/>
+                                          </p:stCondLst>
+                                        </p:cTn>
+                                        <p:tgtEl>
+                                          <p:spTgt spid="18"/>
+                                        </p:tgtEl>
+                                        <p:attrNameLst>
+                                          <p:attrName>style.visibility</p:attrName>
+                                        </p:attrNameLst>
+                                      </p:cBhvr>
+                                      <p:to>
+                                        <p:strVal val="visible"/>
+                                      </p:to>
+                                    </p:set>
+                                  </p:childTnLst>
+                                </p:cTn>
+                              </p:par>
+                              <p:par>
+                                <p:cTn id="25" presetID="1" presetClass="entr" presetSubtype="0" fill="hold" grpId="0" nodeType="withEffect">
+                                  <p:stCondLst>
+                                    <p:cond delay="0"/>
+                                  </p:stCondLst>
+                                  <p:childTnLst>
+                                    <p:set>
+                                      <p:cBhvr>
+                                        <p:cTn id="26" dur="1" fill="hold">
+                                          <p:stCondLst>
+                                            <p:cond delay="0"/>
+                                          </p:stCondLst>
+                                        </p:cTn>
+                                        <p:tgtEl>
+                                          <p:spTgt spid="24"/>
+                                        </p:tgtEl>
+                                        <p:attrNameLst>
+                                          <p:attrName>style.visibility</p:attrName>
+                                        </p:attrNameLst>
+                                      </p:cBhvr>
+                                      <p:to>
+                                        <p:strVal val="visible"/>
+                                      </p:to>
+                                    </p:set>
+                                  </p:childTnLst>
+                                </p:cTn>
+                              </p:par>
+                            </p:childTnLst>
+                          </p:cTn>
+                        </p:par>
+                      </p:childTnLst>
+                    </p:cTn>
+                  </p:par>
+                </p:childTnLst>
+              </p:cTn>
+              <p:prevCondLst>
+                <p:cond evt="onPrev" delay="0">
+                  <p:tgtEl>
+                    <p:sldTgt/>
+                  </p:tgtEl>
+                </p:cond>
+              </p:prevCondLst>
+              <p:nextCondLst>
+                <p:cond evt="onNext" delay="0">
+                  <p:tgtEl>
+                    <p:sldTgt/>
+                  </p:tgtEl>
+                </p:cond>
+              </p:nextCondLst>
+            </p:seq>
+          </p:childTnLst>
+        </p:cTn>
+      </p:par>
+    </p:tnLst>
+    <p:bldLst>
+      <p:bldP spid="21" grpId="0"/>
+      <p:bldP spid="22" grpId="0"/>
+      <p:bldP spid="23" grpId="0"/>
+      <p:bldP spid="24" grpId="0"/>
+    </p:bldLst>
+  </p:timing>
 </p:sld>
 </file>
 
 <file path=ppt/slides/slide3.xml><?xml version="1.0" encoding="utf-8"?>
+<p:sld xmlns:a="http://schemas.openxmlformats.org/drawingml/2006/main" xmlns:r="http://schemas.openxmlformats.org/officeDocument/2006/relationships" xmlns:p="http://schemas.openxmlformats.org/presentationml/2006/main">
+  <p:cSld>
+    <p:spTree>
+      <p:nvGrpSpPr>
+        <p:cNvPr id="1" name=""/>
+        <p:cNvGrpSpPr/>
+        <p:nvPr/>
+      </p:nvGrpSpPr>
+      <p:grpSpPr>
+        <a:xfrm>
+          <a:off x="0" y="0"/>
+          <a:ext cx="0" cy="0"/>
+          <a:chOff x="0" y="0"/>
+          <a:chExt cx="0" cy="0"/>
+        </a:xfrm>
+      </p:grpSpPr>
+      <p:grpSp>
+        <p:nvGrpSpPr>
+          <p:cNvPr id="14" name="Gruppieren 13">
+            <a:extLst>
+              <a:ext uri="{FF2B5EF4-FFF2-40B4-BE49-F238E27FC236}">
+                <a16:creationId xmlns:a16="http://schemas.microsoft.com/office/drawing/2014/main" id="{4DB9583A-5ACE-4895-BB0C-C2F81168FFC6}"/>
+              </a:ext>
+            </a:extLst>
+          </p:cNvPr>
+          <p:cNvGrpSpPr>
+            <a:grpSpLocks noChangeAspect="1"/>
+          </p:cNvGrpSpPr>
+          <p:nvPr/>
+        </p:nvGrpSpPr>
+        <p:grpSpPr>
+          <a:xfrm>
+            <a:off x="1913420" y="1319341"/>
+            <a:ext cx="1800000" cy="791363"/>
+            <a:chOff x="2300652" y="627017"/>
+            <a:chExt cx="2626948" cy="1080000"/>
+          </a:xfrm>
+        </p:grpSpPr>
+        <p:sp>
+          <p:nvSpPr>
+            <p:cNvPr id="11" name="Kreis: nicht ausgefüllt 10">
+              <a:extLst>
+                <a:ext uri="{FF2B5EF4-FFF2-40B4-BE49-F238E27FC236}">
+                  <a16:creationId xmlns:a16="http://schemas.microsoft.com/office/drawing/2014/main" id="{B207F3DE-337C-4A11-8251-996C40F52CC6}"/>
+                </a:ext>
+              </a:extLst>
+            </p:cNvPr>
+            <p:cNvSpPr/>
+            <p:nvPr/>
+          </p:nvSpPr>
+          <p:spPr>
+            <a:xfrm>
+              <a:off x="3074126" y="627017"/>
+              <a:ext cx="1080000" cy="1080000"/>
+            </a:xfrm>
+            <a:prstGeom prst="donut">
+              <a:avLst>
+                <a:gd name="adj" fmla="val 19013"/>
+              </a:avLst>
+            </a:prstGeom>
+            <a:solidFill>
+              <a:schemeClr val="tx1"/>
+            </a:solidFill>
+            <a:ln>
+              <a:noFill/>
+            </a:ln>
+          </p:spPr>
+          <p:style>
+            <a:lnRef idx="2">
+              <a:schemeClr val="accent1">
+                <a:shade val="50000"/>
+              </a:schemeClr>
+            </a:lnRef>
+            <a:fillRef idx="1">
+              <a:schemeClr val="accent1"/>
+            </a:fillRef>
+            <a:effectRef idx="0">
+              <a:schemeClr val="accent1"/>
+            </a:effectRef>
+            <a:fontRef idx="minor">
+              <a:schemeClr val="lt1"/>
+            </a:fontRef>
+          </p:style>
+          <p:txBody>
+            <a:bodyPr rtlCol="0" anchor="ctr"/>
+            <a:lstStyle/>
+            <a:p>
+              <a:pPr algn="ctr"/>
+              <a:endParaRPr lang="de-DE" dirty="0">
+                <a:solidFill>
+                  <a:schemeClr val="tx1"/>
+                </a:solidFill>
+              </a:endParaRPr>
+            </a:p>
+          </p:txBody>
+        </p:sp>
+        <p:sp>
+          <p:nvSpPr>
+            <p:cNvPr id="12" name="Rechteck: abgerundete Ecken 11">
+              <a:extLst>
+                <a:ext uri="{FF2B5EF4-FFF2-40B4-BE49-F238E27FC236}">
+                  <a16:creationId xmlns:a16="http://schemas.microsoft.com/office/drawing/2014/main" id="{DAA074FE-DFD4-407F-83A4-2C48B6E241D2}"/>
+                </a:ext>
+              </a:extLst>
+            </p:cNvPr>
+            <p:cNvSpPr/>
+            <p:nvPr/>
+          </p:nvSpPr>
+          <p:spPr>
+            <a:xfrm>
+              <a:off x="3960062" y="1074653"/>
+              <a:ext cx="967538" cy="184727"/>
+            </a:xfrm>
+            <a:prstGeom prst="roundRect">
+              <a:avLst>
+                <a:gd name="adj" fmla="val 50000"/>
+              </a:avLst>
+            </a:prstGeom>
+            <a:solidFill>
+              <a:schemeClr val="tx1"/>
+            </a:solidFill>
+            <a:ln>
+              <a:noFill/>
+            </a:ln>
+          </p:spPr>
+          <p:style>
+            <a:lnRef idx="2">
+              <a:schemeClr val="accent1">
+                <a:shade val="50000"/>
+              </a:schemeClr>
+            </a:lnRef>
+            <a:fillRef idx="1">
+              <a:schemeClr val="accent1"/>
+            </a:fillRef>
+            <a:effectRef idx="0">
+              <a:schemeClr val="accent1"/>
+            </a:effectRef>
+            <a:fontRef idx="minor">
+              <a:schemeClr val="lt1"/>
+            </a:fontRef>
+          </p:style>
+          <p:txBody>
+            <a:bodyPr rtlCol="0" anchor="ctr"/>
+            <a:lstStyle/>
+            <a:p>
+              <a:pPr algn="ctr"/>
+              <a:endParaRPr lang="de-DE"/>
+            </a:p>
+          </p:txBody>
+        </p:sp>
+        <p:sp>
+          <p:nvSpPr>
+            <p:cNvPr id="13" name="Rechteck: abgerundete Ecken 12">
+              <a:extLst>
+                <a:ext uri="{FF2B5EF4-FFF2-40B4-BE49-F238E27FC236}">
+                  <a16:creationId xmlns:a16="http://schemas.microsoft.com/office/drawing/2014/main" id="{2B06BA58-0910-4F39-8B1C-7940AA2C12E3}"/>
+                </a:ext>
+              </a:extLst>
+            </p:cNvPr>
+            <p:cNvSpPr/>
+            <p:nvPr/>
+          </p:nvSpPr>
+          <p:spPr>
+            <a:xfrm>
+              <a:off x="2300652" y="1074652"/>
+              <a:ext cx="967538" cy="184727"/>
+            </a:xfrm>
+            <a:prstGeom prst="roundRect">
+              <a:avLst>
+                <a:gd name="adj" fmla="val 50000"/>
+              </a:avLst>
+            </a:prstGeom>
+            <a:solidFill>
+              <a:schemeClr val="tx1"/>
+            </a:solidFill>
+            <a:ln>
+              <a:noFill/>
+            </a:ln>
+          </p:spPr>
+          <p:style>
+            <a:lnRef idx="2">
+              <a:schemeClr val="accent1">
+                <a:shade val="50000"/>
+              </a:schemeClr>
+            </a:lnRef>
+            <a:fillRef idx="1">
+              <a:schemeClr val="accent1"/>
+            </a:fillRef>
+            <a:effectRef idx="0">
+              <a:schemeClr val="accent1"/>
+            </a:effectRef>
+            <a:fontRef idx="minor">
+              <a:schemeClr val="lt1"/>
+            </a:fontRef>
+          </p:style>
+          <p:txBody>
+            <a:bodyPr rtlCol="0" anchor="ctr"/>
+            <a:lstStyle/>
+            <a:p>
+              <a:pPr algn="ctr"/>
+              <a:endParaRPr lang="de-DE"/>
+            </a:p>
+          </p:txBody>
+        </p:sp>
+      </p:grpSp>
+      <p:pic>
+        <p:nvPicPr>
+          <p:cNvPr id="16" name="Grafik 15">
+            <a:extLst>
+              <a:ext uri="{FF2B5EF4-FFF2-40B4-BE49-F238E27FC236}">
+                <a16:creationId xmlns:a16="http://schemas.microsoft.com/office/drawing/2014/main" id="{6E18F217-6742-4AB3-B106-948D513F17C1}"/>
+              </a:ext>
+            </a:extLst>
+          </p:cNvPr>
+          <p:cNvPicPr>
+            <a:picLocks noChangeAspect="1"/>
+          </p:cNvPicPr>
+          <p:nvPr/>
+        </p:nvPicPr>
+        <p:blipFill>
+          <a:blip r:embed="rId2">
+            <a:extLst>
+              <a:ext uri="{28A0092B-C50C-407E-A947-70E740481C1C}">
+                <a14:useLocalDpi xmlns:a14="http://schemas.microsoft.com/office/drawing/2010/main" val="0"/>
+              </a:ext>
+            </a:extLst>
+          </a:blip>
+          <a:stretch>
+            <a:fillRect/>
+          </a:stretch>
+        </p:blipFill>
+        <p:spPr>
+          <a:xfrm>
+            <a:off x="1687238" y="3639707"/>
+            <a:ext cx="2160000" cy="2160000"/>
+          </a:xfrm>
+          <a:prstGeom prst="rect">
+            <a:avLst/>
+          </a:prstGeom>
+        </p:spPr>
+      </p:pic>
+      <p:pic>
+        <p:nvPicPr>
+          <p:cNvPr id="18" name="Grafik 17">
+            <a:extLst>
+              <a:ext uri="{FF2B5EF4-FFF2-40B4-BE49-F238E27FC236}">
+                <a16:creationId xmlns:a16="http://schemas.microsoft.com/office/drawing/2014/main" id="{4E005AAA-E214-43F5-876B-36BB3EC2A121}"/>
+              </a:ext>
+            </a:extLst>
+          </p:cNvPr>
+          <p:cNvPicPr>
+            <a:picLocks noChangeAspect="1"/>
+          </p:cNvPicPr>
+          <p:nvPr/>
+        </p:nvPicPr>
+        <p:blipFill>
+          <a:blip r:embed="rId3">
+            <a:extLst>
+              <a:ext uri="{28A0092B-C50C-407E-A947-70E740481C1C}">
+                <a14:useLocalDpi xmlns:a14="http://schemas.microsoft.com/office/drawing/2010/main" val="0"/>
+              </a:ext>
+            </a:extLst>
+          </a:blip>
+          <a:stretch>
+            <a:fillRect/>
+          </a:stretch>
+        </p:blipFill>
+        <p:spPr>
+          <a:xfrm>
+            <a:off x="8271333" y="3814617"/>
+            <a:ext cx="1800000" cy="1800000"/>
+          </a:xfrm>
+          <a:prstGeom prst="rect">
+            <a:avLst/>
+          </a:prstGeom>
+        </p:spPr>
+      </p:pic>
+      <p:pic>
+        <p:nvPicPr>
+          <p:cNvPr id="20" name="Grafik 19">
+            <a:extLst>
+              <a:ext uri="{FF2B5EF4-FFF2-40B4-BE49-F238E27FC236}">
+                <a16:creationId xmlns:a16="http://schemas.microsoft.com/office/drawing/2014/main" id="{E2857178-2BDD-4D29-9E76-2B3A21CFDA07}"/>
+              </a:ext>
+            </a:extLst>
+          </p:cNvPr>
+          <p:cNvPicPr>
+            <a:picLocks noChangeAspect="1"/>
+          </p:cNvPicPr>
+          <p:nvPr/>
+        </p:nvPicPr>
+        <p:blipFill>
+          <a:blip r:embed="rId4">
+            <a:extLst>
+              <a:ext uri="{28A0092B-C50C-407E-A947-70E740481C1C}">
+                <a14:useLocalDpi xmlns:a14="http://schemas.microsoft.com/office/drawing/2010/main" val="0"/>
+              </a:ext>
+            </a:extLst>
+          </a:blip>
+          <a:stretch>
+            <a:fillRect/>
+          </a:stretch>
+        </p:blipFill>
+        <p:spPr>
+          <a:xfrm>
+            <a:off x="8276357" y="818790"/>
+            <a:ext cx="1800000" cy="1800000"/>
+          </a:xfrm>
+          <a:prstGeom prst="rect">
+            <a:avLst/>
+          </a:prstGeom>
+        </p:spPr>
+      </p:pic>
+      <p:sp>
+        <p:nvSpPr>
+          <p:cNvPr id="21" name="Textfeld 20">
+            <a:extLst>
+              <a:ext uri="{FF2B5EF4-FFF2-40B4-BE49-F238E27FC236}">
+                <a16:creationId xmlns:a16="http://schemas.microsoft.com/office/drawing/2014/main" id="{87D02C1E-5D84-44B6-9869-9918BEB72475}"/>
+              </a:ext>
+            </a:extLst>
+          </p:cNvPr>
+          <p:cNvSpPr txBox="1"/>
+          <p:nvPr/>
+        </p:nvSpPr>
+        <p:spPr>
+          <a:xfrm>
+            <a:off x="1938819" y="2597047"/>
+            <a:ext cx="1749197" cy="523220"/>
+          </a:xfrm>
+          <a:prstGeom prst="rect">
+            <a:avLst/>
+          </a:prstGeom>
+          <a:noFill/>
+        </p:spPr>
+        <p:txBody>
+          <a:bodyPr wrap="none" rtlCol="0">
+            <a:spAutoFit/>
+          </a:bodyPr>
+          <a:lstStyle/>
+          <a:p>
+            <a:pPr algn="ctr"/>
+            <a:r>
+              <a:rPr lang="de-DE" sz="2800" dirty="0"/>
+              <a:t>X </a:t>
+            </a:r>
+            <a:r>
+              <a:rPr lang="de-DE" sz="2800" dirty="0" err="1"/>
+              <a:t>Commits</a:t>
+            </a:r>
+            <a:endParaRPr lang="de-DE" sz="2800" dirty="0"/>
+          </a:p>
+        </p:txBody>
+      </p:sp>
+      <p:sp>
+        <p:nvSpPr>
+          <p:cNvPr id="22" name="Textfeld 21">
+            <a:extLst>
+              <a:ext uri="{FF2B5EF4-FFF2-40B4-BE49-F238E27FC236}">
+                <a16:creationId xmlns:a16="http://schemas.microsoft.com/office/drawing/2014/main" id="{DB48A0F6-C68F-4D63-8DA8-3A00150418D8}"/>
+              </a:ext>
+            </a:extLst>
+          </p:cNvPr>
+          <p:cNvSpPr txBox="1"/>
+          <p:nvPr/>
+        </p:nvSpPr>
+        <p:spPr>
+          <a:xfrm>
+            <a:off x="690145" y="5614617"/>
+            <a:ext cx="4246547" cy="523220"/>
+          </a:xfrm>
+          <a:prstGeom prst="rect">
+            <a:avLst/>
+          </a:prstGeom>
+          <a:noFill/>
+        </p:spPr>
+        <p:txBody>
+          <a:bodyPr wrap="none" rtlCol="0">
+            <a:spAutoFit/>
+          </a:bodyPr>
+          <a:lstStyle/>
+          <a:p>
+            <a:pPr algn="ctr"/>
+            <a:r>
+              <a:rPr lang="de-DE" sz="2800" dirty="0"/>
+              <a:t>X Klassen und Schnittstellen</a:t>
+            </a:r>
+          </a:p>
+        </p:txBody>
+      </p:sp>
+      <p:sp>
+        <p:nvSpPr>
+          <p:cNvPr id="23" name="Textfeld 22">
+            <a:extLst>
+              <a:ext uri="{FF2B5EF4-FFF2-40B4-BE49-F238E27FC236}">
+                <a16:creationId xmlns:a16="http://schemas.microsoft.com/office/drawing/2014/main" id="{B8AACBC5-5D47-4E41-BAA0-2A32E9D34606}"/>
+              </a:ext>
+            </a:extLst>
+          </p:cNvPr>
+          <p:cNvSpPr txBox="1"/>
+          <p:nvPr/>
+        </p:nvSpPr>
+        <p:spPr>
+          <a:xfrm>
+            <a:off x="8459118" y="2597047"/>
+            <a:ext cx="1424429" cy="523220"/>
+          </a:xfrm>
+          <a:prstGeom prst="rect">
+            <a:avLst/>
+          </a:prstGeom>
+          <a:noFill/>
+        </p:spPr>
+        <p:txBody>
+          <a:bodyPr wrap="none" rtlCol="0">
+            <a:spAutoFit/>
+          </a:bodyPr>
+          <a:lstStyle/>
+          <a:p>
+            <a:pPr algn="ctr"/>
+            <a:r>
+              <a:rPr lang="de-DE" sz="2800" dirty="0"/>
+              <a:t>X Pakete</a:t>
+            </a:r>
+          </a:p>
+        </p:txBody>
+      </p:sp>
+      <p:sp>
+        <p:nvSpPr>
+          <p:cNvPr id="24" name="Textfeld 23">
+            <a:extLst>
+              <a:ext uri="{FF2B5EF4-FFF2-40B4-BE49-F238E27FC236}">
+                <a16:creationId xmlns:a16="http://schemas.microsoft.com/office/drawing/2014/main" id="{882F3547-26A0-440A-9580-BB06BAAB2FF1}"/>
+              </a:ext>
+            </a:extLst>
+          </p:cNvPr>
+          <p:cNvSpPr txBox="1"/>
+          <p:nvPr/>
+        </p:nvSpPr>
+        <p:spPr>
+          <a:xfrm>
+            <a:off x="7729463" y="5614617"/>
+            <a:ext cx="2883738" cy="523220"/>
+          </a:xfrm>
+          <a:prstGeom prst="rect">
+            <a:avLst/>
+          </a:prstGeom>
+          <a:noFill/>
+        </p:spPr>
+        <p:txBody>
+          <a:bodyPr wrap="none" rtlCol="0">
+            <a:spAutoFit/>
+          </a:bodyPr>
+          <a:lstStyle/>
+          <a:p>
+            <a:pPr algn="ctr"/>
+            <a:r>
+              <a:rPr lang="de-DE" sz="2800" dirty="0"/>
+              <a:t>X Zeilen Quellcode</a:t>
+            </a:r>
+          </a:p>
+        </p:txBody>
+      </p:sp>
+    </p:spTree>
+    <p:extLst>
+      <p:ext uri="{BB962C8B-B14F-4D97-AF65-F5344CB8AC3E}">
+        <p14:creationId xmlns:p14="http://schemas.microsoft.com/office/powerpoint/2010/main" val="1786193330"/>
+      </p:ext>
+    </p:extLst>
+  </p:cSld>
+  <p:clrMapOvr>
+    <a:masterClrMapping/>
+  </p:clrMapOvr>
+  <p:timing>
+    <p:tnLst>
+      <p:par>
+        <p:cTn id="1" dur="indefinite" restart="never" nodeType="tmRoot">
+          <p:childTnLst>
+            <p:seq concurrent="1" nextAc="seek">
+              <p:cTn id="2" dur="indefinite" nodeType="mainSeq">
+                <p:childTnLst>
+                  <p:par>
+                    <p:cTn id="3" fill="hold">
+                      <p:stCondLst>
+                        <p:cond delay="indefinite"/>
+                      </p:stCondLst>
+                      <p:childTnLst>
+                        <p:par>
+                          <p:cTn id="4" fill="hold">
+                            <p:stCondLst>
+                              <p:cond delay="0"/>
+                            </p:stCondLst>
+                            <p:childTnLst>
+                              <p:par>
+                                <p:cTn id="5" presetID="1" presetClass="entr" presetSubtype="0" fill="hold" nodeType="clickEffect">
+                                  <p:stCondLst>
+                                    <p:cond delay="0"/>
+                                  </p:stCondLst>
+                                  <p:childTnLst>
+                                    <p:set>
+                                      <p:cBhvr>
+                                        <p:cTn id="6" dur="1" fill="hold">
+                                          <p:stCondLst>
+                                            <p:cond delay="0"/>
+                                          </p:stCondLst>
+                                        </p:cTn>
+                                        <p:tgtEl>
+                                          <p:spTgt spid="14"/>
+                                        </p:tgtEl>
+                                        <p:attrNameLst>
+                                          <p:attrName>style.visibility</p:attrName>
+                                        </p:attrNameLst>
+                                      </p:cBhvr>
+                                      <p:to>
+                                        <p:strVal val="visible"/>
+                                      </p:to>
+                                    </p:set>
+                                  </p:childTnLst>
+                                </p:cTn>
+                              </p:par>
+                              <p:par>
+                                <p:cTn id="7" presetID="1" presetClass="entr" presetSubtype="0" fill="hold" grpId="0" nodeType="withEffect">
+                                  <p:stCondLst>
+                                    <p:cond delay="0"/>
+                                  </p:stCondLst>
+                                  <p:childTnLst>
+                                    <p:set>
+                                      <p:cBhvr>
+                                        <p:cTn id="8" dur="1" fill="hold">
+                                          <p:stCondLst>
+                                            <p:cond delay="0"/>
+                                          </p:stCondLst>
+                                        </p:cTn>
+                                        <p:tgtEl>
+                                          <p:spTgt spid="21"/>
+                                        </p:tgtEl>
+                                        <p:attrNameLst>
+                                          <p:attrName>style.visibility</p:attrName>
+                                        </p:attrNameLst>
+                                      </p:cBhvr>
+                                      <p:to>
+                                        <p:strVal val="visible"/>
+                                      </p:to>
+                                    </p:set>
+                                  </p:childTnLst>
+                                </p:cTn>
+                              </p:par>
+                            </p:childTnLst>
+                          </p:cTn>
+                        </p:par>
+                      </p:childTnLst>
+                    </p:cTn>
+                  </p:par>
+                  <p:par>
+                    <p:cTn id="9" fill="hold">
+                      <p:stCondLst>
+                        <p:cond delay="indefinite"/>
+                      </p:stCondLst>
+                      <p:childTnLst>
+                        <p:par>
+                          <p:cTn id="10" fill="hold">
+                            <p:stCondLst>
+                              <p:cond delay="0"/>
+                            </p:stCondLst>
+                            <p:childTnLst>
+                              <p:par>
+                                <p:cTn id="11" presetID="1" presetClass="entr" presetSubtype="0" fill="hold" nodeType="clickEffect">
+                                  <p:stCondLst>
+                                    <p:cond delay="0"/>
+                                  </p:stCondLst>
+                                  <p:childTnLst>
+                                    <p:set>
+                                      <p:cBhvr>
+                                        <p:cTn id="12" dur="1" fill="hold">
+                                          <p:stCondLst>
+                                            <p:cond delay="0"/>
+                                          </p:stCondLst>
+                                        </p:cTn>
+                                        <p:tgtEl>
+                                          <p:spTgt spid="20"/>
+                                        </p:tgtEl>
+                                        <p:attrNameLst>
+                                          <p:attrName>style.visibility</p:attrName>
+                                        </p:attrNameLst>
+                                      </p:cBhvr>
+                                      <p:to>
+                                        <p:strVal val="visible"/>
+                                      </p:to>
+                                    </p:set>
+                                  </p:childTnLst>
+                                </p:cTn>
+                              </p:par>
+                              <p:par>
+                                <p:cTn id="13" presetID="1" presetClass="entr" presetSubtype="0" fill="hold" grpId="0" nodeType="withEffect">
+                                  <p:stCondLst>
+                                    <p:cond delay="0"/>
+                                  </p:stCondLst>
+                                  <p:childTnLst>
+                                    <p:set>
+                                      <p:cBhvr>
+                                        <p:cTn id="14" dur="1" fill="hold">
+                                          <p:stCondLst>
+                                            <p:cond delay="0"/>
+                                          </p:stCondLst>
+                                        </p:cTn>
+                                        <p:tgtEl>
+                                          <p:spTgt spid="23"/>
+                                        </p:tgtEl>
+                                        <p:attrNameLst>
+                                          <p:attrName>style.visibility</p:attrName>
+                                        </p:attrNameLst>
+                                      </p:cBhvr>
+                                      <p:to>
+                                        <p:strVal val="visible"/>
+                                      </p:to>
+                                    </p:set>
+                                  </p:childTnLst>
+                                </p:cTn>
+                              </p:par>
+                            </p:childTnLst>
+                          </p:cTn>
+                        </p:par>
+                      </p:childTnLst>
+                    </p:cTn>
+                  </p:par>
+                  <p:par>
+                    <p:cTn id="15" fill="hold">
+                      <p:stCondLst>
+                        <p:cond delay="indefinite"/>
+                      </p:stCondLst>
+                      <p:childTnLst>
+                        <p:par>
+                          <p:cTn id="16" fill="hold">
+                            <p:stCondLst>
+                              <p:cond delay="0"/>
+                            </p:stCondLst>
+                            <p:childTnLst>
+                              <p:par>
+                                <p:cTn id="17" presetID="1" presetClass="entr" presetSubtype="0" fill="hold" nodeType="clickEffect">
+                                  <p:stCondLst>
+                                    <p:cond delay="0"/>
+                                  </p:stCondLst>
+                                  <p:childTnLst>
+                                    <p:set>
+                                      <p:cBhvr>
+                                        <p:cTn id="18" dur="1" fill="hold">
+                                          <p:stCondLst>
+                                            <p:cond delay="0"/>
+                                          </p:stCondLst>
+                                        </p:cTn>
+                                        <p:tgtEl>
+                                          <p:spTgt spid="16"/>
+                                        </p:tgtEl>
+                                        <p:attrNameLst>
+                                          <p:attrName>style.visibility</p:attrName>
+                                        </p:attrNameLst>
+                                      </p:cBhvr>
+                                      <p:to>
+                                        <p:strVal val="visible"/>
+                                      </p:to>
+                                    </p:set>
+                                  </p:childTnLst>
+                                </p:cTn>
+                              </p:par>
+                              <p:par>
+                                <p:cTn id="19" presetID="1" presetClass="entr" presetSubtype="0" fill="hold" grpId="0" nodeType="withEffect">
+                                  <p:stCondLst>
+                                    <p:cond delay="0"/>
+                                  </p:stCondLst>
+                                  <p:childTnLst>
+                                    <p:set>
+                                      <p:cBhvr>
+                                        <p:cTn id="20" dur="1" fill="hold">
+                                          <p:stCondLst>
+                                            <p:cond delay="0"/>
+                                          </p:stCondLst>
+                                        </p:cTn>
+                                        <p:tgtEl>
+                                          <p:spTgt spid="22"/>
+                                        </p:tgtEl>
+                                        <p:attrNameLst>
+                                          <p:attrName>style.visibility</p:attrName>
+                                        </p:attrNameLst>
+                                      </p:cBhvr>
+                                      <p:to>
+                                        <p:strVal val="visible"/>
+                                      </p:to>
+                                    </p:set>
+                                  </p:childTnLst>
+                                </p:cTn>
+                              </p:par>
+                            </p:childTnLst>
+                          </p:cTn>
+                        </p:par>
+                      </p:childTnLst>
+                    </p:cTn>
+                  </p:par>
+                  <p:par>
+                    <p:cTn id="21" fill="hold">
+                      <p:stCondLst>
+                        <p:cond delay="indefinite"/>
+                      </p:stCondLst>
+                      <p:childTnLst>
+                        <p:par>
+                          <p:cTn id="22" fill="hold">
+                            <p:stCondLst>
+                              <p:cond delay="0"/>
+                            </p:stCondLst>
+                            <p:childTnLst>
+                              <p:par>
+                                <p:cTn id="23" presetID="1" presetClass="entr" presetSubtype="0" fill="hold" nodeType="clickEffect">
+                                  <p:stCondLst>
+                                    <p:cond delay="0"/>
+                                  </p:stCondLst>
+                                  <p:childTnLst>
+                                    <p:set>
+                                      <p:cBhvr>
+                                        <p:cTn id="24" dur="1" fill="hold">
+                                          <p:stCondLst>
+                                            <p:cond delay="0"/>
+                                          </p:stCondLst>
+                                        </p:cTn>
+                                        <p:tgtEl>
+                                          <p:spTgt spid="18"/>
+                                        </p:tgtEl>
+                                        <p:attrNameLst>
+                                          <p:attrName>style.visibility</p:attrName>
+                                        </p:attrNameLst>
+                                      </p:cBhvr>
+                                      <p:to>
+                                        <p:strVal val="visible"/>
+                                      </p:to>
+                                    </p:set>
+                                  </p:childTnLst>
+                                </p:cTn>
+                              </p:par>
+                              <p:par>
+                                <p:cTn id="25" presetID="1" presetClass="entr" presetSubtype="0" fill="hold" grpId="0" nodeType="withEffect">
+                                  <p:stCondLst>
+                                    <p:cond delay="0"/>
+                                  </p:stCondLst>
+                                  <p:childTnLst>
+                                    <p:set>
+                                      <p:cBhvr>
+                                        <p:cTn id="26" dur="1" fill="hold">
+                                          <p:stCondLst>
+                                            <p:cond delay="0"/>
+                                          </p:stCondLst>
+                                        </p:cTn>
+                                        <p:tgtEl>
+                                          <p:spTgt spid="24"/>
+                                        </p:tgtEl>
+                                        <p:attrNameLst>
+                                          <p:attrName>style.visibility</p:attrName>
+                                        </p:attrNameLst>
+                                      </p:cBhvr>
+                                      <p:to>
+                                        <p:strVal val="visible"/>
+                                      </p:to>
+                                    </p:set>
+                                  </p:childTnLst>
+                                </p:cTn>
+                              </p:par>
+                            </p:childTnLst>
+                          </p:cTn>
+                        </p:par>
+                      </p:childTnLst>
+                    </p:cTn>
+                  </p:par>
+                </p:childTnLst>
+              </p:cTn>
+              <p:prevCondLst>
+                <p:cond evt="onPrev" delay="0">
+                  <p:tgtEl>
+                    <p:sldTgt/>
+                  </p:tgtEl>
+                </p:cond>
+              </p:prevCondLst>
+              <p:nextCondLst>
+                <p:cond evt="onNext" delay="0">
+                  <p:tgtEl>
+                    <p:sldTgt/>
+                  </p:tgtEl>
+                </p:cond>
+              </p:nextCondLst>
+            </p:seq>
+          </p:childTnLst>
+        </p:cTn>
+      </p:par>
+    </p:tnLst>
+    <p:bldLst>
+      <p:bldP spid="21" grpId="0"/>
+      <p:bldP spid="22" grpId="0"/>
+      <p:bldP spid="23" grpId="0"/>
+      <p:bldP spid="24" grpId="0"/>
+    </p:bldLst>
+  </p:timing>
+</p:sld>
+</file>
+
+<file path=ppt/slides/slide4.xml><?xml version="1.0" encoding="utf-8"?>
 <p:sld xmlns:a="http://schemas.openxmlformats.org/drawingml/2006/main" xmlns:r="http://schemas.openxmlformats.org/officeDocument/2006/relationships" xmlns:p="http://schemas.openxmlformats.org/presentationml/2006/main">
   <p:cSld>
     <p:spTree>
@@ -4245,148 +5729,6 @@
 </p:sld>
 </file>
 
-<file path=ppt/slides/slide4.xml><?xml version="1.0" encoding="utf-8"?>
-<p:sld xmlns:a="http://schemas.openxmlformats.org/drawingml/2006/main" xmlns:r="http://schemas.openxmlformats.org/officeDocument/2006/relationships" xmlns:p="http://schemas.openxmlformats.org/presentationml/2006/main">
-  <p:cSld>
-    <p:spTree>
-      <p:nvGrpSpPr>
-        <p:cNvPr id="1" name=""/>
-        <p:cNvGrpSpPr/>
-        <p:nvPr/>
-      </p:nvGrpSpPr>
-      <p:grpSpPr>
-        <a:xfrm>
-          <a:off x="0" y="0"/>
-          <a:ext cx="0" cy="0"/>
-          <a:chOff x="0" y="0"/>
-          <a:chExt cx="0" cy="0"/>
-        </a:xfrm>
-      </p:grpSpPr>
-      <p:sp>
-        <p:nvSpPr>
-          <p:cNvPr id="2" name="Titel 1">
-            <a:extLst>
-              <a:ext uri="{FF2B5EF4-FFF2-40B4-BE49-F238E27FC236}">
-                <a16:creationId xmlns:a16="http://schemas.microsoft.com/office/drawing/2014/main" id="{FD5796B9-239B-492A-B5BE-D52789728B67}"/>
-              </a:ext>
-            </a:extLst>
-          </p:cNvPr>
-          <p:cNvSpPr>
-            <a:spLocks noGrp="1"/>
-          </p:cNvSpPr>
-          <p:nvPr>
-            <p:ph type="title"/>
-          </p:nvPr>
-        </p:nvSpPr>
-        <p:spPr/>
-        <p:txBody>
-          <a:bodyPr/>
-          <a:lstStyle/>
-          <a:p>
-            <a:r>
-              <a:rPr lang="de-DE" dirty="0"/>
-              <a:t>Zeitplan</a:t>
-            </a:r>
-            <a:endParaRPr lang="de-CH" dirty="0"/>
-          </a:p>
-        </p:txBody>
-      </p:sp>
-      <p:sp>
-        <p:nvSpPr>
-          <p:cNvPr id="3" name="Inhaltsplatzhalter 2">
-            <a:extLst>
-              <a:ext uri="{FF2B5EF4-FFF2-40B4-BE49-F238E27FC236}">
-                <a16:creationId xmlns:a16="http://schemas.microsoft.com/office/drawing/2014/main" id="{B5C96EE1-7C41-43B5-A068-38DD16AA546C}"/>
-              </a:ext>
-            </a:extLst>
-          </p:cNvPr>
-          <p:cNvSpPr>
-            <a:spLocks noGrp="1"/>
-          </p:cNvSpPr>
-          <p:nvPr>
-            <p:ph idx="1"/>
-          </p:nvPr>
-        </p:nvSpPr>
-        <p:spPr/>
-        <p:txBody>
-          <a:bodyPr/>
-          <a:lstStyle/>
-          <a:p>
-            <a:r>
-              <a:rPr lang="de-DE" dirty="0"/>
-              <a:t>1.5 Wochen </a:t>
-            </a:r>
-            <a:r>
-              <a:rPr lang="de-DE" dirty="0" err="1"/>
-              <a:t>loop.model</a:t>
-            </a:r>
-            <a:endParaRPr lang="de-DE" dirty="0"/>
-          </a:p>
-          <a:p>
-            <a:pPr lvl="1"/>
-            <a:r>
-              <a:rPr lang="de-DE" dirty="0"/>
-              <a:t>3 Entwickler</a:t>
-            </a:r>
-          </a:p>
-          <a:p>
-            <a:pPr lvl="1"/>
-            <a:r>
-              <a:rPr lang="de-DE" dirty="0"/>
-              <a:t>2 Tester</a:t>
-            </a:r>
-            <a:endParaRPr lang="de-CH" dirty="0"/>
-          </a:p>
-          <a:p>
-            <a:r>
-              <a:rPr lang="de-DE" dirty="0"/>
-              <a:t>3 Wochen </a:t>
-            </a:r>
-            <a:r>
-              <a:rPr lang="de-DE" dirty="0" err="1"/>
-              <a:t>loop.controller</a:t>
-            </a:r>
-            <a:endParaRPr lang="de-DE" dirty="0"/>
-          </a:p>
-          <a:p>
-            <a:pPr lvl="1"/>
-            <a:r>
-              <a:rPr lang="de-DE" dirty="0"/>
-              <a:t>Aufbesserung der </a:t>
-            </a:r>
-            <a:r>
-              <a:rPr lang="de-DE" dirty="0" err="1"/>
-              <a:t>fxml</a:t>
-            </a:r>
-            <a:r>
-              <a:rPr lang="de-DE" dirty="0"/>
-              <a:t>-Dateien für </a:t>
-            </a:r>
-            <a:r>
-              <a:rPr lang="de-DE" dirty="0" err="1"/>
-              <a:t>loop.view</a:t>
-            </a:r>
-            <a:endParaRPr lang="de-DE" dirty="0"/>
-          </a:p>
-          <a:p>
-            <a:pPr lvl="1"/>
-            <a:endParaRPr lang="de-DE" dirty="0"/>
-          </a:p>
-        </p:txBody>
-      </p:sp>
-    </p:spTree>
-    <p:extLst>
-      <p:ext uri="{BB962C8B-B14F-4D97-AF65-F5344CB8AC3E}">
-        <p14:creationId xmlns:p14="http://schemas.microsoft.com/office/powerpoint/2010/main" val="3646076890"/>
-      </p:ext>
-    </p:extLst>
-  </p:cSld>
-  <p:clrMapOvr>
-    <a:masterClrMapping/>
-  </p:clrMapOvr>
-</p:sld>
-</file>
-
 <file path=ppt/slides/slide5.xml><?xml version="1.0" encoding="utf-8"?>
 <p:sld xmlns:a="http://schemas.openxmlformats.org/drawingml/2006/main" xmlns:r="http://schemas.openxmlformats.org/officeDocument/2006/relationships" xmlns:p="http://schemas.openxmlformats.org/presentationml/2006/main">
   <p:cSld>
@@ -4409,15 +5751,15 @@
           <p:cNvPr id="2" name="Titel 1">
             <a:extLst>
               <a:ext uri="{FF2B5EF4-FFF2-40B4-BE49-F238E27FC236}">
-                <a16:creationId xmlns:a16="http://schemas.microsoft.com/office/drawing/2014/main" id="{EC43D20C-B3AD-41EF-9314-6778F260B0E7}"/>
-              </a:ext>
-            </a:extLst>
-          </p:cNvPr>
-          <p:cNvSpPr>
-            <a:spLocks noGrp="1"/>
-          </p:cNvSpPr>
-          <p:nvPr>
-            <p:ph type="title"/>
+                <a16:creationId xmlns:a16="http://schemas.microsoft.com/office/drawing/2014/main" id="{E25E6828-B204-444A-9BBA-2250B68D4180}"/>
+              </a:ext>
+            </a:extLst>
+          </p:cNvPr>
+          <p:cNvSpPr>
+            <a:spLocks noGrp="1"/>
+          </p:cNvSpPr>
+          <p:nvPr>
+            <p:ph type="ctrTitle"/>
           </p:nvPr>
         </p:nvSpPr>
         <p:spPr/>
@@ -4427,946 +5769,9 @@
           <a:p>
             <a:r>
               <a:rPr lang="de-DE" dirty="0"/>
-              <a:t>Was wurde implementiert?</a:t>
+              <a:t>Demonstration</a:t>
             </a:r>
             <a:endParaRPr lang="de-CH" dirty="0"/>
-          </a:p>
-        </p:txBody>
-      </p:sp>
-      <p:graphicFrame>
-        <p:nvGraphicFramePr>
-          <p:cNvPr id="7" name="Inhaltsplatzhalter 6">
-            <a:extLst>
-              <a:ext uri="{FF2B5EF4-FFF2-40B4-BE49-F238E27FC236}">
-                <a16:creationId xmlns:a16="http://schemas.microsoft.com/office/drawing/2014/main" id="{098E9A69-D88E-4AFA-AAFD-FD504F1F472E}"/>
-              </a:ext>
-            </a:extLst>
-          </p:cNvPr>
-          <p:cNvGraphicFramePr>
-            <a:graphicFrameLocks noGrp="1"/>
-          </p:cNvGraphicFramePr>
-          <p:nvPr>
-            <p:ph idx="1"/>
-            <p:extLst>
-              <p:ext uri="{D42A27DB-BD31-4B8C-83A1-F6EECF244321}">
-                <p14:modId xmlns:p14="http://schemas.microsoft.com/office/powerpoint/2010/main" val="588208120"/>
-              </p:ext>
-            </p:extLst>
-          </p:nvPr>
-        </p:nvGraphicFramePr>
-        <p:xfrm>
-          <a:off x="838200" y="1466118"/>
-          <a:ext cx="10515600" cy="5090160"/>
-        </p:xfrm>
-        <a:graphic>
-          <a:graphicData uri="http://schemas.openxmlformats.org/drawingml/2006/table">
-            <a:tbl>
-              <a:tblPr firstRow="1" bandRow="1">
-                <a:tableStyleId>{5C22544A-7EE6-4342-B048-85BDC9FD1C3A}</a:tableStyleId>
-              </a:tblPr>
-              <a:tblGrid>
-                <a:gridCol w="1326662">
-                  <a:extLst>
-                    <a:ext uri="{9D8B030D-6E8A-4147-A177-3AD203B41FA5}">
-                      <a16:colId xmlns:a16="http://schemas.microsoft.com/office/drawing/2014/main" val="649110416"/>
-                    </a:ext>
-                  </a:extLst>
-                </a:gridCol>
-                <a:gridCol w="4759569">
-                  <a:extLst>
-                    <a:ext uri="{9D8B030D-6E8A-4147-A177-3AD203B41FA5}">
-                      <a16:colId xmlns:a16="http://schemas.microsoft.com/office/drawing/2014/main" val="1137733755"/>
-                    </a:ext>
-                  </a:extLst>
-                </a:gridCol>
-                <a:gridCol w="2203938">
-                  <a:extLst>
-                    <a:ext uri="{9D8B030D-6E8A-4147-A177-3AD203B41FA5}">
-                      <a16:colId xmlns:a16="http://schemas.microsoft.com/office/drawing/2014/main" val="3678963223"/>
-                    </a:ext>
-                  </a:extLst>
-                </a:gridCol>
-                <a:gridCol w="2225431">
-                  <a:extLst>
-                    <a:ext uri="{9D8B030D-6E8A-4147-A177-3AD203B41FA5}">
-                      <a16:colId xmlns:a16="http://schemas.microsoft.com/office/drawing/2014/main" val="1246600126"/>
-                    </a:ext>
-                  </a:extLst>
-                </a:gridCol>
-              </a:tblGrid>
-              <a:tr h="370840">
-                <a:tc>
-                  <a:txBody>
-                    <a:bodyPr/>
-                    <a:lstStyle/>
-                    <a:p>
-                      <a:r>
-                        <a:rPr lang="de-DE" dirty="0"/>
-                        <a:t>Kriterium</a:t>
-                      </a:r>
-                      <a:endParaRPr lang="de-CH" dirty="0"/>
-                    </a:p>
-                  </a:txBody>
-                  <a:tcPr/>
-                </a:tc>
-                <a:tc>
-                  <a:txBody>
-                    <a:bodyPr/>
-                    <a:lstStyle/>
-                    <a:p>
-                      <a:r>
-                        <a:rPr lang="de-DE" dirty="0"/>
-                        <a:t>Beschreibung</a:t>
-                      </a:r>
-                      <a:endParaRPr lang="de-CH" dirty="0"/>
-                    </a:p>
-                  </a:txBody>
-                  <a:tcPr/>
-                </a:tc>
-                <a:tc>
-                  <a:txBody>
-                    <a:bodyPr/>
-                    <a:lstStyle/>
-                    <a:p>
-                      <a:r>
-                        <a:rPr lang="de-DE" dirty="0"/>
-                        <a:t>Implementiert?</a:t>
-                      </a:r>
-                      <a:endParaRPr lang="de-CH" dirty="0"/>
-                    </a:p>
-                  </a:txBody>
-                  <a:tcPr/>
-                </a:tc>
-                <a:tc>
-                  <a:txBody>
-                    <a:bodyPr/>
-                    <a:lstStyle/>
-                    <a:p>
-                      <a:r>
-                        <a:rPr lang="de-DE" dirty="0"/>
-                        <a:t>Bemerkung</a:t>
-                      </a:r>
-                      <a:endParaRPr lang="de-CH" dirty="0"/>
-                    </a:p>
-                  </a:txBody>
-                  <a:tcPr/>
-                </a:tc>
-                <a:extLst>
-                  <a:ext uri="{0D108BD9-81ED-4DB2-BD59-A6C34878D82A}">
-                    <a16:rowId xmlns:a16="http://schemas.microsoft.com/office/drawing/2014/main" val="919073258"/>
-                  </a:ext>
-                </a:extLst>
-              </a:tr>
-              <a:tr h="370840">
-                <a:tc>
-                  <a:txBody>
-                    <a:bodyPr/>
-                    <a:lstStyle/>
-                    <a:p>
-                      <a:r>
-                        <a:rPr lang="de-DE" dirty="0"/>
-                        <a:t>M1</a:t>
-                      </a:r>
-                    </a:p>
-                  </a:txBody>
-                  <a:tcPr/>
-                </a:tc>
-                <a:tc>
-                  <a:txBody>
-                    <a:bodyPr/>
-                    <a:lstStyle/>
-                    <a:p>
-                      <a:r>
-                        <a:rPr lang="de-DE" dirty="0"/>
-                        <a:t>Starten einer Simulation</a:t>
-                      </a:r>
-                      <a:endParaRPr lang="de-CH" dirty="0"/>
-                    </a:p>
-                  </a:txBody>
-                  <a:tcPr/>
-                </a:tc>
-                <a:tc>
-                  <a:txBody>
-                    <a:bodyPr/>
-                    <a:lstStyle/>
-                    <a:p>
-                      <a:r>
-                        <a:rPr lang="de-DE" dirty="0"/>
-                        <a:t>J</a:t>
-                      </a:r>
-                      <a:r>
-                        <a:rPr lang="de-CH" dirty="0"/>
-                        <a:t>a</a:t>
-                      </a:r>
-                    </a:p>
-                  </a:txBody>
-                  <a:tcPr/>
-                </a:tc>
-                <a:tc>
-                  <a:txBody>
-                    <a:bodyPr/>
-                    <a:lstStyle/>
-                    <a:p>
-                      <a:endParaRPr lang="de-CH"/>
-                    </a:p>
-                  </a:txBody>
-                  <a:tcPr/>
-                </a:tc>
-                <a:extLst>
-                  <a:ext uri="{0D108BD9-81ED-4DB2-BD59-A6C34878D82A}">
-                    <a16:rowId xmlns:a16="http://schemas.microsoft.com/office/drawing/2014/main" val="3346441353"/>
-                  </a:ext>
-                </a:extLst>
-              </a:tr>
-              <a:tr h="370840">
-                <a:tc>
-                  <a:txBody>
-                    <a:bodyPr/>
-                    <a:lstStyle/>
-                    <a:p>
-                      <a:r>
-                        <a:rPr lang="de-DE" dirty="0"/>
-                        <a:t>M2</a:t>
-                      </a:r>
-                      <a:endParaRPr lang="de-CH" dirty="0"/>
-                    </a:p>
-                  </a:txBody>
-                  <a:tcPr/>
-                </a:tc>
-                <a:tc>
-                  <a:txBody>
-                    <a:bodyPr/>
-                    <a:lstStyle/>
-                    <a:p>
-                      <a:r>
-                        <a:rPr lang="de-DE" dirty="0"/>
-                        <a:t>Ausgabe der Simulationsergebnisse</a:t>
-                      </a:r>
-                      <a:endParaRPr lang="de-CH" dirty="0"/>
-                    </a:p>
-                  </a:txBody>
-                  <a:tcPr/>
-                </a:tc>
-                <a:tc>
-                  <a:txBody>
-                    <a:bodyPr/>
-                    <a:lstStyle/>
-                    <a:p>
-                      <a:r>
-                        <a:rPr lang="de-DE" dirty="0"/>
-                        <a:t>Ja</a:t>
-                      </a:r>
-                    </a:p>
-                  </a:txBody>
-                  <a:tcPr/>
-                </a:tc>
-                <a:tc>
-                  <a:txBody>
-                    <a:bodyPr/>
-                    <a:lstStyle/>
-                    <a:p>
-                      <a:r>
-                        <a:rPr lang="de-DE" dirty="0"/>
-                        <a:t>x</a:t>
-                      </a:r>
-                      <a:endParaRPr lang="de-CH" dirty="0"/>
-                    </a:p>
-                  </a:txBody>
-                  <a:tcPr/>
-                </a:tc>
-                <a:extLst>
-                  <a:ext uri="{0D108BD9-81ED-4DB2-BD59-A6C34878D82A}">
-                    <a16:rowId xmlns:a16="http://schemas.microsoft.com/office/drawing/2014/main" val="3685846980"/>
-                  </a:ext>
-                </a:extLst>
-              </a:tr>
-              <a:tr h="370840">
-                <a:tc>
-                  <a:txBody>
-                    <a:bodyPr/>
-                    <a:lstStyle/>
-                    <a:p>
-                      <a:r>
-                        <a:rPr lang="de-DE" dirty="0"/>
-                        <a:t>M3</a:t>
-                      </a:r>
-                      <a:endParaRPr lang="de-CH" dirty="0"/>
-                    </a:p>
-                  </a:txBody>
-                  <a:tcPr/>
-                </a:tc>
-                <a:tc>
-                  <a:txBody>
-                    <a:bodyPr/>
-                    <a:lstStyle/>
-                    <a:p>
-                      <a:r>
-                        <a:rPr lang="de-DE" dirty="0"/>
-                        <a:t>Abbrechen einer Simulation</a:t>
-                      </a:r>
-                      <a:endParaRPr lang="de-CH" dirty="0"/>
-                    </a:p>
-                  </a:txBody>
-                  <a:tcPr/>
-                </a:tc>
-                <a:tc>
-                  <a:txBody>
-                    <a:bodyPr/>
-                    <a:lstStyle/>
-                    <a:p>
-                      <a:r>
-                        <a:rPr lang="de-DE" dirty="0"/>
-                        <a:t>Ja</a:t>
-                      </a:r>
-                      <a:endParaRPr lang="de-CH" dirty="0"/>
-                    </a:p>
-                  </a:txBody>
-                  <a:tcPr/>
-                </a:tc>
-                <a:tc>
-                  <a:txBody>
-                    <a:bodyPr/>
-                    <a:lstStyle/>
-                    <a:p>
-                      <a:endParaRPr lang="de-CH"/>
-                    </a:p>
-                  </a:txBody>
-                  <a:tcPr/>
-                </a:tc>
-                <a:extLst>
-                  <a:ext uri="{0D108BD9-81ED-4DB2-BD59-A6C34878D82A}">
-                    <a16:rowId xmlns:a16="http://schemas.microsoft.com/office/drawing/2014/main" val="861514572"/>
-                  </a:ext>
-                </a:extLst>
-              </a:tr>
-              <a:tr h="370840">
-                <a:tc>
-                  <a:txBody>
-                    <a:bodyPr/>
-                    <a:lstStyle/>
-                    <a:p>
-                      <a:r>
-                        <a:rPr lang="de-DE" dirty="0"/>
-                        <a:t>M4</a:t>
-                      </a:r>
-                      <a:endParaRPr lang="de-CH" dirty="0"/>
-                    </a:p>
-                  </a:txBody>
-                  <a:tcPr/>
-                </a:tc>
-                <a:tc>
-                  <a:txBody>
-                    <a:bodyPr/>
-                    <a:lstStyle/>
-                    <a:p>
-                      <a:r>
-                        <a:rPr lang="de-DE" dirty="0"/>
-                        <a:t>Festlegung von Simulationsparametern</a:t>
-                      </a:r>
-                      <a:endParaRPr lang="de-CH" dirty="0"/>
-                    </a:p>
-                  </a:txBody>
-                  <a:tcPr/>
-                </a:tc>
-                <a:tc>
-                  <a:txBody>
-                    <a:bodyPr/>
-                    <a:lstStyle/>
-                    <a:p>
-                      <a:r>
-                        <a:rPr lang="de-DE" dirty="0"/>
-                        <a:t>Ja</a:t>
-                      </a:r>
-                      <a:endParaRPr lang="de-CH" dirty="0"/>
-                    </a:p>
-                  </a:txBody>
-                  <a:tcPr/>
-                </a:tc>
-                <a:tc>
-                  <a:txBody>
-                    <a:bodyPr/>
-                    <a:lstStyle/>
-                    <a:p>
-                      <a:endParaRPr lang="de-CH" dirty="0"/>
-                    </a:p>
-                  </a:txBody>
-                  <a:tcPr/>
-                </a:tc>
-                <a:extLst>
-                  <a:ext uri="{0D108BD9-81ED-4DB2-BD59-A6C34878D82A}">
-                    <a16:rowId xmlns:a16="http://schemas.microsoft.com/office/drawing/2014/main" val="1613573114"/>
-                  </a:ext>
-                </a:extLst>
-              </a:tr>
-              <a:tr h="370840">
-                <a:tc>
-                  <a:txBody>
-                    <a:bodyPr/>
-                    <a:lstStyle/>
-                    <a:p>
-                      <a:r>
-                        <a:rPr lang="de-DE" dirty="0"/>
-                        <a:t>K1</a:t>
-                      </a:r>
-                      <a:endParaRPr lang="de-CH" dirty="0"/>
-                    </a:p>
-                  </a:txBody>
-                  <a:tcPr/>
-                </a:tc>
-                <a:tc>
-                  <a:txBody>
-                    <a:bodyPr/>
-                    <a:lstStyle/>
-                    <a:p>
-                      <a:r>
-                        <a:rPr lang="de-DE" dirty="0"/>
-                        <a:t>Multikonfiguration</a:t>
-                      </a:r>
-                      <a:endParaRPr lang="de-CH" dirty="0"/>
-                    </a:p>
-                  </a:txBody>
-                  <a:tcPr/>
-                </a:tc>
-                <a:tc>
-                  <a:txBody>
-                    <a:bodyPr/>
-                    <a:lstStyle/>
-                    <a:p>
-                      <a:r>
-                        <a:rPr lang="de-DE" dirty="0"/>
-                        <a:t>Ja</a:t>
-                      </a:r>
-                      <a:endParaRPr lang="de-CH" dirty="0"/>
-                    </a:p>
-                  </a:txBody>
-                  <a:tcPr/>
-                </a:tc>
-                <a:tc>
-                  <a:txBody>
-                    <a:bodyPr/>
-                    <a:lstStyle/>
-                    <a:p>
-                      <a:endParaRPr lang="de-CH" dirty="0"/>
-                    </a:p>
-                  </a:txBody>
-                  <a:tcPr/>
-                </a:tc>
-                <a:extLst>
-                  <a:ext uri="{0D108BD9-81ED-4DB2-BD59-A6C34878D82A}">
-                    <a16:rowId xmlns:a16="http://schemas.microsoft.com/office/drawing/2014/main" val="1580981587"/>
-                  </a:ext>
-                </a:extLst>
-              </a:tr>
-              <a:tr h="370840">
-                <a:tc>
-                  <a:txBody>
-                    <a:bodyPr/>
-                    <a:lstStyle/>
-                    <a:p>
-                      <a:r>
-                        <a:rPr lang="de-DE" dirty="0"/>
-                        <a:t>K2 </a:t>
-                      </a:r>
-                      <a:endParaRPr lang="de-CH" dirty="0"/>
-                    </a:p>
-                  </a:txBody>
-                  <a:tcPr/>
-                </a:tc>
-                <a:tc>
-                  <a:txBody>
-                    <a:bodyPr/>
-                    <a:lstStyle/>
-                    <a:p>
-                      <a:r>
-                        <a:rPr lang="de-DE" dirty="0"/>
-                        <a:t>Erstellen eigener Strategien</a:t>
-                      </a:r>
-                      <a:endParaRPr lang="de-CH" dirty="0"/>
-                    </a:p>
-                  </a:txBody>
-                  <a:tcPr/>
-                </a:tc>
-                <a:tc>
-                  <a:txBody>
-                    <a:bodyPr/>
-                    <a:lstStyle/>
-                    <a:p>
-                      <a:r>
-                        <a:rPr lang="de-DE" dirty="0"/>
-                        <a:t>Ja</a:t>
-                      </a:r>
-                      <a:endParaRPr lang="de-CH" dirty="0"/>
-                    </a:p>
-                  </a:txBody>
-                  <a:tcPr/>
-                </a:tc>
-                <a:tc>
-                  <a:txBody>
-                    <a:bodyPr/>
-                    <a:lstStyle/>
-                    <a:p>
-                      <a:endParaRPr lang="de-CH"/>
-                    </a:p>
-                  </a:txBody>
-                  <a:tcPr/>
-                </a:tc>
-                <a:extLst>
-                  <a:ext uri="{0D108BD9-81ED-4DB2-BD59-A6C34878D82A}">
-                    <a16:rowId xmlns:a16="http://schemas.microsoft.com/office/drawing/2014/main" val="2997336255"/>
-                  </a:ext>
-                </a:extLst>
-              </a:tr>
-              <a:tr h="370840">
-                <a:tc>
-                  <a:txBody>
-                    <a:bodyPr/>
-                    <a:lstStyle/>
-                    <a:p>
-                      <a:r>
-                        <a:rPr lang="de-DE" dirty="0"/>
-                        <a:t>K3</a:t>
-                      </a:r>
-                      <a:endParaRPr lang="de-CH" dirty="0"/>
-                    </a:p>
-                  </a:txBody>
-                  <a:tcPr/>
-                </a:tc>
-                <a:tc>
-                  <a:txBody>
-                    <a:bodyPr/>
-                    <a:lstStyle/>
-                    <a:p>
-                      <a:r>
-                        <a:rPr lang="de-DE" dirty="0"/>
-                        <a:t>Erstellen eigener Stufenspiele</a:t>
-                      </a:r>
-                      <a:endParaRPr lang="de-CH" dirty="0"/>
-                    </a:p>
-                  </a:txBody>
-                  <a:tcPr/>
-                </a:tc>
-                <a:tc>
-                  <a:txBody>
-                    <a:bodyPr/>
-                    <a:lstStyle/>
-                    <a:p>
-                      <a:r>
-                        <a:rPr lang="de-DE" dirty="0"/>
-                        <a:t>Ja</a:t>
-                      </a:r>
-                      <a:endParaRPr lang="de-CH" dirty="0"/>
-                    </a:p>
-                  </a:txBody>
-                  <a:tcPr/>
-                </a:tc>
-                <a:tc>
-                  <a:txBody>
-                    <a:bodyPr/>
-                    <a:lstStyle/>
-                    <a:p>
-                      <a:endParaRPr lang="de-CH" dirty="0"/>
-                    </a:p>
-                  </a:txBody>
-                  <a:tcPr/>
-                </a:tc>
-                <a:extLst>
-                  <a:ext uri="{0D108BD9-81ED-4DB2-BD59-A6C34878D82A}">
-                    <a16:rowId xmlns:a16="http://schemas.microsoft.com/office/drawing/2014/main" val="446885869"/>
-                  </a:ext>
-                </a:extLst>
-              </a:tr>
-              <a:tr h="370840">
-                <a:tc>
-                  <a:txBody>
-                    <a:bodyPr/>
-                    <a:lstStyle/>
-                    <a:p>
-                      <a:r>
-                        <a:rPr lang="de-DE" dirty="0"/>
-                        <a:t>K4</a:t>
-                      </a:r>
-                      <a:endParaRPr lang="de-CH" dirty="0"/>
-                    </a:p>
-                  </a:txBody>
-                  <a:tcPr/>
-                </a:tc>
-                <a:tc>
-                  <a:txBody>
-                    <a:bodyPr/>
-                    <a:lstStyle/>
-                    <a:p>
-                      <a:r>
-                        <a:rPr lang="de-DE" dirty="0"/>
-                        <a:t>Speichern und Laden von Konfigurationen</a:t>
-                      </a:r>
-                      <a:endParaRPr lang="de-CH" dirty="0"/>
-                    </a:p>
-                  </a:txBody>
-                  <a:tcPr/>
-                </a:tc>
-                <a:tc>
-                  <a:txBody>
-                    <a:bodyPr/>
-                    <a:lstStyle/>
-                    <a:p>
-                      <a:r>
-                        <a:rPr lang="de-DE" dirty="0"/>
-                        <a:t>Ja </a:t>
-                      </a:r>
-                      <a:endParaRPr lang="de-CH" dirty="0"/>
-                    </a:p>
-                  </a:txBody>
-                  <a:tcPr/>
-                </a:tc>
-                <a:tc>
-                  <a:txBody>
-                    <a:bodyPr/>
-                    <a:lstStyle/>
-                    <a:p>
-                      <a:r>
-                        <a:rPr lang="de-DE" dirty="0"/>
-                        <a:t>x</a:t>
-                      </a:r>
-                      <a:endParaRPr lang="de-CH" dirty="0"/>
-                    </a:p>
-                  </a:txBody>
-                  <a:tcPr/>
-                </a:tc>
-                <a:extLst>
-                  <a:ext uri="{0D108BD9-81ED-4DB2-BD59-A6C34878D82A}">
-                    <a16:rowId xmlns:a16="http://schemas.microsoft.com/office/drawing/2014/main" val="2643145220"/>
-                  </a:ext>
-                </a:extLst>
-              </a:tr>
-              <a:tr h="370840">
-                <a:tc>
-                  <a:txBody>
-                    <a:bodyPr/>
-                    <a:lstStyle/>
-                    <a:p>
-                      <a:r>
-                        <a:rPr lang="de-DE" dirty="0"/>
-                        <a:t>K5</a:t>
-                      </a:r>
-                      <a:endParaRPr lang="de-CH" dirty="0"/>
-                    </a:p>
-                  </a:txBody>
-                  <a:tcPr/>
-                </a:tc>
-                <a:tc>
-                  <a:txBody>
-                    <a:bodyPr/>
-                    <a:lstStyle/>
-                    <a:p>
-                      <a:r>
-                        <a:rPr lang="de-DE" dirty="0"/>
-                        <a:t>Speichern und Laden von Simulationsergebnissen</a:t>
-                      </a:r>
-                      <a:endParaRPr lang="de-CH" dirty="0"/>
-                    </a:p>
-                  </a:txBody>
-                  <a:tcPr/>
-                </a:tc>
-                <a:tc>
-                  <a:txBody>
-                    <a:bodyPr/>
-                    <a:lstStyle/>
-                    <a:p>
-                      <a:r>
-                        <a:rPr lang="de-DE" dirty="0"/>
-                        <a:t>Ja</a:t>
-                      </a:r>
-                      <a:endParaRPr lang="de-CH" dirty="0"/>
-                    </a:p>
-                  </a:txBody>
-                  <a:tcPr/>
-                </a:tc>
-                <a:tc>
-                  <a:txBody>
-                    <a:bodyPr/>
-                    <a:lstStyle/>
-                    <a:p>
-                      <a:r>
-                        <a:rPr lang="de-DE" dirty="0"/>
-                        <a:t>X</a:t>
-                      </a:r>
-                      <a:endParaRPr lang="de-CH" dirty="0"/>
-                    </a:p>
-                  </a:txBody>
-                  <a:tcPr/>
-                </a:tc>
-                <a:extLst>
-                  <a:ext uri="{0D108BD9-81ED-4DB2-BD59-A6C34878D82A}">
-                    <a16:rowId xmlns:a16="http://schemas.microsoft.com/office/drawing/2014/main" val="170320334"/>
-                  </a:ext>
-                </a:extLst>
-              </a:tr>
-              <a:tr h="370840">
-                <a:tc>
-                  <a:txBody>
-                    <a:bodyPr/>
-                    <a:lstStyle/>
-                    <a:p>
-                      <a:r>
-                        <a:rPr lang="de-DE" dirty="0"/>
-                        <a:t>K6</a:t>
-                      </a:r>
-                      <a:endParaRPr lang="de-CH" dirty="0"/>
-                    </a:p>
-                  </a:txBody>
-                  <a:tcPr/>
-                </a:tc>
-                <a:tc>
-                  <a:txBody>
-                    <a:bodyPr/>
-                    <a:lstStyle/>
-                    <a:p>
-                      <a:r>
-                        <a:rPr lang="de-DE" dirty="0"/>
-                        <a:t>Starten mehrerer Simulationen</a:t>
-                      </a:r>
-                      <a:endParaRPr lang="de-CH" dirty="0"/>
-                    </a:p>
-                  </a:txBody>
-                  <a:tcPr/>
-                </a:tc>
-                <a:tc>
-                  <a:txBody>
-                    <a:bodyPr/>
-                    <a:lstStyle/>
-                    <a:p>
-                      <a:r>
-                        <a:rPr lang="de-DE" dirty="0"/>
-                        <a:t>Ja</a:t>
-                      </a:r>
-                      <a:endParaRPr lang="de-CH" dirty="0"/>
-                    </a:p>
-                  </a:txBody>
-                  <a:tcPr/>
-                </a:tc>
-                <a:tc>
-                  <a:txBody>
-                    <a:bodyPr/>
-                    <a:lstStyle/>
-                    <a:p>
-                      <a:endParaRPr lang="de-CH" dirty="0"/>
-                    </a:p>
-                  </a:txBody>
-                  <a:tcPr/>
-                </a:tc>
-                <a:extLst>
-                  <a:ext uri="{0D108BD9-81ED-4DB2-BD59-A6C34878D82A}">
-                    <a16:rowId xmlns:a16="http://schemas.microsoft.com/office/drawing/2014/main" val="3655452946"/>
-                  </a:ext>
-                </a:extLst>
-              </a:tr>
-              <a:tr h="370840">
-                <a:tc>
-                  <a:txBody>
-                    <a:bodyPr/>
-                    <a:lstStyle/>
-                    <a:p>
-                      <a:r>
-                        <a:rPr lang="de-DE" dirty="0"/>
-                        <a:t>K7</a:t>
-                      </a:r>
-                      <a:endParaRPr lang="de-CH" dirty="0"/>
-                    </a:p>
-                  </a:txBody>
-                  <a:tcPr/>
-                </a:tc>
-                <a:tc>
-                  <a:txBody>
-                    <a:bodyPr/>
-                    <a:lstStyle/>
-                    <a:p>
-                      <a:r>
-                        <a:rPr lang="de-DE" dirty="0"/>
-                        <a:t>Anpassen der Gleichgewichtsbedingungen</a:t>
-                      </a:r>
-                      <a:endParaRPr lang="de-CH" dirty="0"/>
-                    </a:p>
-                  </a:txBody>
-                  <a:tcPr/>
-                </a:tc>
-                <a:tc>
-                  <a:txBody>
-                    <a:bodyPr/>
-                    <a:lstStyle/>
-                    <a:p>
-                      <a:r>
-                        <a:rPr lang="de-DE" dirty="0"/>
-                        <a:t>Ja</a:t>
-                      </a:r>
-                      <a:endParaRPr lang="de-CH" dirty="0"/>
-                    </a:p>
-                  </a:txBody>
-                  <a:tcPr/>
-                </a:tc>
-                <a:tc>
-                  <a:txBody>
-                    <a:bodyPr/>
-                    <a:lstStyle/>
-                    <a:p>
-                      <a:endParaRPr lang="de-CH" dirty="0"/>
-                    </a:p>
-                  </a:txBody>
-                  <a:tcPr/>
-                </a:tc>
-                <a:extLst>
-                  <a:ext uri="{0D108BD9-81ED-4DB2-BD59-A6C34878D82A}">
-                    <a16:rowId xmlns:a16="http://schemas.microsoft.com/office/drawing/2014/main" val="1534142408"/>
-                  </a:ext>
-                </a:extLst>
-              </a:tr>
-              <a:tr h="370840">
-                <a:tc>
-                  <a:txBody>
-                    <a:bodyPr/>
-                    <a:lstStyle/>
-                    <a:p>
-                      <a:r>
-                        <a:rPr lang="de-DE" dirty="0"/>
-                        <a:t>K8</a:t>
-                      </a:r>
-                      <a:endParaRPr lang="de-CH" dirty="0"/>
-                    </a:p>
-                  </a:txBody>
-                  <a:tcPr/>
-                </a:tc>
-                <a:tc>
-                  <a:txBody>
-                    <a:bodyPr/>
-                    <a:lstStyle/>
-                    <a:p>
-                      <a:r>
-                        <a:rPr lang="de-DE" dirty="0"/>
-                        <a:t>Erweiterte Gruppenfunktionalität</a:t>
-                      </a:r>
-                      <a:endParaRPr lang="de-CH" dirty="0"/>
-                    </a:p>
-                  </a:txBody>
-                  <a:tcPr/>
-                </a:tc>
-                <a:tc>
-                  <a:txBody>
-                    <a:bodyPr/>
-                    <a:lstStyle/>
-                    <a:p>
-                      <a:r>
-                        <a:rPr lang="de-DE" dirty="0"/>
-                        <a:t>Ja</a:t>
-                      </a:r>
-                      <a:endParaRPr lang="de-CH" dirty="0"/>
-                    </a:p>
-                  </a:txBody>
-                  <a:tcPr/>
-                </a:tc>
-                <a:tc>
-                  <a:txBody>
-                    <a:bodyPr/>
-                    <a:lstStyle/>
-                    <a:p>
-                      <a:r>
-                        <a:rPr lang="de-DE" dirty="0"/>
-                        <a:t>x</a:t>
-                      </a:r>
-                      <a:endParaRPr lang="de-CH" dirty="0"/>
-                    </a:p>
-                  </a:txBody>
-                  <a:tcPr/>
-                </a:tc>
-                <a:extLst>
-                  <a:ext uri="{0D108BD9-81ED-4DB2-BD59-A6C34878D82A}">
-                    <a16:rowId xmlns:a16="http://schemas.microsoft.com/office/drawing/2014/main" val="2171186175"/>
-                  </a:ext>
-                </a:extLst>
-              </a:tr>
-            </a:tbl>
-          </a:graphicData>
-        </a:graphic>
-      </p:graphicFrame>
-    </p:spTree>
-    <p:extLst>
-      <p:ext uri="{BB962C8B-B14F-4D97-AF65-F5344CB8AC3E}">
-        <p14:creationId xmlns:p14="http://schemas.microsoft.com/office/powerpoint/2010/main" val="173318800"/>
-      </p:ext>
-    </p:extLst>
-  </p:cSld>
-  <p:clrMapOvr>
-    <a:masterClrMapping/>
-  </p:clrMapOvr>
-</p:sld>
-</file>
-
-<file path=ppt/slides/slide6.xml><?xml version="1.0" encoding="utf-8"?>
-<p:sld xmlns:a="http://schemas.openxmlformats.org/drawingml/2006/main" xmlns:r="http://schemas.openxmlformats.org/officeDocument/2006/relationships" xmlns:p="http://schemas.openxmlformats.org/presentationml/2006/main">
-  <p:cSld>
-    <p:spTree>
-      <p:nvGrpSpPr>
-        <p:cNvPr id="1" name=""/>
-        <p:cNvGrpSpPr/>
-        <p:nvPr/>
-      </p:nvGrpSpPr>
-      <p:grpSpPr>
-        <a:xfrm>
-          <a:off x="0" y="0"/>
-          <a:ext cx="0" cy="0"/>
-          <a:chOff x="0" y="0"/>
-          <a:chExt cx="0" cy="0"/>
-        </a:xfrm>
-      </p:grpSpPr>
-      <p:sp>
-        <p:nvSpPr>
-          <p:cNvPr id="2" name="Titel 1">
-            <a:extLst>
-              <a:ext uri="{FF2B5EF4-FFF2-40B4-BE49-F238E27FC236}">
-                <a16:creationId xmlns:a16="http://schemas.microsoft.com/office/drawing/2014/main" id="{E25E6828-B204-444A-9BBA-2250B68D4180}"/>
-              </a:ext>
-            </a:extLst>
-          </p:cNvPr>
-          <p:cNvSpPr>
-            <a:spLocks noGrp="1"/>
-          </p:cNvSpPr>
-          <p:nvPr>
-            <p:ph type="ctrTitle"/>
-          </p:nvPr>
-        </p:nvSpPr>
-        <p:spPr/>
-        <p:txBody>
-          <a:bodyPr/>
-          <a:lstStyle/>
-          <a:p>
-            <a:r>
-              <a:rPr lang="de-DE" dirty="0"/>
-              <a:t>Demonstration</a:t>
-            </a:r>
-            <a:endParaRPr lang="de-CH" dirty="0"/>
-          </a:p>
-        </p:txBody>
-      </p:sp>
-      <p:sp>
-        <p:nvSpPr>
-          <p:cNvPr id="3" name="Untertitel 2">
-            <a:extLst>
-              <a:ext uri="{FF2B5EF4-FFF2-40B4-BE49-F238E27FC236}">
-                <a16:creationId xmlns:a16="http://schemas.microsoft.com/office/drawing/2014/main" id="{3513744B-88E1-4AAA-AD5B-88B9DD6CE677}"/>
-              </a:ext>
-            </a:extLst>
-          </p:cNvPr>
-          <p:cNvSpPr>
-            <a:spLocks noGrp="1"/>
-          </p:cNvSpPr>
-          <p:nvPr>
-            <p:ph type="subTitle" idx="1"/>
-          </p:nvPr>
-        </p:nvSpPr>
-        <p:spPr/>
-        <p:txBody>
-          <a:bodyPr/>
-          <a:lstStyle/>
-          <a:p>
-            <a:endParaRPr lang="de-CH"/>
           </a:p>
         </p:txBody>
       </p:sp>

--- a/Dokumente/Implementierung/Präsentation/Präsentation.pptx
+++ b/Dokumente/Implementierung/Präsentation/Präsentation.pptx
@@ -9,7 +9,8 @@
     <p:sldId id="258" r:id="rId3"/>
     <p:sldId id="271" r:id="rId4"/>
     <p:sldId id="259" r:id="rId5"/>
-    <p:sldId id="270" r:id="rId6"/>
+    <p:sldId id="272" r:id="rId6"/>
+    <p:sldId id="270" r:id="rId7"/>
   </p:sldIdLst>
   <p:sldSz cx="12192000" cy="6858000"/>
   <p:notesSz cx="6858000" cy="9144000"/>
@@ -5751,6 +5752,852 @@
           <p:cNvPr id="2" name="Titel 1">
             <a:extLst>
               <a:ext uri="{FF2B5EF4-FFF2-40B4-BE49-F238E27FC236}">
+                <a16:creationId xmlns:a16="http://schemas.microsoft.com/office/drawing/2014/main" id="{964E1927-8799-4A65-9BC9-84D27F375CAF}"/>
+              </a:ext>
+            </a:extLst>
+          </p:cNvPr>
+          <p:cNvSpPr>
+            <a:spLocks noGrp="1"/>
+          </p:cNvSpPr>
+          <p:nvPr>
+            <p:ph type="title"/>
+          </p:nvPr>
+        </p:nvSpPr>
+        <p:spPr/>
+        <p:txBody>
+          <a:bodyPr/>
+          <a:lstStyle/>
+          <a:p>
+            <a:r>
+              <a:rPr lang="de-DE" dirty="0"/>
+              <a:t>Zeitplan</a:t>
+            </a:r>
+          </a:p>
+        </p:txBody>
+      </p:sp>
+      <p:cxnSp>
+        <p:nvCxnSpPr>
+          <p:cNvPr id="5" name="Gerade Verbindung mit Pfeil 4">
+            <a:extLst>
+              <a:ext uri="{FF2B5EF4-FFF2-40B4-BE49-F238E27FC236}">
+                <a16:creationId xmlns:a16="http://schemas.microsoft.com/office/drawing/2014/main" id="{7AD7E46A-5034-4571-8059-65FDFA083A2F}"/>
+              </a:ext>
+            </a:extLst>
+          </p:cNvPr>
+          <p:cNvCxnSpPr>
+            <a:cxnSpLocks/>
+          </p:cNvCxnSpPr>
+          <p:nvPr/>
+        </p:nvCxnSpPr>
+        <p:spPr>
+          <a:xfrm>
+            <a:off x="2478343" y="3401292"/>
+            <a:ext cx="7761184" cy="0"/>
+          </a:xfrm>
+          <a:prstGeom prst="straightConnector1">
+            <a:avLst/>
+          </a:prstGeom>
+          <a:ln w="25400">
+            <a:solidFill>
+              <a:schemeClr val="tx1"/>
+            </a:solidFill>
+            <a:headEnd type="none"/>
+            <a:tailEnd type="arrow" w="lg" len="lg"/>
+          </a:ln>
+        </p:spPr>
+        <p:style>
+          <a:lnRef idx="1">
+            <a:schemeClr val="accent1"/>
+          </a:lnRef>
+          <a:fillRef idx="0">
+            <a:schemeClr val="accent1"/>
+          </a:fillRef>
+          <a:effectRef idx="0">
+            <a:schemeClr val="accent1"/>
+          </a:effectRef>
+          <a:fontRef idx="minor">
+            <a:schemeClr val="tx1"/>
+          </a:fontRef>
+        </p:style>
+      </p:cxnSp>
+      <p:cxnSp>
+        <p:nvCxnSpPr>
+          <p:cNvPr id="7" name="Gerader Verbinder 6">
+            <a:extLst>
+              <a:ext uri="{FF2B5EF4-FFF2-40B4-BE49-F238E27FC236}">
+                <a16:creationId xmlns:a16="http://schemas.microsoft.com/office/drawing/2014/main" id="{5DA00781-609A-4964-9543-8C3632EF3815}"/>
+              </a:ext>
+            </a:extLst>
+          </p:cNvPr>
+          <p:cNvCxnSpPr/>
+          <p:nvPr/>
+        </p:nvCxnSpPr>
+        <p:spPr>
+          <a:xfrm>
+            <a:off x="3126000" y="3290455"/>
+            <a:ext cx="0" cy="221673"/>
+          </a:xfrm>
+          <a:prstGeom prst="line">
+            <a:avLst/>
+          </a:prstGeom>
+          <a:ln w="25400">
+            <a:solidFill>
+              <a:schemeClr val="tx1"/>
+            </a:solidFill>
+          </a:ln>
+        </p:spPr>
+        <p:style>
+          <a:lnRef idx="1">
+            <a:schemeClr val="accent1"/>
+          </a:lnRef>
+          <a:fillRef idx="0">
+            <a:schemeClr val="accent1"/>
+          </a:fillRef>
+          <a:effectRef idx="0">
+            <a:schemeClr val="accent1"/>
+          </a:effectRef>
+          <a:fontRef idx="minor">
+            <a:schemeClr val="tx1"/>
+          </a:fontRef>
+        </p:style>
+      </p:cxnSp>
+      <p:cxnSp>
+        <p:nvCxnSpPr>
+          <p:cNvPr id="8" name="Gerader Verbinder 7">
+            <a:extLst>
+              <a:ext uri="{FF2B5EF4-FFF2-40B4-BE49-F238E27FC236}">
+                <a16:creationId xmlns:a16="http://schemas.microsoft.com/office/drawing/2014/main" id="{61BEFE5F-19EB-4E0A-BB37-750A2EAB0DD4}"/>
+              </a:ext>
+            </a:extLst>
+          </p:cNvPr>
+          <p:cNvCxnSpPr/>
+          <p:nvPr/>
+        </p:nvCxnSpPr>
+        <p:spPr>
+          <a:xfrm>
+            <a:off x="4566000" y="3290455"/>
+            <a:ext cx="0" cy="221673"/>
+          </a:xfrm>
+          <a:prstGeom prst="line">
+            <a:avLst/>
+          </a:prstGeom>
+          <a:ln w="25400">
+            <a:solidFill>
+              <a:schemeClr val="tx1"/>
+            </a:solidFill>
+          </a:ln>
+        </p:spPr>
+        <p:style>
+          <a:lnRef idx="1">
+            <a:schemeClr val="accent1"/>
+          </a:lnRef>
+          <a:fillRef idx="0">
+            <a:schemeClr val="accent1"/>
+          </a:fillRef>
+          <a:effectRef idx="0">
+            <a:schemeClr val="accent1"/>
+          </a:effectRef>
+          <a:fontRef idx="minor">
+            <a:schemeClr val="tx1"/>
+          </a:fontRef>
+        </p:style>
+      </p:cxnSp>
+      <p:cxnSp>
+        <p:nvCxnSpPr>
+          <p:cNvPr id="11" name="Gerader Verbinder 10">
+            <a:extLst>
+              <a:ext uri="{FF2B5EF4-FFF2-40B4-BE49-F238E27FC236}">
+                <a16:creationId xmlns:a16="http://schemas.microsoft.com/office/drawing/2014/main" id="{406E6EAE-1D12-4E5C-951C-9B67F8E2D548}"/>
+              </a:ext>
+            </a:extLst>
+          </p:cNvPr>
+          <p:cNvCxnSpPr/>
+          <p:nvPr/>
+        </p:nvCxnSpPr>
+        <p:spPr>
+          <a:xfrm>
+            <a:off x="6006000" y="3290455"/>
+            <a:ext cx="0" cy="221673"/>
+          </a:xfrm>
+          <a:prstGeom prst="line">
+            <a:avLst/>
+          </a:prstGeom>
+          <a:ln w="25400">
+            <a:solidFill>
+              <a:schemeClr val="tx1"/>
+            </a:solidFill>
+          </a:ln>
+        </p:spPr>
+        <p:style>
+          <a:lnRef idx="1">
+            <a:schemeClr val="accent1"/>
+          </a:lnRef>
+          <a:fillRef idx="0">
+            <a:schemeClr val="accent1"/>
+          </a:fillRef>
+          <a:effectRef idx="0">
+            <a:schemeClr val="accent1"/>
+          </a:effectRef>
+          <a:fontRef idx="minor">
+            <a:schemeClr val="tx1"/>
+          </a:fontRef>
+        </p:style>
+      </p:cxnSp>
+      <p:cxnSp>
+        <p:nvCxnSpPr>
+          <p:cNvPr id="12" name="Gerader Verbinder 11">
+            <a:extLst>
+              <a:ext uri="{FF2B5EF4-FFF2-40B4-BE49-F238E27FC236}">
+                <a16:creationId xmlns:a16="http://schemas.microsoft.com/office/drawing/2014/main" id="{EC4D36B7-5513-4F7E-BFAC-A4C18D24EBA7}"/>
+              </a:ext>
+            </a:extLst>
+          </p:cNvPr>
+          <p:cNvCxnSpPr/>
+          <p:nvPr/>
+        </p:nvCxnSpPr>
+        <p:spPr>
+          <a:xfrm>
+            <a:off x="7446000" y="3290455"/>
+            <a:ext cx="0" cy="221673"/>
+          </a:xfrm>
+          <a:prstGeom prst="line">
+            <a:avLst/>
+          </a:prstGeom>
+          <a:ln w="25400">
+            <a:solidFill>
+              <a:schemeClr val="tx1"/>
+            </a:solidFill>
+          </a:ln>
+        </p:spPr>
+        <p:style>
+          <a:lnRef idx="1">
+            <a:schemeClr val="accent1"/>
+          </a:lnRef>
+          <a:fillRef idx="0">
+            <a:schemeClr val="accent1"/>
+          </a:fillRef>
+          <a:effectRef idx="0">
+            <a:schemeClr val="accent1"/>
+          </a:effectRef>
+          <a:fontRef idx="minor">
+            <a:schemeClr val="tx1"/>
+          </a:fontRef>
+        </p:style>
+      </p:cxnSp>
+      <p:cxnSp>
+        <p:nvCxnSpPr>
+          <p:cNvPr id="13" name="Gerader Verbinder 12">
+            <a:extLst>
+              <a:ext uri="{FF2B5EF4-FFF2-40B4-BE49-F238E27FC236}">
+                <a16:creationId xmlns:a16="http://schemas.microsoft.com/office/drawing/2014/main" id="{59BEC131-A06C-40AA-962A-B1DB7E99E374}"/>
+              </a:ext>
+            </a:extLst>
+          </p:cNvPr>
+          <p:cNvCxnSpPr/>
+          <p:nvPr/>
+        </p:nvCxnSpPr>
+        <p:spPr>
+          <a:xfrm>
+            <a:off x="8886000" y="3290455"/>
+            <a:ext cx="0" cy="221673"/>
+          </a:xfrm>
+          <a:prstGeom prst="line">
+            <a:avLst/>
+          </a:prstGeom>
+          <a:ln w="25400">
+            <a:solidFill>
+              <a:schemeClr val="tx1"/>
+            </a:solidFill>
+          </a:ln>
+        </p:spPr>
+        <p:style>
+          <a:lnRef idx="1">
+            <a:schemeClr val="accent1"/>
+          </a:lnRef>
+          <a:fillRef idx="0">
+            <a:schemeClr val="accent1"/>
+          </a:fillRef>
+          <a:effectRef idx="0">
+            <a:schemeClr val="accent1"/>
+          </a:effectRef>
+          <a:fontRef idx="minor">
+            <a:schemeClr val="tx1"/>
+          </a:fontRef>
+        </p:style>
+      </p:cxnSp>
+      <p:sp>
+        <p:nvSpPr>
+          <p:cNvPr id="15" name="Textfeld 14">
+            <a:extLst>
+              <a:ext uri="{FF2B5EF4-FFF2-40B4-BE49-F238E27FC236}">
+                <a16:creationId xmlns:a16="http://schemas.microsoft.com/office/drawing/2014/main" id="{B0EB306E-A3D9-4B80-9097-49499473A313}"/>
+              </a:ext>
+            </a:extLst>
+          </p:cNvPr>
+          <p:cNvSpPr txBox="1"/>
+          <p:nvPr/>
+        </p:nvSpPr>
+        <p:spPr>
+          <a:xfrm>
+            <a:off x="2303969" y="2902713"/>
+            <a:ext cx="1644062" cy="369332"/>
+          </a:xfrm>
+          <a:prstGeom prst="rect">
+            <a:avLst/>
+          </a:prstGeom>
+          <a:noFill/>
+        </p:spPr>
+        <p:txBody>
+          <a:bodyPr wrap="square" rtlCol="0">
+            <a:spAutoFit/>
+          </a:bodyPr>
+          <a:lstStyle/>
+          <a:p>
+            <a:pPr algn="ctr"/>
+            <a:r>
+              <a:rPr lang="de-DE" dirty="0"/>
+              <a:t>Phasenbeginn</a:t>
+            </a:r>
+          </a:p>
+        </p:txBody>
+      </p:sp>
+      <p:sp>
+        <p:nvSpPr>
+          <p:cNvPr id="16" name="Textfeld 15">
+            <a:extLst>
+              <a:ext uri="{FF2B5EF4-FFF2-40B4-BE49-F238E27FC236}">
+                <a16:creationId xmlns:a16="http://schemas.microsoft.com/office/drawing/2014/main" id="{2821C74B-BAB1-4A4D-A9B9-F8D526642C48}"/>
+              </a:ext>
+            </a:extLst>
+          </p:cNvPr>
+          <p:cNvSpPr txBox="1"/>
+          <p:nvPr/>
+        </p:nvSpPr>
+        <p:spPr>
+          <a:xfrm>
+            <a:off x="8063969" y="2902713"/>
+            <a:ext cx="1644062" cy="369332"/>
+          </a:xfrm>
+          <a:prstGeom prst="rect">
+            <a:avLst/>
+          </a:prstGeom>
+          <a:noFill/>
+        </p:spPr>
+        <p:txBody>
+          <a:bodyPr wrap="square" rtlCol="0">
+            <a:spAutoFit/>
+          </a:bodyPr>
+          <a:lstStyle/>
+          <a:p>
+            <a:pPr algn="ctr"/>
+            <a:r>
+              <a:rPr lang="de-DE" dirty="0"/>
+              <a:t>Phasenende</a:t>
+            </a:r>
+          </a:p>
+        </p:txBody>
+      </p:sp>
+      <p:sp>
+        <p:nvSpPr>
+          <p:cNvPr id="17" name="Rechteck 16">
+            <a:extLst>
+              <a:ext uri="{FF2B5EF4-FFF2-40B4-BE49-F238E27FC236}">
+                <a16:creationId xmlns:a16="http://schemas.microsoft.com/office/drawing/2014/main" id="{CD3D8216-824B-42E5-A2F3-34A3F9604FCA}"/>
+              </a:ext>
+            </a:extLst>
+          </p:cNvPr>
+          <p:cNvSpPr/>
+          <p:nvPr/>
+        </p:nvSpPr>
+        <p:spPr>
+          <a:xfrm>
+            <a:off x="3126000" y="3582000"/>
+            <a:ext cx="2070000" cy="360000"/>
+          </a:xfrm>
+          <a:prstGeom prst="rect">
+            <a:avLst/>
+          </a:prstGeom>
+          <a:solidFill>
+            <a:srgbClr val="FF0000">
+              <a:alpha val="40000"/>
+            </a:srgbClr>
+          </a:solidFill>
+          <a:ln>
+            <a:solidFill>
+              <a:schemeClr val="tx1"/>
+            </a:solidFill>
+          </a:ln>
+        </p:spPr>
+        <p:style>
+          <a:lnRef idx="2">
+            <a:schemeClr val="accent1">
+              <a:shade val="50000"/>
+            </a:schemeClr>
+          </a:lnRef>
+          <a:fillRef idx="1">
+            <a:schemeClr val="accent1"/>
+          </a:fillRef>
+          <a:effectRef idx="0">
+            <a:schemeClr val="accent1"/>
+          </a:effectRef>
+          <a:fontRef idx="minor">
+            <a:schemeClr val="lt1"/>
+          </a:fontRef>
+        </p:style>
+        <p:txBody>
+          <a:bodyPr rtlCol="0" anchor="ctr"/>
+          <a:lstStyle/>
+          <a:p>
+            <a:pPr algn="ctr"/>
+            <a:r>
+              <a:rPr lang="de-DE" sz="1600" dirty="0" err="1">
+                <a:solidFill>
+                  <a:schemeClr val="tx1"/>
+                </a:solidFill>
+              </a:rPr>
+              <a:t>Impl</a:t>
+            </a:r>
+            <a:r>
+              <a:rPr lang="de-DE" sz="1600" dirty="0">
+                <a:solidFill>
+                  <a:schemeClr val="tx1"/>
+                </a:solidFill>
+              </a:rPr>
+              <a:t>. Model</a:t>
+            </a:r>
+          </a:p>
+        </p:txBody>
+      </p:sp>
+      <p:sp>
+        <p:nvSpPr>
+          <p:cNvPr id="18" name="Rechteck 17">
+            <a:extLst>
+              <a:ext uri="{FF2B5EF4-FFF2-40B4-BE49-F238E27FC236}">
+                <a16:creationId xmlns:a16="http://schemas.microsoft.com/office/drawing/2014/main" id="{9A47DA84-87E4-43A4-9CFD-AB51266C4E83}"/>
+              </a:ext>
+            </a:extLst>
+          </p:cNvPr>
+          <p:cNvSpPr/>
+          <p:nvPr/>
+        </p:nvSpPr>
+        <p:spPr>
+          <a:xfrm>
+            <a:off x="5375999" y="3582000"/>
+            <a:ext cx="3509997" cy="360000"/>
+          </a:xfrm>
+          <a:prstGeom prst="rect">
+            <a:avLst/>
+          </a:prstGeom>
+          <a:solidFill>
+            <a:srgbClr val="FF0000">
+              <a:alpha val="40000"/>
+            </a:srgbClr>
+          </a:solidFill>
+          <a:ln>
+            <a:solidFill>
+              <a:schemeClr val="tx1"/>
+            </a:solidFill>
+          </a:ln>
+        </p:spPr>
+        <p:style>
+          <a:lnRef idx="2">
+            <a:schemeClr val="accent1">
+              <a:shade val="50000"/>
+            </a:schemeClr>
+          </a:lnRef>
+          <a:fillRef idx="1">
+            <a:schemeClr val="accent1"/>
+          </a:fillRef>
+          <a:effectRef idx="0">
+            <a:schemeClr val="accent1"/>
+          </a:effectRef>
+          <a:fontRef idx="minor">
+            <a:schemeClr val="lt1"/>
+          </a:fontRef>
+        </p:style>
+        <p:txBody>
+          <a:bodyPr rtlCol="0" anchor="ctr"/>
+          <a:lstStyle/>
+          <a:p>
+            <a:pPr algn="ctr"/>
+            <a:r>
+              <a:rPr lang="de-DE" sz="1600" dirty="0" err="1">
+                <a:solidFill>
+                  <a:schemeClr val="tx1"/>
+                </a:solidFill>
+              </a:rPr>
+              <a:t>Impl</a:t>
+            </a:r>
+            <a:r>
+              <a:rPr lang="de-DE" sz="1600" dirty="0">
+                <a:solidFill>
+                  <a:schemeClr val="tx1"/>
+                </a:solidFill>
+              </a:rPr>
+              <a:t>. View und Controller</a:t>
+            </a:r>
+          </a:p>
+        </p:txBody>
+      </p:sp>
+      <p:sp>
+        <p:nvSpPr>
+          <p:cNvPr id="19" name="Rechteck 18">
+            <a:extLst>
+              <a:ext uri="{FF2B5EF4-FFF2-40B4-BE49-F238E27FC236}">
+                <a16:creationId xmlns:a16="http://schemas.microsoft.com/office/drawing/2014/main" id="{0A742AC5-06EB-4063-B4D2-C818DAD18FBA}"/>
+              </a:ext>
+            </a:extLst>
+          </p:cNvPr>
+          <p:cNvSpPr/>
+          <p:nvPr/>
+        </p:nvSpPr>
+        <p:spPr>
+          <a:xfrm>
+            <a:off x="3126000" y="4122000"/>
+            <a:ext cx="2790000" cy="360000"/>
+          </a:xfrm>
+          <a:prstGeom prst="rect">
+            <a:avLst/>
+          </a:prstGeom>
+          <a:solidFill>
+            <a:srgbClr val="002060">
+              <a:alpha val="40000"/>
+            </a:srgbClr>
+          </a:solidFill>
+          <a:ln>
+            <a:solidFill>
+              <a:schemeClr val="tx1"/>
+            </a:solidFill>
+          </a:ln>
+        </p:spPr>
+        <p:style>
+          <a:lnRef idx="2">
+            <a:schemeClr val="accent1">
+              <a:shade val="50000"/>
+            </a:schemeClr>
+          </a:lnRef>
+          <a:fillRef idx="1">
+            <a:schemeClr val="accent1"/>
+          </a:fillRef>
+          <a:effectRef idx="0">
+            <a:schemeClr val="accent1"/>
+          </a:effectRef>
+          <a:fontRef idx="minor">
+            <a:schemeClr val="lt1"/>
+          </a:fontRef>
+        </p:style>
+        <p:txBody>
+          <a:bodyPr rtlCol="0" anchor="ctr"/>
+          <a:lstStyle/>
+          <a:p>
+            <a:pPr algn="ctr"/>
+            <a:r>
+              <a:rPr lang="de-DE" sz="1600" dirty="0">
+                <a:solidFill>
+                  <a:schemeClr val="tx1"/>
+                </a:solidFill>
+              </a:rPr>
+              <a:t>Test Model</a:t>
+            </a:r>
+          </a:p>
+        </p:txBody>
+      </p:sp>
+      <p:sp>
+        <p:nvSpPr>
+          <p:cNvPr id="20" name="Rechteck 19">
+            <a:extLst>
+              <a:ext uri="{FF2B5EF4-FFF2-40B4-BE49-F238E27FC236}">
+                <a16:creationId xmlns:a16="http://schemas.microsoft.com/office/drawing/2014/main" id="{09B5514E-AD7D-4DC4-A06A-0213082A6D76}"/>
+              </a:ext>
+            </a:extLst>
+          </p:cNvPr>
+          <p:cNvSpPr/>
+          <p:nvPr/>
+        </p:nvSpPr>
+        <p:spPr>
+          <a:xfrm>
+            <a:off x="6096000" y="4122000"/>
+            <a:ext cx="2790000" cy="360000"/>
+          </a:xfrm>
+          <a:prstGeom prst="rect">
+            <a:avLst/>
+          </a:prstGeom>
+          <a:solidFill>
+            <a:srgbClr val="002060">
+              <a:alpha val="40000"/>
+            </a:srgbClr>
+          </a:solidFill>
+          <a:ln>
+            <a:solidFill>
+              <a:schemeClr val="tx1"/>
+            </a:solidFill>
+          </a:ln>
+        </p:spPr>
+        <p:style>
+          <a:lnRef idx="2">
+            <a:schemeClr val="accent1">
+              <a:shade val="50000"/>
+            </a:schemeClr>
+          </a:lnRef>
+          <a:fillRef idx="1">
+            <a:schemeClr val="accent1"/>
+          </a:fillRef>
+          <a:effectRef idx="0">
+            <a:schemeClr val="accent1"/>
+          </a:effectRef>
+          <a:fontRef idx="minor">
+            <a:schemeClr val="lt1"/>
+          </a:fontRef>
+        </p:style>
+        <p:txBody>
+          <a:bodyPr rtlCol="0" anchor="ctr"/>
+          <a:lstStyle/>
+          <a:p>
+            <a:pPr algn="ctr"/>
+            <a:r>
+              <a:rPr lang="de-DE" sz="1600" dirty="0">
+                <a:solidFill>
+                  <a:schemeClr val="tx1"/>
+                </a:solidFill>
+              </a:rPr>
+              <a:t>Test View und Controller</a:t>
+            </a:r>
+          </a:p>
+        </p:txBody>
+      </p:sp>
+    </p:spTree>
+    <p:extLst>
+      <p:ext uri="{BB962C8B-B14F-4D97-AF65-F5344CB8AC3E}">
+        <p14:creationId xmlns:p14="http://schemas.microsoft.com/office/powerpoint/2010/main" val="3072044981"/>
+      </p:ext>
+    </p:extLst>
+  </p:cSld>
+  <p:clrMapOvr>
+    <a:masterClrMapping/>
+  </p:clrMapOvr>
+  <p:timing>
+    <p:tnLst>
+      <p:par>
+        <p:cTn id="1" dur="indefinite" restart="never" nodeType="tmRoot">
+          <p:childTnLst>
+            <p:seq concurrent="1" nextAc="seek">
+              <p:cTn id="2" dur="indefinite" nodeType="mainSeq">
+                <p:childTnLst>
+                  <p:par>
+                    <p:cTn id="3" fill="hold">
+                      <p:stCondLst>
+                        <p:cond delay="indefinite"/>
+                      </p:stCondLst>
+                      <p:childTnLst>
+                        <p:par>
+                          <p:cTn id="4" fill="hold">
+                            <p:stCondLst>
+                              <p:cond delay="0"/>
+                            </p:stCondLst>
+                            <p:childTnLst>
+                              <p:par>
+                                <p:cTn id="5" presetID="1" presetClass="entr" presetSubtype="0" fill="hold" grpId="0" nodeType="clickEffect">
+                                  <p:stCondLst>
+                                    <p:cond delay="0"/>
+                                  </p:stCondLst>
+                                  <p:childTnLst>
+                                    <p:set>
+                                      <p:cBhvr>
+                                        <p:cTn id="6" dur="1" fill="hold">
+                                          <p:stCondLst>
+                                            <p:cond delay="0"/>
+                                          </p:stCondLst>
+                                        </p:cTn>
+                                        <p:tgtEl>
+                                          <p:spTgt spid="17"/>
+                                        </p:tgtEl>
+                                        <p:attrNameLst>
+                                          <p:attrName>style.visibility</p:attrName>
+                                        </p:attrNameLst>
+                                      </p:cBhvr>
+                                      <p:to>
+                                        <p:strVal val="visible"/>
+                                      </p:to>
+                                    </p:set>
+                                  </p:childTnLst>
+                                </p:cTn>
+                              </p:par>
+                              <p:par>
+                                <p:cTn id="7" presetID="1" presetClass="entr" presetSubtype="0" fill="hold" grpId="0" nodeType="withEffect">
+                                  <p:stCondLst>
+                                    <p:cond delay="0"/>
+                                  </p:stCondLst>
+                                  <p:childTnLst>
+                                    <p:set>
+                                      <p:cBhvr>
+                                        <p:cTn id="8" dur="1" fill="hold">
+                                          <p:stCondLst>
+                                            <p:cond delay="0"/>
+                                          </p:stCondLst>
+                                        </p:cTn>
+                                        <p:tgtEl>
+                                          <p:spTgt spid="19"/>
+                                        </p:tgtEl>
+                                        <p:attrNameLst>
+                                          <p:attrName>style.visibility</p:attrName>
+                                        </p:attrNameLst>
+                                      </p:cBhvr>
+                                      <p:to>
+                                        <p:strVal val="visible"/>
+                                      </p:to>
+                                    </p:set>
+                                  </p:childTnLst>
+                                </p:cTn>
+                              </p:par>
+                            </p:childTnLst>
+                          </p:cTn>
+                        </p:par>
+                      </p:childTnLst>
+                    </p:cTn>
+                  </p:par>
+                  <p:par>
+                    <p:cTn id="9" fill="hold">
+                      <p:stCondLst>
+                        <p:cond delay="indefinite"/>
+                      </p:stCondLst>
+                      <p:childTnLst>
+                        <p:par>
+                          <p:cTn id="10" fill="hold">
+                            <p:stCondLst>
+                              <p:cond delay="0"/>
+                            </p:stCondLst>
+                            <p:childTnLst>
+                              <p:par>
+                                <p:cTn id="11" presetID="1" presetClass="entr" presetSubtype="0" fill="hold" grpId="0" nodeType="clickEffect">
+                                  <p:stCondLst>
+                                    <p:cond delay="0"/>
+                                  </p:stCondLst>
+                                  <p:childTnLst>
+                                    <p:set>
+                                      <p:cBhvr>
+                                        <p:cTn id="12" dur="1" fill="hold">
+                                          <p:stCondLst>
+                                            <p:cond delay="0"/>
+                                          </p:stCondLst>
+                                        </p:cTn>
+                                        <p:tgtEl>
+                                          <p:spTgt spid="18"/>
+                                        </p:tgtEl>
+                                        <p:attrNameLst>
+                                          <p:attrName>style.visibility</p:attrName>
+                                        </p:attrNameLst>
+                                      </p:cBhvr>
+                                      <p:to>
+                                        <p:strVal val="visible"/>
+                                      </p:to>
+                                    </p:set>
+                                  </p:childTnLst>
+                                </p:cTn>
+                              </p:par>
+                            </p:childTnLst>
+                          </p:cTn>
+                        </p:par>
+                      </p:childTnLst>
+                    </p:cTn>
+                  </p:par>
+                  <p:par>
+                    <p:cTn id="13" fill="hold">
+                      <p:stCondLst>
+                        <p:cond delay="indefinite"/>
+                      </p:stCondLst>
+                      <p:childTnLst>
+                        <p:par>
+                          <p:cTn id="14" fill="hold">
+                            <p:stCondLst>
+                              <p:cond delay="0"/>
+                            </p:stCondLst>
+                            <p:childTnLst>
+                              <p:par>
+                                <p:cTn id="15" presetID="1" presetClass="entr" presetSubtype="0" fill="hold" grpId="0" nodeType="clickEffect">
+                                  <p:stCondLst>
+                                    <p:cond delay="0"/>
+                                  </p:stCondLst>
+                                  <p:childTnLst>
+                                    <p:set>
+                                      <p:cBhvr>
+                                        <p:cTn id="16" dur="1" fill="hold">
+                                          <p:stCondLst>
+                                            <p:cond delay="0"/>
+                                          </p:stCondLst>
+                                        </p:cTn>
+                                        <p:tgtEl>
+                                          <p:spTgt spid="20"/>
+                                        </p:tgtEl>
+                                        <p:attrNameLst>
+                                          <p:attrName>style.visibility</p:attrName>
+                                        </p:attrNameLst>
+                                      </p:cBhvr>
+                                      <p:to>
+                                        <p:strVal val="visible"/>
+                                      </p:to>
+                                    </p:set>
+                                  </p:childTnLst>
+                                </p:cTn>
+                              </p:par>
+                            </p:childTnLst>
+                          </p:cTn>
+                        </p:par>
+                      </p:childTnLst>
+                    </p:cTn>
+                  </p:par>
+                </p:childTnLst>
+              </p:cTn>
+              <p:prevCondLst>
+                <p:cond evt="onPrev" delay="0">
+                  <p:tgtEl>
+                    <p:sldTgt/>
+                  </p:tgtEl>
+                </p:cond>
+              </p:prevCondLst>
+              <p:nextCondLst>
+                <p:cond evt="onNext" delay="0">
+                  <p:tgtEl>
+                    <p:sldTgt/>
+                  </p:tgtEl>
+                </p:cond>
+              </p:nextCondLst>
+            </p:seq>
+          </p:childTnLst>
+        </p:cTn>
+      </p:par>
+    </p:tnLst>
+    <p:bldLst>
+      <p:bldP spid="17" grpId="0" animBg="1"/>
+      <p:bldP spid="18" grpId="0" animBg="1"/>
+      <p:bldP spid="19" grpId="0" animBg="1"/>
+      <p:bldP spid="20" grpId="0" animBg="1"/>
+    </p:bldLst>
+  </p:timing>
+</p:sld>
+</file>
+
+<file path=ppt/slides/slide6.xml><?xml version="1.0" encoding="utf-8"?>
+<p:sld xmlns:a="http://schemas.openxmlformats.org/drawingml/2006/main" xmlns:r="http://schemas.openxmlformats.org/officeDocument/2006/relationships" xmlns:p="http://schemas.openxmlformats.org/presentationml/2006/main">
+  <p:cSld>
+    <p:spTree>
+      <p:nvGrpSpPr>
+        <p:cNvPr id="1" name=""/>
+        <p:cNvGrpSpPr/>
+        <p:nvPr/>
+      </p:nvGrpSpPr>
+      <p:grpSpPr>
+        <a:xfrm>
+          <a:off x="0" y="0"/>
+          <a:ext cx="0" cy="0"/>
+          <a:chOff x="0" y="0"/>
+          <a:chExt cx="0" cy="0"/>
+        </a:xfrm>
+      </p:grpSpPr>
+      <p:sp>
+        <p:nvSpPr>
+          <p:cNvPr id="2" name="Titel 1">
+            <a:extLst>
+              <a:ext uri="{FF2B5EF4-FFF2-40B4-BE49-F238E27FC236}">
                 <a16:creationId xmlns:a16="http://schemas.microsoft.com/office/drawing/2014/main" id="{E25E6828-B204-444A-9BBA-2250B68D4180}"/>
               </a:ext>
             </a:extLst>

--- a/Dokumente/Implementierung/Präsentation/Präsentation.pptx
+++ b/Dokumente/Implementierung/Präsentation/Präsentation.pptx
@@ -6,11 +6,10 @@
   </p:sldMasterIdLst>
   <p:sldIdLst>
     <p:sldId id="256" r:id="rId2"/>
-    <p:sldId id="258" r:id="rId3"/>
-    <p:sldId id="271" r:id="rId4"/>
-    <p:sldId id="259" r:id="rId5"/>
-    <p:sldId id="272" r:id="rId6"/>
-    <p:sldId id="270" r:id="rId7"/>
+    <p:sldId id="271" r:id="rId3"/>
+    <p:sldId id="259" r:id="rId4"/>
+    <p:sldId id="272" r:id="rId5"/>
+    <p:sldId id="270" r:id="rId6"/>
   </p:sldIdLst>
   <p:sldSz cx="12192000" cy="6858000"/>
   <p:notesSz cx="6858000" cy="9144000"/>
@@ -3472,802 +3471,6 @@
 </file>
 
 <file path=ppt/slides/slide2.xml><?xml version="1.0" encoding="utf-8"?>
-<p:sld xmlns:a="http://schemas.openxmlformats.org/drawingml/2006/main" xmlns:r="http://schemas.openxmlformats.org/officeDocument/2006/relationships" xmlns:p="http://schemas.openxmlformats.org/presentationml/2006/main">
-  <p:cSld>
-    <p:spTree>
-      <p:nvGrpSpPr>
-        <p:cNvPr id="1" name=""/>
-        <p:cNvGrpSpPr/>
-        <p:nvPr/>
-      </p:nvGrpSpPr>
-      <p:grpSpPr>
-        <a:xfrm>
-          <a:off x="0" y="0"/>
-          <a:ext cx="0" cy="0"/>
-          <a:chOff x="0" y="0"/>
-          <a:chExt cx="0" cy="0"/>
-        </a:xfrm>
-      </p:grpSpPr>
-      <p:grpSp>
-        <p:nvGrpSpPr>
-          <p:cNvPr id="14" name="Gruppieren 13">
-            <a:extLst>
-              <a:ext uri="{FF2B5EF4-FFF2-40B4-BE49-F238E27FC236}">
-                <a16:creationId xmlns:a16="http://schemas.microsoft.com/office/drawing/2014/main" id="{4DB9583A-5ACE-4895-BB0C-C2F81168FFC6}"/>
-              </a:ext>
-            </a:extLst>
-          </p:cNvPr>
-          <p:cNvGrpSpPr>
-            <a:grpSpLocks noChangeAspect="1"/>
-          </p:cNvGrpSpPr>
-          <p:nvPr/>
-        </p:nvGrpSpPr>
-        <p:grpSpPr>
-          <a:xfrm>
-            <a:off x="509492" y="1411704"/>
-            <a:ext cx="1800000" cy="791363"/>
-            <a:chOff x="2300652" y="627017"/>
-            <a:chExt cx="2626948" cy="1080000"/>
-          </a:xfrm>
-        </p:grpSpPr>
-        <p:sp>
-          <p:nvSpPr>
-            <p:cNvPr id="11" name="Kreis: nicht ausgefüllt 10">
-              <a:extLst>
-                <a:ext uri="{FF2B5EF4-FFF2-40B4-BE49-F238E27FC236}">
-                  <a16:creationId xmlns:a16="http://schemas.microsoft.com/office/drawing/2014/main" id="{B207F3DE-337C-4A11-8251-996C40F52CC6}"/>
-                </a:ext>
-              </a:extLst>
-            </p:cNvPr>
-            <p:cNvSpPr/>
-            <p:nvPr/>
-          </p:nvSpPr>
-          <p:spPr>
-            <a:xfrm>
-              <a:off x="3074126" y="627017"/>
-              <a:ext cx="1080000" cy="1080000"/>
-            </a:xfrm>
-            <a:prstGeom prst="donut">
-              <a:avLst>
-                <a:gd name="adj" fmla="val 19013"/>
-              </a:avLst>
-            </a:prstGeom>
-            <a:solidFill>
-              <a:schemeClr val="tx1"/>
-            </a:solidFill>
-            <a:ln>
-              <a:noFill/>
-            </a:ln>
-          </p:spPr>
-          <p:style>
-            <a:lnRef idx="2">
-              <a:schemeClr val="accent1">
-                <a:shade val="50000"/>
-              </a:schemeClr>
-            </a:lnRef>
-            <a:fillRef idx="1">
-              <a:schemeClr val="accent1"/>
-            </a:fillRef>
-            <a:effectRef idx="0">
-              <a:schemeClr val="accent1"/>
-            </a:effectRef>
-            <a:fontRef idx="minor">
-              <a:schemeClr val="lt1"/>
-            </a:fontRef>
-          </p:style>
-          <p:txBody>
-            <a:bodyPr rtlCol="0" anchor="ctr"/>
-            <a:lstStyle/>
-            <a:p>
-              <a:pPr algn="ctr"/>
-              <a:endParaRPr lang="de-DE" dirty="0">
-                <a:solidFill>
-                  <a:schemeClr val="tx1"/>
-                </a:solidFill>
-              </a:endParaRPr>
-            </a:p>
-          </p:txBody>
-        </p:sp>
-        <p:sp>
-          <p:nvSpPr>
-            <p:cNvPr id="12" name="Rechteck: abgerundete Ecken 11">
-              <a:extLst>
-                <a:ext uri="{FF2B5EF4-FFF2-40B4-BE49-F238E27FC236}">
-                  <a16:creationId xmlns:a16="http://schemas.microsoft.com/office/drawing/2014/main" id="{DAA074FE-DFD4-407F-83A4-2C48B6E241D2}"/>
-                </a:ext>
-              </a:extLst>
-            </p:cNvPr>
-            <p:cNvSpPr/>
-            <p:nvPr/>
-          </p:nvSpPr>
-          <p:spPr>
-            <a:xfrm>
-              <a:off x="3960062" y="1074653"/>
-              <a:ext cx="967538" cy="184727"/>
-            </a:xfrm>
-            <a:prstGeom prst="roundRect">
-              <a:avLst>
-                <a:gd name="adj" fmla="val 50000"/>
-              </a:avLst>
-            </a:prstGeom>
-            <a:solidFill>
-              <a:schemeClr val="tx1"/>
-            </a:solidFill>
-            <a:ln>
-              <a:noFill/>
-            </a:ln>
-          </p:spPr>
-          <p:style>
-            <a:lnRef idx="2">
-              <a:schemeClr val="accent1">
-                <a:shade val="50000"/>
-              </a:schemeClr>
-            </a:lnRef>
-            <a:fillRef idx="1">
-              <a:schemeClr val="accent1"/>
-            </a:fillRef>
-            <a:effectRef idx="0">
-              <a:schemeClr val="accent1"/>
-            </a:effectRef>
-            <a:fontRef idx="minor">
-              <a:schemeClr val="lt1"/>
-            </a:fontRef>
-          </p:style>
-          <p:txBody>
-            <a:bodyPr rtlCol="0" anchor="ctr"/>
-            <a:lstStyle/>
-            <a:p>
-              <a:pPr algn="ctr"/>
-              <a:endParaRPr lang="de-DE"/>
-            </a:p>
-          </p:txBody>
-        </p:sp>
-        <p:sp>
-          <p:nvSpPr>
-            <p:cNvPr id="13" name="Rechteck: abgerundete Ecken 12">
-              <a:extLst>
-                <a:ext uri="{FF2B5EF4-FFF2-40B4-BE49-F238E27FC236}">
-                  <a16:creationId xmlns:a16="http://schemas.microsoft.com/office/drawing/2014/main" id="{2B06BA58-0910-4F39-8B1C-7940AA2C12E3}"/>
-                </a:ext>
-              </a:extLst>
-            </p:cNvPr>
-            <p:cNvSpPr/>
-            <p:nvPr/>
-          </p:nvSpPr>
-          <p:spPr>
-            <a:xfrm>
-              <a:off x="2300652" y="1074652"/>
-              <a:ext cx="967538" cy="184727"/>
-            </a:xfrm>
-            <a:prstGeom prst="roundRect">
-              <a:avLst>
-                <a:gd name="adj" fmla="val 50000"/>
-              </a:avLst>
-            </a:prstGeom>
-            <a:solidFill>
-              <a:schemeClr val="tx1"/>
-            </a:solidFill>
-            <a:ln>
-              <a:noFill/>
-            </a:ln>
-          </p:spPr>
-          <p:style>
-            <a:lnRef idx="2">
-              <a:schemeClr val="accent1">
-                <a:shade val="50000"/>
-              </a:schemeClr>
-            </a:lnRef>
-            <a:fillRef idx="1">
-              <a:schemeClr val="accent1"/>
-            </a:fillRef>
-            <a:effectRef idx="0">
-              <a:schemeClr val="accent1"/>
-            </a:effectRef>
-            <a:fontRef idx="minor">
-              <a:schemeClr val="lt1"/>
-            </a:fontRef>
-          </p:style>
-          <p:txBody>
-            <a:bodyPr rtlCol="0" anchor="ctr"/>
-            <a:lstStyle/>
-            <a:p>
-              <a:pPr algn="ctr"/>
-              <a:endParaRPr lang="de-DE"/>
-            </a:p>
-          </p:txBody>
-        </p:sp>
-      </p:grpSp>
-      <p:pic>
-        <p:nvPicPr>
-          <p:cNvPr id="16" name="Grafik 15">
-            <a:extLst>
-              <a:ext uri="{FF2B5EF4-FFF2-40B4-BE49-F238E27FC236}">
-                <a16:creationId xmlns:a16="http://schemas.microsoft.com/office/drawing/2014/main" id="{6E18F217-6742-4AB3-B106-948D513F17C1}"/>
-              </a:ext>
-            </a:extLst>
-          </p:cNvPr>
-          <p:cNvPicPr>
-            <a:picLocks noChangeAspect="1"/>
-          </p:cNvPicPr>
-          <p:nvPr/>
-        </p:nvPicPr>
-        <p:blipFill>
-          <a:blip r:embed="rId2">
-            <a:extLst>
-              <a:ext uri="{28A0092B-C50C-407E-A947-70E740481C1C}">
-                <a14:useLocalDpi xmlns:a14="http://schemas.microsoft.com/office/drawing/2010/main" val="0"/>
-              </a:ext>
-            </a:extLst>
-          </a:blip>
-          <a:stretch>
-            <a:fillRect/>
-          </a:stretch>
-        </p:blipFill>
-        <p:spPr>
-          <a:xfrm>
-            <a:off x="329492" y="3726980"/>
-            <a:ext cx="2160000" cy="2160000"/>
-          </a:xfrm>
-          <a:prstGeom prst="rect">
-            <a:avLst/>
-          </a:prstGeom>
-        </p:spPr>
-      </p:pic>
-      <p:pic>
-        <p:nvPicPr>
-          <p:cNvPr id="18" name="Grafik 17">
-            <a:extLst>
-              <a:ext uri="{FF2B5EF4-FFF2-40B4-BE49-F238E27FC236}">
-                <a16:creationId xmlns:a16="http://schemas.microsoft.com/office/drawing/2014/main" id="{4E005AAA-E214-43F5-876B-36BB3EC2A121}"/>
-              </a:ext>
-            </a:extLst>
-          </p:cNvPr>
-          <p:cNvPicPr>
-            <a:picLocks noChangeAspect="1"/>
-          </p:cNvPicPr>
-          <p:nvPr/>
-        </p:nvPicPr>
-        <p:blipFill>
-          <a:blip r:embed="rId3">
-            <a:extLst>
-              <a:ext uri="{28A0092B-C50C-407E-A947-70E740481C1C}">
-                <a14:useLocalDpi xmlns:a14="http://schemas.microsoft.com/office/drawing/2010/main" val="0"/>
-              </a:ext>
-            </a:extLst>
-          </a:blip>
-          <a:stretch>
-            <a:fillRect/>
-          </a:stretch>
-        </p:blipFill>
-        <p:spPr>
-          <a:xfrm>
-            <a:off x="6867405" y="3906980"/>
-            <a:ext cx="1800000" cy="1800000"/>
-          </a:xfrm>
-          <a:prstGeom prst="rect">
-            <a:avLst/>
-          </a:prstGeom>
-        </p:spPr>
-      </p:pic>
-      <p:pic>
-        <p:nvPicPr>
-          <p:cNvPr id="20" name="Grafik 19">
-            <a:extLst>
-              <a:ext uri="{FF2B5EF4-FFF2-40B4-BE49-F238E27FC236}">
-                <a16:creationId xmlns:a16="http://schemas.microsoft.com/office/drawing/2014/main" id="{E2857178-2BDD-4D29-9E76-2B3A21CFDA07}"/>
-              </a:ext>
-            </a:extLst>
-          </p:cNvPr>
-          <p:cNvPicPr>
-            <a:picLocks noChangeAspect="1"/>
-          </p:cNvPicPr>
-          <p:nvPr/>
-        </p:nvPicPr>
-        <p:blipFill>
-          <a:blip r:embed="rId4">
-            <a:extLst>
-              <a:ext uri="{28A0092B-C50C-407E-A947-70E740481C1C}">
-                <a14:useLocalDpi xmlns:a14="http://schemas.microsoft.com/office/drawing/2010/main" val="0"/>
-              </a:ext>
-            </a:extLst>
-          </a:blip>
-          <a:stretch>
-            <a:fillRect/>
-          </a:stretch>
-        </p:blipFill>
-        <p:spPr>
-          <a:xfrm>
-            <a:off x="6867405" y="907385"/>
-            <a:ext cx="1800000" cy="1800000"/>
-          </a:xfrm>
-          <a:prstGeom prst="rect">
-            <a:avLst/>
-          </a:prstGeom>
-        </p:spPr>
-      </p:pic>
-      <p:sp>
-        <p:nvSpPr>
-          <p:cNvPr id="21" name="Textfeld 20">
-            <a:extLst>
-              <a:ext uri="{FF2B5EF4-FFF2-40B4-BE49-F238E27FC236}">
-                <a16:creationId xmlns:a16="http://schemas.microsoft.com/office/drawing/2014/main" id="{87D02C1E-5D84-44B6-9869-9918BEB72475}"/>
-              </a:ext>
-            </a:extLst>
-          </p:cNvPr>
-          <p:cNvSpPr txBox="1"/>
-          <p:nvPr/>
-        </p:nvSpPr>
-        <p:spPr>
-          <a:xfrm>
-            <a:off x="2700707" y="1545775"/>
-            <a:ext cx="1749197" cy="523220"/>
-          </a:xfrm>
-          <a:prstGeom prst="rect">
-            <a:avLst/>
-          </a:prstGeom>
-          <a:noFill/>
-        </p:spPr>
-        <p:txBody>
-          <a:bodyPr wrap="none" rtlCol="0">
-            <a:spAutoFit/>
-          </a:bodyPr>
-          <a:lstStyle/>
-          <a:p>
-            <a:r>
-              <a:rPr lang="de-DE" sz="2800" dirty="0"/>
-              <a:t>X </a:t>
-            </a:r>
-            <a:r>
-              <a:rPr lang="de-DE" sz="2800" dirty="0" err="1"/>
-              <a:t>Commits</a:t>
-            </a:r>
-            <a:endParaRPr lang="de-DE" sz="2800" dirty="0"/>
-          </a:p>
-        </p:txBody>
-      </p:sp>
-      <p:sp>
-        <p:nvSpPr>
-          <p:cNvPr id="22" name="Textfeld 21">
-            <a:extLst>
-              <a:ext uri="{FF2B5EF4-FFF2-40B4-BE49-F238E27FC236}">
-                <a16:creationId xmlns:a16="http://schemas.microsoft.com/office/drawing/2014/main" id="{DB48A0F6-C68F-4D63-8DA8-3A00150418D8}"/>
-              </a:ext>
-            </a:extLst>
-          </p:cNvPr>
-          <p:cNvSpPr txBox="1"/>
-          <p:nvPr/>
-        </p:nvSpPr>
-        <p:spPr>
-          <a:xfrm>
-            <a:off x="2322018" y="4545370"/>
-            <a:ext cx="4246547" cy="523220"/>
-          </a:xfrm>
-          <a:prstGeom prst="rect">
-            <a:avLst/>
-          </a:prstGeom>
-          <a:noFill/>
-        </p:spPr>
-        <p:txBody>
-          <a:bodyPr wrap="none" rtlCol="0">
-            <a:spAutoFit/>
-          </a:bodyPr>
-          <a:lstStyle/>
-          <a:p>
-            <a:r>
-              <a:rPr lang="de-DE" sz="2800" dirty="0"/>
-              <a:t>X Klassen und Schnittstellen</a:t>
-            </a:r>
-          </a:p>
-        </p:txBody>
-      </p:sp>
-      <p:sp>
-        <p:nvSpPr>
-          <p:cNvPr id="23" name="Textfeld 22">
-            <a:extLst>
-              <a:ext uri="{FF2B5EF4-FFF2-40B4-BE49-F238E27FC236}">
-                <a16:creationId xmlns:a16="http://schemas.microsoft.com/office/drawing/2014/main" id="{B8AACBC5-5D47-4E41-BAA0-2A32E9D34606}"/>
-              </a:ext>
-            </a:extLst>
-          </p:cNvPr>
-          <p:cNvSpPr txBox="1"/>
-          <p:nvPr/>
-        </p:nvSpPr>
-        <p:spPr>
-          <a:xfrm>
-            <a:off x="9268303" y="1545628"/>
-            <a:ext cx="1424429" cy="523220"/>
-          </a:xfrm>
-          <a:prstGeom prst="rect">
-            <a:avLst/>
-          </a:prstGeom>
-          <a:noFill/>
-        </p:spPr>
-        <p:txBody>
-          <a:bodyPr wrap="none" rtlCol="0">
-            <a:spAutoFit/>
-          </a:bodyPr>
-          <a:lstStyle/>
-          <a:p>
-            <a:r>
-              <a:rPr lang="de-DE" sz="2800" dirty="0"/>
-              <a:t>X Pakete</a:t>
-            </a:r>
-          </a:p>
-        </p:txBody>
-      </p:sp>
-      <p:sp>
-        <p:nvSpPr>
-          <p:cNvPr id="24" name="Textfeld 23">
-            <a:extLst>
-              <a:ext uri="{FF2B5EF4-FFF2-40B4-BE49-F238E27FC236}">
-                <a16:creationId xmlns:a16="http://schemas.microsoft.com/office/drawing/2014/main" id="{882F3547-26A0-440A-9580-BB06BAAB2FF1}"/>
-              </a:ext>
-            </a:extLst>
-          </p:cNvPr>
-          <p:cNvSpPr txBox="1"/>
-          <p:nvPr/>
-        </p:nvSpPr>
-        <p:spPr>
-          <a:xfrm>
-            <a:off x="8991216" y="4545370"/>
-            <a:ext cx="2883738" cy="523220"/>
-          </a:xfrm>
-          <a:prstGeom prst="rect">
-            <a:avLst/>
-          </a:prstGeom>
-          <a:noFill/>
-        </p:spPr>
-        <p:txBody>
-          <a:bodyPr wrap="none" rtlCol="0">
-            <a:spAutoFit/>
-          </a:bodyPr>
-          <a:lstStyle/>
-          <a:p>
-            <a:r>
-              <a:rPr lang="de-DE" sz="2800" dirty="0"/>
-              <a:t>X Zeilen Quellcode</a:t>
-            </a:r>
-          </a:p>
-        </p:txBody>
-      </p:sp>
-    </p:spTree>
-    <p:extLst>
-      <p:ext uri="{BB962C8B-B14F-4D97-AF65-F5344CB8AC3E}">
-        <p14:creationId xmlns:p14="http://schemas.microsoft.com/office/powerpoint/2010/main" val="2983204798"/>
-      </p:ext>
-    </p:extLst>
-  </p:cSld>
-  <p:clrMapOvr>
-    <a:masterClrMapping/>
-  </p:clrMapOvr>
-  <p:timing>
-    <p:tnLst>
-      <p:par>
-        <p:cTn id="1" dur="indefinite" restart="never" nodeType="tmRoot">
-          <p:childTnLst>
-            <p:seq concurrent="1" nextAc="seek">
-              <p:cTn id="2" dur="indefinite" nodeType="mainSeq">
-                <p:childTnLst>
-                  <p:par>
-                    <p:cTn id="3" fill="hold">
-                      <p:stCondLst>
-                        <p:cond delay="indefinite"/>
-                      </p:stCondLst>
-                      <p:childTnLst>
-                        <p:par>
-                          <p:cTn id="4" fill="hold">
-                            <p:stCondLst>
-                              <p:cond delay="0"/>
-                            </p:stCondLst>
-                            <p:childTnLst>
-                              <p:par>
-                                <p:cTn id="5" presetID="1" presetClass="entr" presetSubtype="0" fill="hold" nodeType="clickEffect">
-                                  <p:stCondLst>
-                                    <p:cond delay="0"/>
-                                  </p:stCondLst>
-                                  <p:childTnLst>
-                                    <p:set>
-                                      <p:cBhvr>
-                                        <p:cTn id="6" dur="1" fill="hold">
-                                          <p:stCondLst>
-                                            <p:cond delay="0"/>
-                                          </p:stCondLst>
-                                        </p:cTn>
-                                        <p:tgtEl>
-                                          <p:spTgt spid="14"/>
-                                        </p:tgtEl>
-                                        <p:attrNameLst>
-                                          <p:attrName>style.visibility</p:attrName>
-                                        </p:attrNameLst>
-                                      </p:cBhvr>
-                                      <p:to>
-                                        <p:strVal val="visible"/>
-                                      </p:to>
-                                    </p:set>
-                                  </p:childTnLst>
-                                </p:cTn>
-                              </p:par>
-                              <p:par>
-                                <p:cTn id="7" presetID="1" presetClass="entr" presetSubtype="0" fill="hold" grpId="0" nodeType="withEffect">
-                                  <p:stCondLst>
-                                    <p:cond delay="0"/>
-                                  </p:stCondLst>
-                                  <p:childTnLst>
-                                    <p:set>
-                                      <p:cBhvr>
-                                        <p:cTn id="8" dur="1" fill="hold">
-                                          <p:stCondLst>
-                                            <p:cond delay="0"/>
-                                          </p:stCondLst>
-                                        </p:cTn>
-                                        <p:tgtEl>
-                                          <p:spTgt spid="21"/>
-                                        </p:tgtEl>
-                                        <p:attrNameLst>
-                                          <p:attrName>style.visibility</p:attrName>
-                                        </p:attrNameLst>
-                                      </p:cBhvr>
-                                      <p:to>
-                                        <p:strVal val="visible"/>
-                                      </p:to>
-                                    </p:set>
-                                  </p:childTnLst>
-                                </p:cTn>
-                              </p:par>
-                            </p:childTnLst>
-                          </p:cTn>
-                        </p:par>
-                      </p:childTnLst>
-                    </p:cTn>
-                  </p:par>
-                  <p:par>
-                    <p:cTn id="9" fill="hold">
-                      <p:stCondLst>
-                        <p:cond delay="indefinite"/>
-                      </p:stCondLst>
-                      <p:childTnLst>
-                        <p:par>
-                          <p:cTn id="10" fill="hold">
-                            <p:stCondLst>
-                              <p:cond delay="0"/>
-                            </p:stCondLst>
-                            <p:childTnLst>
-                              <p:par>
-                                <p:cTn id="11" presetID="1" presetClass="entr" presetSubtype="0" fill="hold" nodeType="clickEffect">
-                                  <p:stCondLst>
-                                    <p:cond delay="0"/>
-                                  </p:stCondLst>
-                                  <p:childTnLst>
-                                    <p:set>
-                                      <p:cBhvr>
-                                        <p:cTn id="12" dur="1" fill="hold">
-                                          <p:stCondLst>
-                                            <p:cond delay="0"/>
-                                          </p:stCondLst>
-                                        </p:cTn>
-                                        <p:tgtEl>
-                                          <p:spTgt spid="16"/>
-                                        </p:tgtEl>
-                                        <p:attrNameLst>
-                                          <p:attrName>style.visibility</p:attrName>
-                                        </p:attrNameLst>
-                                      </p:cBhvr>
-                                      <p:to>
-                                        <p:strVal val="visible"/>
-                                      </p:to>
-                                    </p:set>
-                                  </p:childTnLst>
-                                </p:cTn>
-                              </p:par>
-                              <p:par>
-                                <p:cTn id="13" presetID="1" presetClass="entr" presetSubtype="0" fill="hold" grpId="0" nodeType="withEffect">
-                                  <p:stCondLst>
-                                    <p:cond delay="0"/>
-                                  </p:stCondLst>
-                                  <p:childTnLst>
-                                    <p:set>
-                                      <p:cBhvr>
-                                        <p:cTn id="14" dur="1" fill="hold">
-                                          <p:stCondLst>
-                                            <p:cond delay="0"/>
-                                          </p:stCondLst>
-                                        </p:cTn>
-                                        <p:tgtEl>
-                                          <p:spTgt spid="22"/>
-                                        </p:tgtEl>
-                                        <p:attrNameLst>
-                                          <p:attrName>style.visibility</p:attrName>
-                                        </p:attrNameLst>
-                                      </p:cBhvr>
-                                      <p:to>
-                                        <p:strVal val="visible"/>
-                                      </p:to>
-                                    </p:set>
-                                  </p:childTnLst>
-                                </p:cTn>
-                              </p:par>
-                            </p:childTnLst>
-                          </p:cTn>
-                        </p:par>
-                      </p:childTnLst>
-                    </p:cTn>
-                  </p:par>
-                  <p:par>
-                    <p:cTn id="15" fill="hold">
-                      <p:stCondLst>
-                        <p:cond delay="indefinite"/>
-                      </p:stCondLst>
-                      <p:childTnLst>
-                        <p:par>
-                          <p:cTn id="16" fill="hold">
-                            <p:stCondLst>
-                              <p:cond delay="0"/>
-                            </p:stCondLst>
-                            <p:childTnLst>
-                              <p:par>
-                                <p:cTn id="17" presetID="1" presetClass="entr" presetSubtype="0" fill="hold" nodeType="clickEffect">
-                                  <p:stCondLst>
-                                    <p:cond delay="0"/>
-                                  </p:stCondLst>
-                                  <p:childTnLst>
-                                    <p:set>
-                                      <p:cBhvr>
-                                        <p:cTn id="18" dur="1" fill="hold">
-                                          <p:stCondLst>
-                                            <p:cond delay="0"/>
-                                          </p:stCondLst>
-                                        </p:cTn>
-                                        <p:tgtEl>
-                                          <p:spTgt spid="20"/>
-                                        </p:tgtEl>
-                                        <p:attrNameLst>
-                                          <p:attrName>style.visibility</p:attrName>
-                                        </p:attrNameLst>
-                                      </p:cBhvr>
-                                      <p:to>
-                                        <p:strVal val="visible"/>
-                                      </p:to>
-                                    </p:set>
-                                  </p:childTnLst>
-                                </p:cTn>
-                              </p:par>
-                              <p:par>
-                                <p:cTn id="19" presetID="1" presetClass="entr" presetSubtype="0" fill="hold" grpId="0" nodeType="withEffect">
-                                  <p:stCondLst>
-                                    <p:cond delay="0"/>
-                                  </p:stCondLst>
-                                  <p:childTnLst>
-                                    <p:set>
-                                      <p:cBhvr>
-                                        <p:cTn id="20" dur="1" fill="hold">
-                                          <p:stCondLst>
-                                            <p:cond delay="0"/>
-                                          </p:stCondLst>
-                                        </p:cTn>
-                                        <p:tgtEl>
-                                          <p:spTgt spid="23"/>
-                                        </p:tgtEl>
-                                        <p:attrNameLst>
-                                          <p:attrName>style.visibility</p:attrName>
-                                        </p:attrNameLst>
-                                      </p:cBhvr>
-                                      <p:to>
-                                        <p:strVal val="visible"/>
-                                      </p:to>
-                                    </p:set>
-                                  </p:childTnLst>
-                                </p:cTn>
-                              </p:par>
-                            </p:childTnLst>
-                          </p:cTn>
-                        </p:par>
-                      </p:childTnLst>
-                    </p:cTn>
-                  </p:par>
-                  <p:par>
-                    <p:cTn id="21" fill="hold">
-                      <p:stCondLst>
-                        <p:cond delay="indefinite"/>
-                      </p:stCondLst>
-                      <p:childTnLst>
-                        <p:par>
-                          <p:cTn id="22" fill="hold">
-                            <p:stCondLst>
-                              <p:cond delay="0"/>
-                            </p:stCondLst>
-                            <p:childTnLst>
-                              <p:par>
-                                <p:cTn id="23" presetID="1" presetClass="entr" presetSubtype="0" fill="hold" nodeType="clickEffect">
-                                  <p:stCondLst>
-                                    <p:cond delay="0"/>
-                                  </p:stCondLst>
-                                  <p:childTnLst>
-                                    <p:set>
-                                      <p:cBhvr>
-                                        <p:cTn id="24" dur="1" fill="hold">
-                                          <p:stCondLst>
-                                            <p:cond delay="0"/>
-                                          </p:stCondLst>
-                                        </p:cTn>
-                                        <p:tgtEl>
-                                          <p:spTgt spid="18"/>
-                                        </p:tgtEl>
-                                        <p:attrNameLst>
-                                          <p:attrName>style.visibility</p:attrName>
-                                        </p:attrNameLst>
-                                      </p:cBhvr>
-                                      <p:to>
-                                        <p:strVal val="visible"/>
-                                      </p:to>
-                                    </p:set>
-                                  </p:childTnLst>
-                                </p:cTn>
-                              </p:par>
-                              <p:par>
-                                <p:cTn id="25" presetID="1" presetClass="entr" presetSubtype="0" fill="hold" grpId="0" nodeType="withEffect">
-                                  <p:stCondLst>
-                                    <p:cond delay="0"/>
-                                  </p:stCondLst>
-                                  <p:childTnLst>
-                                    <p:set>
-                                      <p:cBhvr>
-                                        <p:cTn id="26" dur="1" fill="hold">
-                                          <p:stCondLst>
-                                            <p:cond delay="0"/>
-                                          </p:stCondLst>
-                                        </p:cTn>
-                                        <p:tgtEl>
-                                          <p:spTgt spid="24"/>
-                                        </p:tgtEl>
-                                        <p:attrNameLst>
-                                          <p:attrName>style.visibility</p:attrName>
-                                        </p:attrNameLst>
-                                      </p:cBhvr>
-                                      <p:to>
-                                        <p:strVal val="visible"/>
-                                      </p:to>
-                                    </p:set>
-                                  </p:childTnLst>
-                                </p:cTn>
-                              </p:par>
-                            </p:childTnLst>
-                          </p:cTn>
-                        </p:par>
-                      </p:childTnLst>
-                    </p:cTn>
-                  </p:par>
-                </p:childTnLst>
-              </p:cTn>
-              <p:prevCondLst>
-                <p:cond evt="onPrev" delay="0">
-                  <p:tgtEl>
-                    <p:sldTgt/>
-                  </p:tgtEl>
-                </p:cond>
-              </p:prevCondLst>
-              <p:nextCondLst>
-                <p:cond evt="onNext" delay="0">
-                  <p:tgtEl>
-                    <p:sldTgt/>
-                  </p:tgtEl>
-                </p:cond>
-              </p:nextCondLst>
-            </p:seq>
-          </p:childTnLst>
-        </p:cTn>
-      </p:par>
-    </p:tnLst>
-    <p:bldLst>
-      <p:bldP spid="21" grpId="0"/>
-      <p:bldP spid="22" grpId="0"/>
-      <p:bldP spid="23" grpId="0"/>
-      <p:bldP spid="24" grpId="0"/>
-    </p:bldLst>
-  </p:timing>
-</p:sld>
-</file>
-
-<file path=ppt/slides/slide3.xml><?xml version="1.0" encoding="utf-8"?>
 <p:sld xmlns:a="http://schemas.openxmlformats.org/drawingml/2006/main" xmlns:r="http://schemas.openxmlformats.org/officeDocument/2006/relationships" xmlns:p="http://schemas.openxmlformats.org/presentationml/2006/main">
   <p:cSld>
     <p:spTree>
@@ -5067,7 +4270,7 @@
 </p:sld>
 </file>
 
-<file path=ppt/slides/slide4.xml><?xml version="1.0" encoding="utf-8"?>
+<file path=ppt/slides/slide3.xml><?xml version="1.0" encoding="utf-8"?>
 <p:sld xmlns:a="http://schemas.openxmlformats.org/drawingml/2006/main" xmlns:r="http://schemas.openxmlformats.org/officeDocument/2006/relationships" xmlns:p="http://schemas.openxmlformats.org/presentationml/2006/main">
   <p:cSld>
     <p:spTree>
@@ -5730,7 +4933,7 @@
 </p:sld>
 </file>
 
-<file path=ppt/slides/slide5.xml><?xml version="1.0" encoding="utf-8"?>
+<file path=ppt/slides/slide4.xml><?xml version="1.0" encoding="utf-8"?>
 <p:sld xmlns:a="http://schemas.openxmlformats.org/drawingml/2006/main" xmlns:r="http://schemas.openxmlformats.org/officeDocument/2006/relationships" xmlns:p="http://schemas.openxmlformats.org/presentationml/2006/main">
   <p:cSld>
     <p:spTree>
@@ -6576,7 +5779,7 @@
 </p:sld>
 </file>
 
-<file path=ppt/slides/slide6.xml><?xml version="1.0" encoding="utf-8"?>
+<file path=ppt/slides/slide5.xml><?xml version="1.0" encoding="utf-8"?>
 <p:sld xmlns:a="http://schemas.openxmlformats.org/drawingml/2006/main" xmlns:r="http://schemas.openxmlformats.org/officeDocument/2006/relationships" xmlns:p="http://schemas.openxmlformats.org/presentationml/2006/main">
   <p:cSld>
     <p:spTree>

--- a/Dokumente/Implementierung/Präsentation/Präsentation.pptx
+++ b/Dokumente/Implementierung/Präsentation/Präsentation.pptx
@@ -4049,7 +4049,7 @@
                                           </p:stCondLst>
                                         </p:cTn>
                                         <p:tgtEl>
-                                          <p:spTgt spid="20"/>
+                                          <p:spTgt spid="16"/>
                                         </p:tgtEl>
                                         <p:attrNameLst>
                                           <p:attrName>style.visibility</p:attrName>
@@ -4076,7 +4076,7 @@
                                           </p:stCondLst>
                                         </p:cTn>
                                         <p:tgtEl>
-                                          <p:spTgt spid="23"/>
+                                          <p:spTgt spid="22"/>
                                         </p:tgtEl>
                                         <p:attrNameLst>
                                           <p:attrName>style.visibility</p:attrName>
@@ -4121,7 +4121,7 @@
                                           </p:stCondLst>
                                         </p:cTn>
                                         <p:tgtEl>
-                                          <p:spTgt spid="16"/>
+                                          <p:spTgt spid="20"/>
                                         </p:tgtEl>
                                         <p:attrNameLst>
                                           <p:attrName>style.visibility</p:attrName>
@@ -4148,7 +4148,7 @@
                                           </p:stCondLst>
                                         </p:cTn>
                                         <p:tgtEl>
-                                          <p:spTgt spid="22"/>
+                                          <p:spTgt spid="23"/>
                                         </p:tgtEl>
                                         <p:attrNameLst>
                                           <p:attrName>style.visibility</p:attrName>

--- a/Dokumente/Implementierung/Präsentation/Präsentation.pptx
+++ b/Dokumente/Implementierung/Präsentation/Präsentation.pptx
@@ -265,7 +265,7 @@
           <a:p>
             <a:fld id="{B94FB1BE-082E-4373-BD0C-0A54DA9A4AF0}" type="datetimeFigureOut">
               <a:rPr lang="de-CH" smtClean="0"/>
-              <a:t>30.01.2019</a:t>
+              <a:t>31.01.2019</a:t>
             </a:fld>
             <a:endParaRPr lang="de-CH"/>
           </a:p>
@@ -465,7 +465,7 @@
           <a:p>
             <a:fld id="{B94FB1BE-082E-4373-BD0C-0A54DA9A4AF0}" type="datetimeFigureOut">
               <a:rPr lang="de-CH" smtClean="0"/>
-              <a:t>30.01.2019</a:t>
+              <a:t>31.01.2019</a:t>
             </a:fld>
             <a:endParaRPr lang="de-CH"/>
           </a:p>
@@ -675,7 +675,7 @@
           <a:p>
             <a:fld id="{B94FB1BE-082E-4373-BD0C-0A54DA9A4AF0}" type="datetimeFigureOut">
               <a:rPr lang="de-CH" smtClean="0"/>
-              <a:t>30.01.2019</a:t>
+              <a:t>31.01.2019</a:t>
             </a:fld>
             <a:endParaRPr lang="de-CH"/>
           </a:p>
@@ -875,7 +875,7 @@
           <a:p>
             <a:fld id="{B94FB1BE-082E-4373-BD0C-0A54DA9A4AF0}" type="datetimeFigureOut">
               <a:rPr lang="de-CH" smtClean="0"/>
-              <a:t>30.01.2019</a:t>
+              <a:t>31.01.2019</a:t>
             </a:fld>
             <a:endParaRPr lang="de-CH"/>
           </a:p>
@@ -1151,7 +1151,7 @@
           <a:p>
             <a:fld id="{B94FB1BE-082E-4373-BD0C-0A54DA9A4AF0}" type="datetimeFigureOut">
               <a:rPr lang="de-CH" smtClean="0"/>
-              <a:t>30.01.2019</a:t>
+              <a:t>31.01.2019</a:t>
             </a:fld>
             <a:endParaRPr lang="de-CH"/>
           </a:p>
@@ -1419,7 +1419,7 @@
           <a:p>
             <a:fld id="{B94FB1BE-082E-4373-BD0C-0A54DA9A4AF0}" type="datetimeFigureOut">
               <a:rPr lang="de-CH" smtClean="0"/>
-              <a:t>30.01.2019</a:t>
+              <a:t>31.01.2019</a:t>
             </a:fld>
             <a:endParaRPr lang="de-CH"/>
           </a:p>
@@ -1834,7 +1834,7 @@
           <a:p>
             <a:fld id="{B94FB1BE-082E-4373-BD0C-0A54DA9A4AF0}" type="datetimeFigureOut">
               <a:rPr lang="de-CH" smtClean="0"/>
-              <a:t>30.01.2019</a:t>
+              <a:t>31.01.2019</a:t>
             </a:fld>
             <a:endParaRPr lang="de-CH"/>
           </a:p>
@@ -1976,7 +1976,7 @@
           <a:p>
             <a:fld id="{B94FB1BE-082E-4373-BD0C-0A54DA9A4AF0}" type="datetimeFigureOut">
               <a:rPr lang="de-CH" smtClean="0"/>
-              <a:t>30.01.2019</a:t>
+              <a:t>31.01.2019</a:t>
             </a:fld>
             <a:endParaRPr lang="de-CH"/>
           </a:p>
@@ -2089,7 +2089,7 @@
           <a:p>
             <a:fld id="{B94FB1BE-082E-4373-BD0C-0A54DA9A4AF0}" type="datetimeFigureOut">
               <a:rPr lang="de-CH" smtClean="0"/>
-              <a:t>30.01.2019</a:t>
+              <a:t>31.01.2019</a:t>
             </a:fld>
             <a:endParaRPr lang="de-CH"/>
           </a:p>
@@ -2402,7 +2402,7 @@
           <a:p>
             <a:fld id="{B94FB1BE-082E-4373-BD0C-0A54DA9A4AF0}" type="datetimeFigureOut">
               <a:rPr lang="de-CH" smtClean="0"/>
-              <a:t>30.01.2019</a:t>
+              <a:t>31.01.2019</a:t>
             </a:fld>
             <a:endParaRPr lang="de-CH"/>
           </a:p>
@@ -2691,7 +2691,7 @@
           <a:p>
             <a:fld id="{B94FB1BE-082E-4373-BD0C-0A54DA9A4AF0}" type="datetimeFigureOut">
               <a:rPr lang="de-CH" smtClean="0"/>
-              <a:t>30.01.2019</a:t>
+              <a:t>31.01.2019</a:t>
             </a:fld>
             <a:endParaRPr lang="de-CH"/>
           </a:p>
@@ -2934,7 +2934,7 @@
           <a:p>
             <a:fld id="{B94FB1BE-082E-4373-BD0C-0A54DA9A4AF0}" type="datetimeFigureOut">
               <a:rPr lang="de-CH" smtClean="0"/>
-              <a:t>30.01.2019</a:t>
+              <a:t>31.01.2019</a:t>
             </a:fld>
             <a:endParaRPr lang="de-CH"/>
           </a:p>
@@ -3798,8 +3798,8 @@
         </p:nvSpPr>
         <p:spPr>
           <a:xfrm>
-            <a:off x="1938819" y="2597047"/>
-            <a:ext cx="1749197" cy="523220"/>
+            <a:off x="1757680" y="2597047"/>
+            <a:ext cx="2111476" cy="523220"/>
           </a:xfrm>
           <a:prstGeom prst="rect">
             <a:avLst/>
@@ -3815,7 +3815,7 @@
             <a:pPr algn="ctr"/>
             <a:r>
               <a:rPr lang="de-DE" sz="2800" dirty="0"/>
-              <a:t>X </a:t>
+              <a:t>300 </a:t>
             </a:r>
             <a:r>
               <a:rPr lang="de-DE" sz="2800" dirty="0" err="1"/>
@@ -3839,8 +3839,8 @@
         </p:nvSpPr>
         <p:spPr>
           <a:xfrm>
-            <a:off x="690145" y="5614617"/>
-            <a:ext cx="4246547" cy="523220"/>
+            <a:off x="509006" y="5614617"/>
+            <a:ext cx="4608827" cy="523220"/>
           </a:xfrm>
           <a:prstGeom prst="rect">
             <a:avLst/>
@@ -3856,7 +3856,7 @@
             <a:pPr algn="ctr"/>
             <a:r>
               <a:rPr lang="de-DE" sz="2800" dirty="0"/>
-              <a:t>X Klassen und Schnittstellen</a:t>
+              <a:t>114 Klassen und Schnittstellen</a:t>
             </a:r>
           </a:p>
         </p:txBody>
@@ -3875,8 +3875,8 @@
         </p:nvSpPr>
         <p:spPr>
           <a:xfrm>
-            <a:off x="8459118" y="2597047"/>
-            <a:ext cx="1424429" cy="523220"/>
+            <a:off x="8369350" y="2597047"/>
+            <a:ext cx="1603965" cy="523220"/>
           </a:xfrm>
           <a:prstGeom prst="rect">
             <a:avLst/>
@@ -3892,7 +3892,7 @@
             <a:pPr algn="ctr"/>
             <a:r>
               <a:rPr lang="de-DE" sz="2800" dirty="0"/>
-              <a:t>X Pakete</a:t>
+              <a:t>20 Pakete</a:t>
             </a:r>
           </a:p>
         </p:txBody>
@@ -3911,8 +3911,8 @@
         </p:nvSpPr>
         <p:spPr>
           <a:xfrm>
-            <a:off x="7729463" y="5614617"/>
-            <a:ext cx="2883738" cy="523220"/>
+            <a:off x="7365583" y="5614617"/>
+            <a:ext cx="3611501" cy="523220"/>
           </a:xfrm>
           <a:prstGeom prst="rect">
             <a:avLst/>
@@ -3927,8 +3927,12 @@
           <a:p>
             <a:pPr algn="ctr"/>
             <a:r>
+              <a:rPr lang="de-DE" sz="2800"/>
+              <a:t>15000 </a:t>
+            </a:r>
+            <a:r>
               <a:rPr lang="de-DE" sz="2800" dirty="0"/>
-              <a:t>X Zeilen Quellcode</a:t>
+              <a:t>Zeilen Quellcode</a:t>
             </a:r>
           </a:p>
         </p:txBody>

--- a/Dokumente/Implementierung/Präsentation/Präsentation.pptx
+++ b/Dokumente/Implementierung/Präsentation/Präsentation.pptx
@@ -3815,7 +3815,7 @@
             <a:pPr algn="ctr"/>
             <a:r>
               <a:rPr lang="de-DE" sz="2800" dirty="0"/>
-              <a:t>300 </a:t>
+              <a:t>312 </a:t>
             </a:r>
             <a:r>
               <a:rPr lang="de-DE" sz="2800" dirty="0" err="1"/>
@@ -3892,7 +3892,7 @@
             <a:pPr algn="ctr"/>
             <a:r>
               <a:rPr lang="de-DE" sz="2800" dirty="0"/>
-              <a:t>20 Pakete</a:t>
+              <a:t>21 Pakete</a:t>
             </a:r>
           </a:p>
         </p:txBody>
@@ -3911,8 +3911,8 @@
         </p:nvSpPr>
         <p:spPr>
           <a:xfrm>
-            <a:off x="7365583" y="5614617"/>
-            <a:ext cx="3611501" cy="523220"/>
+            <a:off x="7319898" y="5614617"/>
+            <a:ext cx="3702873" cy="523220"/>
           </a:xfrm>
           <a:prstGeom prst="rect">
             <a:avLst/>
@@ -3927,12 +3927,8 @@
           <a:p>
             <a:pPr algn="ctr"/>
             <a:r>
-              <a:rPr lang="de-DE" sz="2800"/>
-              <a:t>15000 </a:t>
-            </a:r>
-            <a:r>
               <a:rPr lang="de-DE" sz="2800" dirty="0"/>
-              <a:t>Zeilen Quellcode</a:t>
+              <a:t>20.924 Zeilen Quellcode</a:t>
             </a:r>
           </a:p>
         </p:txBody>
